--- a/documentation/VR.pptx
+++ b/documentation/VR.pptx
@@ -6230,7 +6230,7 @@
         </p:blipFill>
         <p:spPr>
           <a:xfrm>
-            <a:off x="3511352" y="1361281"/>
+            <a:off x="2609652" y="967581"/>
             <a:ext cx="5169296" cy="4135437"/>
           </a:xfrm>
           <a:prstGeom prst="rect">

--- a/documentation/VR.pptx
+++ b/documentation/VR.pptx
@@ -12,9 +12,9 @@
     <p:sldId id="259" r:id="rId3"/>
     <p:sldId id="257" r:id="rId4"/>
     <p:sldId id="258" r:id="rId5"/>
-    <p:sldId id="261" r:id="rId6"/>
-    <p:sldId id="260" r:id="rId7"/>
-    <p:sldId id="262" r:id="rId8"/>
+    <p:sldId id="262" r:id="rId6"/>
+    <p:sldId id="261" r:id="rId7"/>
+    <p:sldId id="260" r:id="rId8"/>
     <p:sldId id="263" r:id="rId9"/>
     <p:sldId id="264" r:id="rId10"/>
     <p:sldId id="265" r:id="rId11"/>
@@ -208,7 +208,7 @@
           <a:p>
             <a:fld id="{5815E827-18C6-4DEA-9C91-07F2AB12A103}" type="datetimeFigureOut">
               <a:rPr lang="hu-HU" smtClean="0"/>
-              <a:t>2019.04.10.</a:t>
+              <a:t>2019. 04. 10.</a:t>
             </a:fld>
             <a:endParaRPr lang="hu-HU"/>
           </a:p>
@@ -1220,7 +1220,7 @@
           <a:p>
             <a:fld id="{D52D1170-0E3C-461E-885D-F828D29A0FF0}" type="datetimeFigureOut">
               <a:rPr lang="hu-HU" smtClean="0"/>
-              <a:t>2019.04.10.</a:t>
+              <a:t>2019. 04. 10.</a:t>
             </a:fld>
             <a:endParaRPr lang="hu-HU"/>
           </a:p>
@@ -1471,7 +1471,7 @@
           <a:p>
             <a:fld id="{D52D1170-0E3C-461E-885D-F828D29A0FF0}" type="datetimeFigureOut">
               <a:rPr lang="hu-HU" smtClean="0"/>
-              <a:t>2019.04.10.</a:t>
+              <a:t>2019. 04. 10.</a:t>
             </a:fld>
             <a:endParaRPr lang="hu-HU"/>
           </a:p>
@@ -1785,7 +1785,7 @@
           <a:p>
             <a:fld id="{D52D1170-0E3C-461E-885D-F828D29A0FF0}" type="datetimeFigureOut">
               <a:rPr lang="hu-HU" smtClean="0"/>
-              <a:t>2019.04.10.</a:t>
+              <a:t>2019. 04. 10.</a:t>
             </a:fld>
             <a:endParaRPr lang="hu-HU"/>
           </a:p>
@@ -2118,7 +2118,7 @@
           <a:p>
             <a:fld id="{D52D1170-0E3C-461E-885D-F828D29A0FF0}" type="datetimeFigureOut">
               <a:rPr lang="hu-HU" smtClean="0"/>
-              <a:t>2019.04.10.</a:t>
+              <a:t>2019. 04. 10.</a:t>
             </a:fld>
             <a:endParaRPr lang="hu-HU"/>
           </a:p>
@@ -2432,7 +2432,7 @@
           <a:p>
             <a:fld id="{D52D1170-0E3C-461E-885D-F828D29A0FF0}" type="datetimeFigureOut">
               <a:rPr lang="hu-HU" smtClean="0"/>
-              <a:t>2019.04.10.</a:t>
+              <a:t>2019. 04. 10.</a:t>
             </a:fld>
             <a:endParaRPr lang="hu-HU"/>
           </a:p>
@@ -2825,7 +2825,7 @@
           <a:p>
             <a:fld id="{D52D1170-0E3C-461E-885D-F828D29A0FF0}" type="datetimeFigureOut">
               <a:rPr lang="hu-HU" smtClean="0"/>
-              <a:t>2019.04.10.</a:t>
+              <a:t>2019. 04. 10.</a:t>
             </a:fld>
             <a:endParaRPr lang="hu-HU"/>
           </a:p>
@@ -2995,7 +2995,7 @@
           <a:p>
             <a:fld id="{D52D1170-0E3C-461E-885D-F828D29A0FF0}" type="datetimeFigureOut">
               <a:rPr lang="hu-HU" smtClean="0"/>
-              <a:t>2019.04.10.</a:t>
+              <a:t>2019. 04. 10.</a:t>
             </a:fld>
             <a:endParaRPr lang="hu-HU"/>
           </a:p>
@@ -3175,7 +3175,7 @@
           <a:p>
             <a:fld id="{D52D1170-0E3C-461E-885D-F828D29A0FF0}" type="datetimeFigureOut">
               <a:rPr lang="hu-HU" smtClean="0"/>
-              <a:t>2019.04.10.</a:t>
+              <a:t>2019. 04. 10.</a:t>
             </a:fld>
             <a:endParaRPr lang="hu-HU"/>
           </a:p>
@@ -3345,7 +3345,7 @@
           <a:p>
             <a:fld id="{D52D1170-0E3C-461E-885D-F828D29A0FF0}" type="datetimeFigureOut">
               <a:rPr lang="hu-HU" smtClean="0"/>
-              <a:t>2019.04.10.</a:t>
+              <a:t>2019. 04. 10.</a:t>
             </a:fld>
             <a:endParaRPr lang="hu-HU"/>
           </a:p>
@@ -3592,7 +3592,7 @@
           <a:p>
             <a:fld id="{D52D1170-0E3C-461E-885D-F828D29A0FF0}" type="datetimeFigureOut">
               <a:rPr lang="hu-HU" smtClean="0"/>
-              <a:t>2019.04.10.</a:t>
+              <a:t>2019. 04. 10.</a:t>
             </a:fld>
             <a:endParaRPr lang="hu-HU"/>
           </a:p>
@@ -3824,7 +3824,7 @@
           <a:p>
             <a:fld id="{D52D1170-0E3C-461E-885D-F828D29A0FF0}" type="datetimeFigureOut">
               <a:rPr lang="hu-HU" smtClean="0"/>
-              <a:t>2019.04.10.</a:t>
+              <a:t>2019. 04. 10.</a:t>
             </a:fld>
             <a:endParaRPr lang="hu-HU"/>
           </a:p>
@@ -4198,7 +4198,7 @@
           <a:p>
             <a:fld id="{D52D1170-0E3C-461E-885D-F828D29A0FF0}" type="datetimeFigureOut">
               <a:rPr lang="hu-HU" smtClean="0"/>
-              <a:t>2019.04.10.</a:t>
+              <a:t>2019. 04. 10.</a:t>
             </a:fld>
             <a:endParaRPr lang="hu-HU"/>
           </a:p>
@@ -4321,7 +4321,7 @@
           <a:p>
             <a:fld id="{D52D1170-0E3C-461E-885D-F828D29A0FF0}" type="datetimeFigureOut">
               <a:rPr lang="hu-HU" smtClean="0"/>
-              <a:t>2019.04.10.</a:t>
+              <a:t>2019. 04. 10.</a:t>
             </a:fld>
             <a:endParaRPr lang="hu-HU"/>
           </a:p>
@@ -4416,7 +4416,7 @@
           <a:p>
             <a:fld id="{D52D1170-0E3C-461E-885D-F828D29A0FF0}" type="datetimeFigureOut">
               <a:rPr lang="hu-HU" smtClean="0"/>
-              <a:t>2019.04.10.</a:t>
+              <a:t>2019. 04. 10.</a:t>
             </a:fld>
             <a:endParaRPr lang="hu-HU"/>
           </a:p>
@@ -4671,7 +4671,7 @@
           <a:p>
             <a:fld id="{D52D1170-0E3C-461E-885D-F828D29A0FF0}" type="datetimeFigureOut">
               <a:rPr lang="hu-HU" smtClean="0"/>
-              <a:t>2019.04.10.</a:t>
+              <a:t>2019. 04. 10.</a:t>
             </a:fld>
             <a:endParaRPr lang="hu-HU"/>
           </a:p>
@@ -4976,7 +4976,7 @@
           <a:p>
             <a:fld id="{D52D1170-0E3C-461E-885D-F828D29A0FF0}" type="datetimeFigureOut">
               <a:rPr lang="hu-HU" smtClean="0"/>
-              <a:t>2019.04.10.</a:t>
+              <a:t>2019. 04. 10.</a:t>
             </a:fld>
             <a:endParaRPr lang="hu-HU"/>
           </a:p>
@@ -5678,7 +5678,7 @@
           <a:p>
             <a:fld id="{D52D1170-0E3C-461E-885D-F828D29A0FF0}" type="datetimeFigureOut">
               <a:rPr lang="hu-HU" smtClean="0"/>
-              <a:t>2019.04.10.</a:t>
+              <a:t>2019. 04. 10.</a:t>
             </a:fld>
             <a:endParaRPr lang="hu-HU"/>
           </a:p>
@@ -6217,7 +6217,7 @@
           <p:nvPr/>
         </p:nvPicPr>
         <p:blipFill>
-          <a:blip r:embed="rId2">
+          <a:blip r:embed="rId2" cstate="hqprint">
             <a:extLst>
               <a:ext uri="{28A0092B-C50C-407E-A947-70E740481C1C}">
                 <a14:useLocalDpi xmlns:a14="http://schemas.microsoft.com/office/drawing/2010/main" val="0"/>
@@ -6230,7 +6230,7 @@
         </p:blipFill>
         <p:spPr>
           <a:xfrm>
-            <a:off x="2609652" y="967581"/>
+            <a:off x="2208208" y="822615"/>
             <a:ext cx="5169296" cy="4135437"/>
           </a:xfrm>
           <a:prstGeom prst="rect">
@@ -6558,9 +6558,18 @@
           <a:lstStyle/>
           <a:p>
             <a:r>
+              <a:rPr lang="hu-HU" i="1" dirty="0" smtClean="0"/>
+              <a:t>„Mikro </a:t>
+            </a:r>
+            <a:r>
               <a:rPr lang="hu-HU" i="1" dirty="0"/>
-              <a:t>Szálláshelyi ”mikro információs rendszer”</a:t>
-            </a:r>
+              <a:t>információs rendszer</a:t>
+            </a:r>
+            <a:r>
+              <a:rPr lang="hu-HU" i="1" dirty="0" smtClean="0"/>
+              <a:t>” szálláshelyek számára</a:t>
+            </a:r>
+            <a:endParaRPr lang="hu-HU" i="1" dirty="0"/>
           </a:p>
           <a:p>
             <a:endParaRPr lang="hu-HU" i="1" dirty="0"/>
@@ -6698,23 +6707,62 @@
           <a:p>
             <a:r>
               <a:rPr lang="hu-HU" dirty="0"/>
-              <a:t>Végtelenül egyszerűen kezelhető információs rendszer megteremtése</a:t>
-            </a:r>
-          </a:p>
-          <a:p>
+              <a:t>Végtelenül egyszerűen kezelhető információs rendszer </a:t>
+            </a:r>
+            <a:r>
+              <a:rPr lang="hu-HU" dirty="0" smtClean="0"/>
+              <a:t>megteremtése</a:t>
+            </a:r>
+          </a:p>
+          <a:p>
+            <a:endParaRPr lang="hu-HU" dirty="0" smtClean="0"/>
+          </a:p>
+          <a:p>
+            <a:pPr>
+              <a:buFont typeface="+mj-lt"/>
+              <a:buAutoNum type="arabicPeriod"/>
+            </a:pPr>
+            <a:r>
+              <a:rPr lang="hu-HU" dirty="0" smtClean="0"/>
+              <a:t>Általánosan </a:t>
+            </a:r>
+            <a:r>
+              <a:rPr lang="hu-HU" dirty="0"/>
+              <a:t>szükséges szolgáltatások egy rendszerbe való </a:t>
+            </a:r>
+            <a:r>
+              <a:rPr lang="hu-HU" dirty="0" smtClean="0"/>
+              <a:t>integrálása, megléte</a:t>
+            </a:r>
+          </a:p>
+          <a:p>
+            <a:pPr>
+              <a:buFont typeface="+mj-lt"/>
+              <a:buAutoNum type="arabicPeriod"/>
+            </a:pPr>
+            <a:r>
+              <a:rPr lang="hu-HU" dirty="0" smtClean="0"/>
+              <a:t>Szálláshelyi dolgozók munkájának megkönnyítése</a:t>
+            </a:r>
             <a:endParaRPr lang="hu-HU" dirty="0"/>
           </a:p>
           <a:p>
-            <a:r>
-              <a:rPr lang="hu-HU" dirty="0"/>
-              <a:t>Általánosan szükséges szolgáltatások egy rendszerbe való integrálása</a:t>
-            </a:r>
-          </a:p>
-          <a:p>
-            <a:endParaRPr lang="hu-HU" dirty="0"/>
-          </a:p>
-          <a:p>
-            <a:endParaRPr lang="hu-HU" dirty="0"/>
+            <a:pPr>
+              <a:buFont typeface="+mj-lt"/>
+              <a:buAutoNum type="arabicPeriod"/>
+            </a:pPr>
+            <a:r>
+              <a:rPr lang="hu-HU" dirty="0" smtClean="0"/>
+              <a:t>Saját szálláshelyi tapasztalatok alapján felépített komplex alkalmazás elkészítése jelenlegi tudás függvényében (prototípus későbbi nagyobb projekt elő </a:t>
+            </a:r>
+            <a:r>
+              <a:rPr lang="hu-HU" dirty="0" err="1" smtClean="0"/>
+              <a:t>futáraként</a:t>
+            </a:r>
+            <a:r>
+              <a:rPr lang="hu-HU" dirty="0" smtClean="0"/>
+              <a:t>)</a:t>
+            </a:r>
           </a:p>
         </p:txBody>
       </p:sp>
@@ -6913,7 +6961,7 @@
           <p:cNvPr id="2" name="Cím 1">
             <a:extLst>
               <a:ext uri="{FF2B5EF4-FFF2-40B4-BE49-F238E27FC236}">
-                <a16:creationId xmlns:a16="http://schemas.microsoft.com/office/drawing/2014/main" id="{E186FF4E-9248-460F-85CD-6883A727ABE6}"/>
+                <a16:creationId xmlns:a16="http://schemas.microsoft.com/office/drawing/2014/main" id="{BDA70FA0-BC67-46D9-827C-2D6FBB27F370}"/>
               </a:ext>
             </a:extLst>
           </p:cNvPr>
@@ -6930,9 +6978,10 @@
           <a:lstStyle/>
           <a:p>
             <a:r>
-              <a:rPr lang="hu-HU" dirty="0"/>
-              <a:t>Későbbi fejlesztési lehetőségek</a:t>
-            </a:r>
+              <a:rPr lang="hu-HU" dirty="0" smtClean="0"/>
+              <a:t>Felhasznált technológiák</a:t>
+            </a:r>
+            <a:endParaRPr lang="hu-HU" dirty="0"/>
           </a:p>
         </p:txBody>
       </p:sp>
@@ -6941,7 +6990,7 @@
           <p:cNvPr id="3" name="Tartalom helye 2">
             <a:extLst>
               <a:ext uri="{FF2B5EF4-FFF2-40B4-BE49-F238E27FC236}">
-                <a16:creationId xmlns:a16="http://schemas.microsoft.com/office/drawing/2014/main" id="{6A19F454-552C-4FDB-ABD5-811D45CC06F3}"/>
+                <a16:creationId xmlns:a16="http://schemas.microsoft.com/office/drawing/2014/main" id="{DC200403-A183-45F4-BF64-1627FF38C52F}"/>
               </a:ext>
             </a:extLst>
           </p:cNvPr>
@@ -6958,43 +7007,80 @@
           <a:lstStyle/>
           <a:p>
             <a:r>
-              <a:rPr lang="hu-HU" dirty="0"/>
-              <a:t>Elkészítési idő függvényében elmaradt funkciók teljeskörű kifejlesztése</a:t>
-            </a:r>
-          </a:p>
-          <a:p>
+              <a:rPr lang="hu-HU" dirty="0" smtClean="0"/>
+              <a:t>Adatbázis: Oracle </a:t>
+            </a:r>
+            <a:r>
+              <a:rPr lang="hu-HU" dirty="0" err="1" smtClean="0"/>
+              <a:t>MySQL</a:t>
+            </a:r>
+            <a:endParaRPr lang="hu-HU" dirty="0" smtClean="0"/>
+          </a:p>
+          <a:p>
+            <a:endParaRPr lang="hu-HU" dirty="0" smtClean="0"/>
+          </a:p>
+          <a:p>
+            <a:r>
+              <a:rPr lang="hu-HU" dirty="0" smtClean="0"/>
+              <a:t>Webalkalmazás: HTML, CSS (</a:t>
+            </a:r>
+            <a:r>
+              <a:rPr lang="hu-HU" dirty="0" err="1" smtClean="0"/>
+              <a:t>Bootstrap</a:t>
+            </a:r>
+            <a:r>
+              <a:rPr lang="hu-HU" dirty="0" smtClean="0"/>
+              <a:t> 4), </a:t>
+            </a:r>
+            <a:r>
+              <a:rPr lang="hu-HU" dirty="0" err="1" smtClean="0"/>
+              <a:t>Javascript</a:t>
+            </a:r>
+            <a:r>
+              <a:rPr lang="hu-HU" dirty="0" smtClean="0"/>
+              <a:t> (</a:t>
+            </a:r>
+            <a:r>
+              <a:rPr lang="hu-HU" dirty="0" err="1" smtClean="0"/>
+              <a:t>Bootstrap</a:t>
+            </a:r>
+            <a:r>
+              <a:rPr lang="hu-HU" dirty="0" smtClean="0"/>
+              <a:t> 4, </a:t>
+            </a:r>
+            <a:r>
+              <a:rPr lang="hu-HU" dirty="0" err="1" smtClean="0"/>
+              <a:t>PopperJS</a:t>
+            </a:r>
+            <a:r>
+              <a:rPr lang="hu-HU" dirty="0" smtClean="0"/>
+              <a:t>, </a:t>
+            </a:r>
+            <a:r>
+              <a:rPr lang="hu-HU" dirty="0" err="1" smtClean="0"/>
+              <a:t>jQuery</a:t>
+            </a:r>
+            <a:r>
+              <a:rPr lang="hu-HU" dirty="0" smtClean="0"/>
+              <a:t> API és AJAX technológia), PHP</a:t>
+            </a:r>
+          </a:p>
+          <a:p>
+            <a:endParaRPr lang="hu-HU" dirty="0" smtClean="0"/>
+          </a:p>
+          <a:p>
+            <a:r>
+              <a:rPr lang="hu-HU" dirty="0" smtClean="0"/>
+              <a:t>Asztali alkalmazás: C# programozási nyelv (.NET Framework 4.6.1)</a:t>
+            </a:r>
             <a:endParaRPr lang="hu-HU" dirty="0"/>
-          </a:p>
-          <a:p>
-            <a:r>
-              <a:rPr lang="hu-HU" dirty="0"/>
-              <a:t>Adminisztrációs és konfigurációs szerepek egy felületre olvasztása</a:t>
-            </a:r>
-          </a:p>
-          <a:p>
-            <a:endParaRPr lang="hu-HU" dirty="0"/>
-          </a:p>
-          <a:p>
-            <a:r>
-              <a:rPr lang="hu-HU" dirty="0"/>
-              <a:t>Számlázó bővítése a jelenlegi „primitív” szintről</a:t>
-            </a:r>
-          </a:p>
-          <a:p>
-            <a:endParaRPr lang="hu-HU" dirty="0"/>
-          </a:p>
-          <a:p>
-            <a:r>
-              <a:rPr lang="hu-HU" dirty="0"/>
-              <a:t>Jobb adatintegritás elérése egyes funkciók áttervezésével (pl. vendégtörlés)</a:t>
-            </a:r>
           </a:p>
         </p:txBody>
       </p:sp>
     </p:spTree>
     <p:extLst>
       <p:ext uri="{BB962C8B-B14F-4D97-AF65-F5344CB8AC3E}">
-        <p14:creationId xmlns:p14="http://schemas.microsoft.com/office/powerpoint/2010/main" val="2138205064"/>
+        <p14:creationId xmlns:p14="http://schemas.microsoft.com/office/powerpoint/2010/main" val="2982546886"/>
       </p:ext>
     </p:extLst>
   </p:cSld>
@@ -7026,7 +7112,7 @@
           <p:cNvPr id="2" name="Cím 1">
             <a:extLst>
               <a:ext uri="{FF2B5EF4-FFF2-40B4-BE49-F238E27FC236}">
-                <a16:creationId xmlns:a16="http://schemas.microsoft.com/office/drawing/2014/main" id="{CA1B9546-2A7D-4414-B65A-4F892BEFC275}"/>
+                <a16:creationId xmlns:a16="http://schemas.microsoft.com/office/drawing/2014/main" id="{E186FF4E-9248-460F-85CD-6883A727ABE6}"/>
               </a:ext>
             </a:extLst>
           </p:cNvPr>
@@ -7037,20 +7123,69 @@
             <p:ph type="title"/>
           </p:nvPr>
         </p:nvSpPr>
-        <p:spPr>
-          <a:xfrm>
-            <a:off x="870566" y="2768600"/>
-            <a:ext cx="8596668" cy="1320800"/>
-          </a:xfrm>
-        </p:spPr>
+        <p:spPr/>
         <p:txBody>
           <a:bodyPr/>
           <a:lstStyle/>
           <a:p>
-            <a:pPr algn="ctr"/>
             <a:r>
               <a:rPr lang="hu-HU" dirty="0"/>
-              <a:t>Köszönöm a figyelmet!</a:t>
+              <a:t>Későbbi fejlesztési lehetőségek</a:t>
+            </a:r>
+          </a:p>
+        </p:txBody>
+      </p:sp>
+      <p:sp>
+        <p:nvSpPr>
+          <p:cNvPr id="3" name="Tartalom helye 2">
+            <a:extLst>
+              <a:ext uri="{FF2B5EF4-FFF2-40B4-BE49-F238E27FC236}">
+                <a16:creationId xmlns:a16="http://schemas.microsoft.com/office/drawing/2014/main" id="{6A19F454-552C-4FDB-ABD5-811D45CC06F3}"/>
+              </a:ext>
+            </a:extLst>
+          </p:cNvPr>
+          <p:cNvSpPr>
+            <a:spLocks noGrp="1"/>
+          </p:cNvSpPr>
+          <p:nvPr>
+            <p:ph idx="1"/>
+          </p:nvPr>
+        </p:nvSpPr>
+        <p:spPr/>
+        <p:txBody>
+          <a:bodyPr/>
+          <a:lstStyle/>
+          <a:p>
+            <a:r>
+              <a:rPr lang="hu-HU" dirty="0"/>
+              <a:t>Elkészítési idő függvényében elmaradt funkciók teljeskörű kifejlesztése</a:t>
+            </a:r>
+          </a:p>
+          <a:p>
+            <a:endParaRPr lang="hu-HU" dirty="0"/>
+          </a:p>
+          <a:p>
+            <a:r>
+              <a:rPr lang="hu-HU" dirty="0"/>
+              <a:t>Adminisztrációs és konfigurációs szerepek egy felületre olvasztása</a:t>
+            </a:r>
+          </a:p>
+          <a:p>
+            <a:endParaRPr lang="hu-HU" dirty="0"/>
+          </a:p>
+          <a:p>
+            <a:r>
+              <a:rPr lang="hu-HU" dirty="0"/>
+              <a:t>Számlázó bővítése a jelenlegi „primitív” szintről</a:t>
+            </a:r>
+          </a:p>
+          <a:p>
+            <a:endParaRPr lang="hu-HU" dirty="0"/>
+          </a:p>
+          <a:p>
+            <a:r>
+              <a:rPr lang="hu-HU" dirty="0"/>
+              <a:t>Jobb adatintegritás elérése egyes funkciók áttervezésével (pl. vendégtörlés)</a:t>
             </a:r>
           </a:p>
         </p:txBody>
@@ -7058,7 +7193,7 @@
     </p:spTree>
     <p:extLst>
       <p:ext uri="{BB962C8B-B14F-4D97-AF65-F5344CB8AC3E}">
-        <p14:creationId xmlns:p14="http://schemas.microsoft.com/office/powerpoint/2010/main" val="1019165441"/>
+        <p14:creationId xmlns:p14="http://schemas.microsoft.com/office/powerpoint/2010/main" val="2138205064"/>
       </p:ext>
     </p:extLst>
   </p:cSld>
@@ -7090,7 +7225,7 @@
           <p:cNvPr id="2" name="Cím 1">
             <a:extLst>
               <a:ext uri="{FF2B5EF4-FFF2-40B4-BE49-F238E27FC236}">
-                <a16:creationId xmlns:a16="http://schemas.microsoft.com/office/drawing/2014/main" id="{BDA70FA0-BC67-46D9-827C-2D6FBB27F370}"/>
+                <a16:creationId xmlns:a16="http://schemas.microsoft.com/office/drawing/2014/main" id="{CA1B9546-2A7D-4414-B65A-4F892BEFC275}"/>
               </a:ext>
             </a:extLst>
           </p:cNvPr>
@@ -7101,44 +7236,28 @@
             <p:ph type="title"/>
           </p:nvPr>
         </p:nvSpPr>
-        <p:spPr/>
+        <p:spPr>
+          <a:xfrm>
+            <a:off x="870566" y="2768600"/>
+            <a:ext cx="8596668" cy="1320800"/>
+          </a:xfrm>
+        </p:spPr>
         <p:txBody>
           <a:bodyPr/>
           <a:lstStyle/>
           <a:p>
-            <a:endParaRPr lang="hu-HU"/>
-          </a:p>
-        </p:txBody>
-      </p:sp>
-      <p:sp>
-        <p:nvSpPr>
-          <p:cNvPr id="3" name="Tartalom helye 2">
-            <a:extLst>
-              <a:ext uri="{FF2B5EF4-FFF2-40B4-BE49-F238E27FC236}">
-                <a16:creationId xmlns:a16="http://schemas.microsoft.com/office/drawing/2014/main" id="{DC200403-A183-45F4-BF64-1627FF38C52F}"/>
-              </a:ext>
-            </a:extLst>
-          </p:cNvPr>
-          <p:cNvSpPr>
-            <a:spLocks noGrp="1"/>
-          </p:cNvSpPr>
-          <p:nvPr>
-            <p:ph idx="1"/>
-          </p:nvPr>
-        </p:nvSpPr>
-        <p:spPr/>
-        <p:txBody>
-          <a:bodyPr/>
-          <a:lstStyle/>
-          <a:p>
-            <a:endParaRPr lang="hu-HU"/>
+            <a:pPr algn="ctr"/>
+            <a:r>
+              <a:rPr lang="hu-HU" dirty="0"/>
+              <a:t>Köszönöm a figyelmet!</a:t>
+            </a:r>
           </a:p>
         </p:txBody>
       </p:sp>
     </p:spTree>
     <p:extLst>
       <p:ext uri="{BB962C8B-B14F-4D97-AF65-F5344CB8AC3E}">
-        <p14:creationId xmlns:p14="http://schemas.microsoft.com/office/powerpoint/2010/main" val="2982546886"/>
+        <p14:creationId xmlns:p14="http://schemas.microsoft.com/office/powerpoint/2010/main" val="1019165441"/>
       </p:ext>
     </p:extLst>
   </p:cSld>

--- a/documentation/VR.pptx
+++ b/documentation/VR.pptx
@@ -5,7 +5,7 @@
     <p:sldMasterId id="2147483804" r:id="rId1"/>
   </p:sldMasterIdLst>
   <p:notesMasterIdLst>
-    <p:notesMasterId r:id="rId14"/>
+    <p:notesMasterId r:id="rId13"/>
   </p:notesMasterIdLst>
   <p:sldIdLst>
     <p:sldId id="256" r:id="rId2"/>
@@ -14,12 +14,11 @@
     <p:sldId id="258" r:id="rId5"/>
     <p:sldId id="262" r:id="rId6"/>
     <p:sldId id="261" r:id="rId7"/>
-    <p:sldId id="260" r:id="rId8"/>
+    <p:sldId id="264" r:id="rId8"/>
     <p:sldId id="263" r:id="rId9"/>
-    <p:sldId id="264" r:id="rId10"/>
-    <p:sldId id="265" r:id="rId11"/>
-    <p:sldId id="266" r:id="rId12"/>
-    <p:sldId id="267" r:id="rId13"/>
+    <p:sldId id="265" r:id="rId10"/>
+    <p:sldId id="266" r:id="rId11"/>
+    <p:sldId id="260" r:id="rId12"/>
   </p:sldIdLst>
   <p:sldSz cx="12192000" cy="6858000"/>
   <p:notesSz cx="6858000" cy="9144000"/>
@@ -6273,7 +6272,7 @@
           <p:cNvPr id="2" name="Cím 1">
             <a:extLst>
               <a:ext uri="{FF2B5EF4-FFF2-40B4-BE49-F238E27FC236}">
-                <a16:creationId xmlns:a16="http://schemas.microsoft.com/office/drawing/2014/main" id="{0A86AF55-1EC0-42BD-AA3A-296DD62CE7A4}"/>
+                <a16:creationId xmlns:a16="http://schemas.microsoft.com/office/drawing/2014/main" id="{E657E21D-2D5C-493A-BD04-7B4B8795FD34}"/>
               </a:ext>
             </a:extLst>
           </p:cNvPr>
@@ -6298,7 +6297,7 @@
           <p:cNvPr id="3" name="Tartalom helye 2">
             <a:extLst>
               <a:ext uri="{FF2B5EF4-FFF2-40B4-BE49-F238E27FC236}">
-                <a16:creationId xmlns:a16="http://schemas.microsoft.com/office/drawing/2014/main" id="{1D227FE5-A98B-44E9-AB45-CCAA591818DE}"/>
+                <a16:creationId xmlns:a16="http://schemas.microsoft.com/office/drawing/2014/main" id="{D74ABE95-96B6-4B90-AB6A-CC18069729AF}"/>
               </a:ext>
             </a:extLst>
           </p:cNvPr>
@@ -6321,7 +6320,7 @@
     </p:spTree>
     <p:extLst>
       <p:ext uri="{BB962C8B-B14F-4D97-AF65-F5344CB8AC3E}">
-        <p14:creationId xmlns:p14="http://schemas.microsoft.com/office/powerpoint/2010/main" val="744725018"/>
+        <p14:creationId xmlns:p14="http://schemas.microsoft.com/office/powerpoint/2010/main" val="464112756"/>
       </p:ext>
     </p:extLst>
   </p:cSld>
@@ -6353,7 +6352,7 @@
           <p:cNvPr id="2" name="Cím 1">
             <a:extLst>
               <a:ext uri="{FF2B5EF4-FFF2-40B4-BE49-F238E27FC236}">
-                <a16:creationId xmlns:a16="http://schemas.microsoft.com/office/drawing/2014/main" id="{E657E21D-2D5C-493A-BD04-7B4B8795FD34}"/>
+                <a16:creationId xmlns:a16="http://schemas.microsoft.com/office/drawing/2014/main" id="{CA1B9546-2A7D-4414-B65A-4F892BEFC275}"/>
               </a:ext>
             </a:extLst>
           </p:cNvPr>
@@ -6364,124 +6363,28 @@
             <p:ph type="title"/>
           </p:nvPr>
         </p:nvSpPr>
-        <p:spPr/>
+        <p:spPr>
+          <a:xfrm>
+            <a:off x="870566" y="2768600"/>
+            <a:ext cx="8596668" cy="1320800"/>
+          </a:xfrm>
+        </p:spPr>
         <p:txBody>
           <a:bodyPr/>
           <a:lstStyle/>
           <a:p>
-            <a:endParaRPr lang="hu-HU"/>
-          </a:p>
-        </p:txBody>
-      </p:sp>
-      <p:sp>
-        <p:nvSpPr>
-          <p:cNvPr id="3" name="Tartalom helye 2">
-            <a:extLst>
-              <a:ext uri="{FF2B5EF4-FFF2-40B4-BE49-F238E27FC236}">
-                <a16:creationId xmlns:a16="http://schemas.microsoft.com/office/drawing/2014/main" id="{D74ABE95-96B6-4B90-AB6A-CC18069729AF}"/>
-              </a:ext>
-            </a:extLst>
-          </p:cNvPr>
-          <p:cNvSpPr>
-            <a:spLocks noGrp="1"/>
-          </p:cNvSpPr>
-          <p:nvPr>
-            <p:ph idx="1"/>
-          </p:nvPr>
-        </p:nvSpPr>
-        <p:spPr/>
-        <p:txBody>
-          <a:bodyPr/>
-          <a:lstStyle/>
-          <a:p>
-            <a:endParaRPr lang="hu-HU"/>
+            <a:pPr algn="ctr"/>
+            <a:r>
+              <a:rPr lang="hu-HU" dirty="0"/>
+              <a:t>Köszönöm a figyelmet!</a:t>
+            </a:r>
           </a:p>
         </p:txBody>
       </p:sp>
     </p:spTree>
     <p:extLst>
       <p:ext uri="{BB962C8B-B14F-4D97-AF65-F5344CB8AC3E}">
-        <p14:creationId xmlns:p14="http://schemas.microsoft.com/office/powerpoint/2010/main" val="464112756"/>
-      </p:ext>
-    </p:extLst>
-  </p:cSld>
-  <p:clrMapOvr>
-    <a:masterClrMapping/>
-  </p:clrMapOvr>
-</p:sld>
-</file>
-
-<file path=ppt/slides/slide12.xml><?xml version="1.0" encoding="utf-8"?>
-<p:sld xmlns:a="http://schemas.openxmlformats.org/drawingml/2006/main" xmlns:r="http://schemas.openxmlformats.org/officeDocument/2006/relationships" xmlns:p="http://schemas.openxmlformats.org/presentationml/2006/main">
-  <p:cSld>
-    <p:spTree>
-      <p:nvGrpSpPr>
-        <p:cNvPr id="1" name=""/>
-        <p:cNvGrpSpPr/>
-        <p:nvPr/>
-      </p:nvGrpSpPr>
-      <p:grpSpPr>
-        <a:xfrm>
-          <a:off x="0" y="0"/>
-          <a:ext cx="0" cy="0"/>
-          <a:chOff x="0" y="0"/>
-          <a:chExt cx="0" cy="0"/>
-        </a:xfrm>
-      </p:grpSpPr>
-      <p:sp>
-        <p:nvSpPr>
-          <p:cNvPr id="2" name="Cím 1">
-            <a:extLst>
-              <a:ext uri="{FF2B5EF4-FFF2-40B4-BE49-F238E27FC236}">
-                <a16:creationId xmlns:a16="http://schemas.microsoft.com/office/drawing/2014/main" id="{84F47B10-7B1A-42D4-AF35-472B949E1F22}"/>
-              </a:ext>
-            </a:extLst>
-          </p:cNvPr>
-          <p:cNvSpPr>
-            <a:spLocks noGrp="1"/>
-          </p:cNvSpPr>
-          <p:nvPr>
-            <p:ph type="title"/>
-          </p:nvPr>
-        </p:nvSpPr>
-        <p:spPr/>
-        <p:txBody>
-          <a:bodyPr/>
-          <a:lstStyle/>
-          <a:p>
-            <a:endParaRPr lang="hu-HU"/>
-          </a:p>
-        </p:txBody>
-      </p:sp>
-      <p:sp>
-        <p:nvSpPr>
-          <p:cNvPr id="3" name="Tartalom helye 2">
-            <a:extLst>
-              <a:ext uri="{FF2B5EF4-FFF2-40B4-BE49-F238E27FC236}">
-                <a16:creationId xmlns:a16="http://schemas.microsoft.com/office/drawing/2014/main" id="{F8C16D77-11B4-4CED-A8F4-728B0B02E584}"/>
-              </a:ext>
-            </a:extLst>
-          </p:cNvPr>
-          <p:cNvSpPr>
-            <a:spLocks noGrp="1"/>
-          </p:cNvSpPr>
-          <p:nvPr>
-            <p:ph idx="1"/>
-          </p:nvPr>
-        </p:nvSpPr>
-        <p:spPr/>
-        <p:txBody>
-          <a:bodyPr/>
-          <a:lstStyle/>
-          <a:p>
-            <a:endParaRPr lang="hu-HU"/>
-          </a:p>
-        </p:txBody>
-      </p:sp>
-    </p:spTree>
-    <p:extLst>
-      <p:ext uri="{BB962C8B-B14F-4D97-AF65-F5344CB8AC3E}">
-        <p14:creationId xmlns:p14="http://schemas.microsoft.com/office/powerpoint/2010/main" val="81717680"/>
+        <p14:creationId xmlns:p14="http://schemas.microsoft.com/office/powerpoint/2010/main" val="1019165441"/>
       </p:ext>
     </p:extLst>
   </p:cSld>
@@ -7225,7 +7128,7 @@
           <p:cNvPr id="2" name="Cím 1">
             <a:extLst>
               <a:ext uri="{FF2B5EF4-FFF2-40B4-BE49-F238E27FC236}">
-                <a16:creationId xmlns:a16="http://schemas.microsoft.com/office/drawing/2014/main" id="{CA1B9546-2A7D-4414-B65A-4F892BEFC275}"/>
+                <a16:creationId xmlns:a16="http://schemas.microsoft.com/office/drawing/2014/main" id="{914F64A7-6563-4AB6-8689-16A2544DCB10}"/>
               </a:ext>
             </a:extLst>
           </p:cNvPr>
@@ -7236,28 +7139,44 @@
             <p:ph type="title"/>
           </p:nvPr>
         </p:nvSpPr>
-        <p:spPr>
-          <a:xfrm>
-            <a:off x="870566" y="2768600"/>
-            <a:ext cx="8596668" cy="1320800"/>
-          </a:xfrm>
-        </p:spPr>
+        <p:spPr/>
         <p:txBody>
           <a:bodyPr/>
           <a:lstStyle/>
           <a:p>
-            <a:pPr algn="ctr"/>
-            <a:r>
-              <a:rPr lang="hu-HU" dirty="0"/>
-              <a:t>Köszönöm a figyelmet!</a:t>
-            </a:r>
+            <a:endParaRPr lang="hu-HU"/>
+          </a:p>
+        </p:txBody>
+      </p:sp>
+      <p:sp>
+        <p:nvSpPr>
+          <p:cNvPr id="3" name="Tartalom helye 2">
+            <a:extLst>
+              <a:ext uri="{FF2B5EF4-FFF2-40B4-BE49-F238E27FC236}">
+                <a16:creationId xmlns:a16="http://schemas.microsoft.com/office/drawing/2014/main" id="{3606BB6F-A050-418F-954D-26BFE15D26D1}"/>
+              </a:ext>
+            </a:extLst>
+          </p:cNvPr>
+          <p:cNvSpPr>
+            <a:spLocks noGrp="1"/>
+          </p:cNvSpPr>
+          <p:nvPr>
+            <p:ph idx="1"/>
+          </p:nvPr>
+        </p:nvSpPr>
+        <p:spPr/>
+        <p:txBody>
+          <a:bodyPr/>
+          <a:lstStyle/>
+          <a:p>
+            <a:endParaRPr lang="hu-HU"/>
           </a:p>
         </p:txBody>
       </p:sp>
     </p:spTree>
     <p:extLst>
       <p:ext uri="{BB962C8B-B14F-4D97-AF65-F5344CB8AC3E}">
-        <p14:creationId xmlns:p14="http://schemas.microsoft.com/office/powerpoint/2010/main" val="1019165441"/>
+        <p14:creationId xmlns:p14="http://schemas.microsoft.com/office/powerpoint/2010/main" val="1213303619"/>
       </p:ext>
     </p:extLst>
   </p:cSld>
@@ -7369,7 +7288,7 @@
           <p:cNvPr id="2" name="Cím 1">
             <a:extLst>
               <a:ext uri="{FF2B5EF4-FFF2-40B4-BE49-F238E27FC236}">
-                <a16:creationId xmlns:a16="http://schemas.microsoft.com/office/drawing/2014/main" id="{914F64A7-6563-4AB6-8689-16A2544DCB10}"/>
+                <a16:creationId xmlns:a16="http://schemas.microsoft.com/office/drawing/2014/main" id="{0A86AF55-1EC0-42BD-AA3A-296DD62CE7A4}"/>
               </a:ext>
             </a:extLst>
           </p:cNvPr>
@@ -7394,7 +7313,7 @@
           <p:cNvPr id="3" name="Tartalom helye 2">
             <a:extLst>
               <a:ext uri="{FF2B5EF4-FFF2-40B4-BE49-F238E27FC236}">
-                <a16:creationId xmlns:a16="http://schemas.microsoft.com/office/drawing/2014/main" id="{3606BB6F-A050-418F-954D-26BFE15D26D1}"/>
+                <a16:creationId xmlns:a16="http://schemas.microsoft.com/office/drawing/2014/main" id="{1D227FE5-A98B-44E9-AB45-CCAA591818DE}"/>
               </a:ext>
             </a:extLst>
           </p:cNvPr>
@@ -7417,7 +7336,7 @@
     </p:spTree>
     <p:extLst>
       <p:ext uri="{BB962C8B-B14F-4D97-AF65-F5344CB8AC3E}">
-        <p14:creationId xmlns:p14="http://schemas.microsoft.com/office/powerpoint/2010/main" val="1213303619"/>
+        <p14:creationId xmlns:p14="http://schemas.microsoft.com/office/powerpoint/2010/main" val="744725018"/>
       </p:ext>
     </p:extLst>
   </p:cSld>

--- a/documentation/VR.pptx
+++ b/documentation/VR.pptx
@@ -6656,15 +6656,7 @@
             </a:pPr>
             <a:r>
               <a:rPr lang="hu-HU" dirty="0" smtClean="0"/>
-              <a:t>Saját szálláshelyi tapasztalatok alapján felépített komplex alkalmazás elkészítése jelenlegi tudás függvényében (prototípus későbbi nagyobb projekt elő </a:t>
-            </a:r>
-            <a:r>
-              <a:rPr lang="hu-HU" dirty="0" err="1" smtClean="0"/>
-              <a:t>futáraként</a:t>
-            </a:r>
-            <a:r>
-              <a:rPr lang="hu-HU" dirty="0" smtClean="0"/>
-              <a:t>)</a:t>
+              <a:t>Saját szálláshelyi tapasztalatok alapján felépített komplex alkalmazás elkészítése</a:t>
             </a:r>
           </a:p>
         </p:txBody>

--- a/documentation/VR.pptx
+++ b/documentation/VR.pptx
@@ -6903,61 +6903,16 @@
           <a:p>
             <a:r>
               <a:rPr lang="hu-HU" dirty="0" smtClean="0"/>
-              <a:t>Adatbázis: Oracle </a:t>
-            </a:r>
-            <a:r>
-              <a:rPr lang="hu-HU" dirty="0" err="1" smtClean="0"/>
-              <a:t>MySQL</a:t>
-            </a:r>
+              <a:t>Adatbázis: Oracle MySQL</a:t>
+            </a:r>
+          </a:p>
+          <a:p>
             <a:endParaRPr lang="hu-HU" dirty="0" smtClean="0"/>
           </a:p>
           <a:p>
-            <a:endParaRPr lang="hu-HU" dirty="0" smtClean="0"/>
-          </a:p>
-          <a:p>
             <a:r>
               <a:rPr lang="hu-HU" dirty="0" smtClean="0"/>
-              <a:t>Webalkalmazás: HTML, CSS (</a:t>
-            </a:r>
-            <a:r>
-              <a:rPr lang="hu-HU" dirty="0" err="1" smtClean="0"/>
-              <a:t>Bootstrap</a:t>
-            </a:r>
-            <a:r>
-              <a:rPr lang="hu-HU" dirty="0" smtClean="0"/>
-              <a:t> 4), </a:t>
-            </a:r>
-            <a:r>
-              <a:rPr lang="hu-HU" dirty="0" err="1" smtClean="0"/>
-              <a:t>Javascript</a:t>
-            </a:r>
-            <a:r>
-              <a:rPr lang="hu-HU" dirty="0" smtClean="0"/>
-              <a:t> (</a:t>
-            </a:r>
-            <a:r>
-              <a:rPr lang="hu-HU" dirty="0" err="1" smtClean="0"/>
-              <a:t>Bootstrap</a:t>
-            </a:r>
-            <a:r>
-              <a:rPr lang="hu-HU" dirty="0" smtClean="0"/>
-              <a:t> 4, </a:t>
-            </a:r>
-            <a:r>
-              <a:rPr lang="hu-HU" dirty="0" err="1" smtClean="0"/>
-              <a:t>PopperJS</a:t>
-            </a:r>
-            <a:r>
-              <a:rPr lang="hu-HU" dirty="0" smtClean="0"/>
-              <a:t>, </a:t>
-            </a:r>
-            <a:r>
-              <a:rPr lang="hu-HU" dirty="0" err="1" smtClean="0"/>
-              <a:t>jQuery</a:t>
-            </a:r>
-            <a:r>
-              <a:rPr lang="hu-HU" dirty="0" smtClean="0"/>
-              <a:t> API és AJAX technológia), PHP</a:t>
+              <a:t>Webalkalmazás: HTML, CSS (Bootstrap 4), Javascript (Bootstrap 4, PopperJS és jQuery library-k, valamint AJAX technológia), PHP</a:t>
             </a:r>
           </a:p>
           <a:p>

--- a/documentation/VR.pptx
+++ b/documentation/VR.pptx
@@ -7007,9 +7007,18 @@
           <a:lstStyle/>
           <a:p>
             <a:r>
+              <a:rPr lang="hu-HU" dirty="0" smtClean="0"/>
+              <a:t>Elmaradt </a:t>
+            </a:r>
+            <a:r>
               <a:rPr lang="hu-HU" dirty="0"/>
-              <a:t>Elkészítési idő függvényében elmaradt funkciók teljeskörű kifejlesztése</a:t>
-            </a:r>
+              <a:t>funkciók </a:t>
+            </a:r>
+            <a:r>
+              <a:rPr lang="hu-HU" dirty="0" smtClean="0"/>
+              <a:t>kifejlesztése</a:t>
+            </a:r>
+            <a:endParaRPr lang="hu-HU" dirty="0"/>
           </a:p>
           <a:p>
             <a:endParaRPr lang="hu-HU" dirty="0"/>

--- a/documentation/VR.pptx
+++ b/documentation/VR.pptx
@@ -7044,8 +7044,30 @@
           <a:p>
             <a:r>
               <a:rPr lang="hu-HU" dirty="0"/>
-              <a:t>Jobb adatintegritás elérése egyes funkciók áttervezésével (pl. vendégtörlés)</a:t>
-            </a:r>
+              <a:t>Jobb adatintegritás elérése egyes funkciók áttervezésével (pl. vendégtörlés</a:t>
+            </a:r>
+            <a:r>
+              <a:rPr lang="hu-HU" dirty="0" smtClean="0"/>
+              <a:t>)</a:t>
+            </a:r>
+          </a:p>
+          <a:p>
+            <a:endParaRPr lang="hu-HU" dirty="0"/>
+          </a:p>
+          <a:p>
+            <a:r>
+              <a:rPr lang="hu-HU" dirty="0" smtClean="0"/>
+              <a:t>Webalkalmazás esetén mindenképpen MVC architektúra, valamely PHP </a:t>
+            </a:r>
+            <a:r>
+              <a:rPr lang="hu-HU" dirty="0" err="1" smtClean="0"/>
+              <a:t>framework</a:t>
+            </a:r>
+            <a:r>
+              <a:rPr lang="hu-HU" dirty="0" smtClean="0"/>
+              <a:t> és OOP alapelvek alkalmazása</a:t>
+            </a:r>
+            <a:endParaRPr lang="hu-HU" dirty="0"/>
           </a:p>
         </p:txBody>
       </p:sp>

--- a/documentation/VR.pptx
+++ b/documentation/VR.pptx
@@ -7003,7 +7003,9 @@
         </p:nvSpPr>
         <p:spPr/>
         <p:txBody>
-          <a:bodyPr/>
+          <a:bodyPr>
+            <a:normAutofit/>
+          </a:bodyPr>
           <a:lstStyle/>
           <a:p>
             <a:r>
@@ -7034,9 +7036,10 @@
           </a:p>
           <a:p>
             <a:r>
-              <a:rPr lang="hu-HU" dirty="0"/>
-              <a:t>Számlázó bővítése a jelenlegi „primitív” szintről</a:t>
-            </a:r>
+              <a:rPr lang="hu-HU" dirty="0" smtClean="0"/>
+              <a:t>Egyes modulok (pl. számlázó) továbbfejlesztése</a:t>
+            </a:r>
+            <a:endParaRPr lang="hu-HU" dirty="0"/>
           </a:p>
           <a:p>
             <a:endParaRPr lang="hu-HU" dirty="0"/>
@@ -7057,15 +7060,7 @@
           <a:p>
             <a:r>
               <a:rPr lang="hu-HU" dirty="0" smtClean="0"/>
-              <a:t>Webalkalmazás esetén mindenképpen MVC architektúra, valamely PHP </a:t>
-            </a:r>
-            <a:r>
-              <a:rPr lang="hu-HU" dirty="0" err="1" smtClean="0"/>
-              <a:t>framework</a:t>
-            </a:r>
-            <a:r>
-              <a:rPr lang="hu-HU" dirty="0" smtClean="0"/>
-              <a:t> és OOP alapelvek alkalmazása</a:t>
+              <a:t>Webalkalmazás esetén mindenképpen MVC architektúra, valamely PHP framework és OOP alapelvek alkalmazása</a:t>
             </a:r>
             <a:endParaRPr lang="hu-HU" dirty="0"/>
           </a:p>

--- a/documentation/VR.pptx
+++ b/documentation/VR.pptx
@@ -7004,7 +7004,7 @@
         <p:spPr/>
         <p:txBody>
           <a:bodyPr>
-            <a:normAutofit/>
+            <a:normAutofit lnSpcReduction="10000"/>
           </a:bodyPr>
           <a:lstStyle/>
           <a:p>
@@ -7037,7 +7037,11 @@
           <a:p>
             <a:r>
               <a:rPr lang="hu-HU" dirty="0" smtClean="0"/>
-              <a:t>Egyes modulok (pl. számlázó) továbbfejlesztése</a:t>
+              <a:t>Egyes modulok (pl. számlázó) </a:t>
+            </a:r>
+            <a:r>
+              <a:rPr lang="hu-HU" dirty="0" smtClean="0"/>
+              <a:t>továbbfejlesztése</a:t>
             </a:r>
             <a:endParaRPr lang="hu-HU" dirty="0"/>
           </a:p>
@@ -7051,8 +7055,9 @@
             </a:r>
             <a:r>
               <a:rPr lang="hu-HU" dirty="0" smtClean="0"/>
-              <a:t>)</a:t>
-            </a:r>
+              <a:t>) és biztonság továbbfejlesztése</a:t>
+            </a:r>
+            <a:endParaRPr lang="hu-HU" dirty="0" smtClean="0"/>
           </a:p>
           <a:p>
             <a:endParaRPr lang="hu-HU" dirty="0"/>

--- a/documentation/VR.pptx
+++ b/documentation/VR.pptx
@@ -6461,21 +6461,21 @@
           <a:lstStyle/>
           <a:p>
             <a:r>
-              <a:rPr lang="hu-HU" i="1" dirty="0" smtClean="0"/>
+              <a:rPr lang="hu-HU" dirty="0" smtClean="0"/>
               <a:t>„Mikro </a:t>
             </a:r>
             <a:r>
-              <a:rPr lang="hu-HU" i="1" dirty="0"/>
+              <a:rPr lang="hu-HU" dirty="0"/>
               <a:t>információs rendszer</a:t>
             </a:r>
             <a:r>
-              <a:rPr lang="hu-HU" i="1" dirty="0" smtClean="0"/>
+              <a:rPr lang="hu-HU" dirty="0" smtClean="0"/>
               <a:t>” szálláshelyek számára</a:t>
             </a:r>
-            <a:endParaRPr lang="hu-HU" i="1" dirty="0"/>
-          </a:p>
-          <a:p>
-            <a:endParaRPr lang="hu-HU" i="1" dirty="0"/>
+            <a:endParaRPr lang="hu-HU" dirty="0"/>
+          </a:p>
+          <a:p>
+            <a:endParaRPr lang="hu-HU" dirty="0"/>
           </a:p>
           <a:p>
             <a:pPr marL="514350" indent="-514350">
@@ -6483,7 +6483,7 @@
               <a:buAutoNum type="arabicPeriod"/>
             </a:pPr>
             <a:r>
-              <a:rPr lang="hu-HU" sz="2000" i="1" dirty="0"/>
+              <a:rPr lang="hu-HU" sz="2000" dirty="0"/>
               <a:t>Vendégadatbázis kezelés</a:t>
             </a:r>
           </a:p>
@@ -6493,7 +6493,7 @@
               <a:buAutoNum type="arabicPeriod"/>
             </a:pPr>
             <a:r>
-              <a:rPr lang="hu-HU" sz="2000" i="1" dirty="0"/>
+              <a:rPr lang="hu-HU" sz="2000" dirty="0"/>
               <a:t>Számlázás</a:t>
             </a:r>
           </a:p>
@@ -6503,7 +6503,7 @@
               <a:buAutoNum type="arabicPeriod"/>
             </a:pPr>
             <a:r>
-              <a:rPr lang="hu-HU" sz="2000" i="1" dirty="0"/>
+              <a:rPr lang="hu-HU" sz="2000" dirty="0"/>
               <a:t>Foglalás kezelés</a:t>
             </a:r>
           </a:p>
@@ -6513,7 +6513,7 @@
               <a:buAutoNum type="arabicPeriod"/>
             </a:pPr>
             <a:r>
-              <a:rPr lang="hu-HU" sz="2000" i="1" dirty="0"/>
+              <a:rPr lang="hu-HU" sz="2000" dirty="0"/>
               <a:t>Teljeskörű testreszabhatóság számlázási tételek, vendégadatok, kiadható szobakapacitások és szálláshelyi adatok tekintetében</a:t>
             </a:r>
           </a:p>

--- a/documentation/VR.pptx
+++ b/documentation/VR.pptx
@@ -6635,7 +6635,7 @@
             </a:r>
             <a:r>
               <a:rPr lang="hu-HU" dirty="0" smtClean="0"/>
-              <a:t>integrálása, megléte</a:t>
+              <a:t>integrálása</a:t>
             </a:r>
           </a:p>
           <a:p>
@@ -6645,7 +6645,11 @@
             </a:pPr>
             <a:r>
               <a:rPr lang="hu-HU" dirty="0" smtClean="0"/>
-              <a:t>Szálláshelyi dolgozók munkájának megkönnyítése</a:t>
+              <a:t>Vendéglátásban dolgozók </a:t>
+            </a:r>
+            <a:r>
+              <a:rPr lang="hu-HU" dirty="0" smtClean="0"/>
+              <a:t>munkájának megkönnyítése</a:t>
             </a:r>
             <a:endParaRPr lang="hu-HU" dirty="0"/>
           </a:p>
@@ -6656,7 +6660,11 @@
             </a:pPr>
             <a:r>
               <a:rPr lang="hu-HU" dirty="0" smtClean="0"/>
-              <a:t>Saját szálláshelyi tapasztalatok alapján felépített komplex alkalmazás elkészítése</a:t>
+              <a:t>Személyes szálláshelyi </a:t>
+            </a:r>
+            <a:r>
+              <a:rPr lang="hu-HU" dirty="0" smtClean="0"/>
+              <a:t>tapasztalatok alapján felépített komplex alkalmazás elkészítése</a:t>
             </a:r>
           </a:p>
         </p:txBody>
@@ -7037,11 +7045,7 @@
           <a:p>
             <a:r>
               <a:rPr lang="hu-HU" dirty="0" smtClean="0"/>
-              <a:t>Egyes modulok (pl. számlázó) </a:t>
-            </a:r>
-            <a:r>
-              <a:rPr lang="hu-HU" dirty="0" smtClean="0"/>
-              <a:t>továbbfejlesztése</a:t>
+              <a:t>Egyes modulok (pl. számlázó) továbbfejlesztése</a:t>
             </a:r>
             <a:endParaRPr lang="hu-HU" dirty="0"/>
           </a:p>
@@ -7057,7 +7061,6 @@
               <a:rPr lang="hu-HU" dirty="0" smtClean="0"/>
               <a:t>) és biztonság továbbfejlesztése</a:t>
             </a:r>
-            <a:endParaRPr lang="hu-HU" dirty="0" smtClean="0"/>
           </a:p>
           <a:p>
             <a:endParaRPr lang="hu-HU" dirty="0"/>

--- a/documentation/VR.pptx
+++ b/documentation/VR.pptx
@@ -13,11 +13,11 @@
     <p:sldId id="257" r:id="rId4"/>
     <p:sldId id="258" r:id="rId5"/>
     <p:sldId id="262" r:id="rId6"/>
-    <p:sldId id="261" r:id="rId7"/>
-    <p:sldId id="264" r:id="rId8"/>
-    <p:sldId id="263" r:id="rId9"/>
-    <p:sldId id="265" r:id="rId10"/>
-    <p:sldId id="266" r:id="rId11"/>
+    <p:sldId id="264" r:id="rId7"/>
+    <p:sldId id="263" r:id="rId8"/>
+    <p:sldId id="265" r:id="rId9"/>
+    <p:sldId id="266" r:id="rId10"/>
+    <p:sldId id="261" r:id="rId11"/>
     <p:sldId id="260" r:id="rId12"/>
   </p:sldIdLst>
   <p:sldSz cx="12192000" cy="6858000"/>
@@ -6272,7 +6272,7 @@
           <p:cNvPr id="2" name="Cím 1">
             <a:extLst>
               <a:ext uri="{FF2B5EF4-FFF2-40B4-BE49-F238E27FC236}">
-                <a16:creationId xmlns:a16="http://schemas.microsoft.com/office/drawing/2014/main" id="{E657E21D-2D5C-493A-BD04-7B4B8795FD34}"/>
+                <a16:creationId xmlns:a16="http://schemas.microsoft.com/office/drawing/2014/main" id="{E186FF4E-9248-460F-85CD-6883A727ABE6}"/>
               </a:ext>
             </a:extLst>
           </p:cNvPr>
@@ -6288,7 +6288,10 @@
           <a:bodyPr/>
           <a:lstStyle/>
           <a:p>
-            <a:endParaRPr lang="hu-HU"/>
+            <a:r>
+              <a:rPr lang="hu-HU" dirty="0"/>
+              <a:t>Későbbi fejlesztési lehetőségek</a:t>
+            </a:r>
           </a:p>
         </p:txBody>
       </p:sp>
@@ -6297,7 +6300,7 @@
           <p:cNvPr id="3" name="Tartalom helye 2">
             <a:extLst>
               <a:ext uri="{FF2B5EF4-FFF2-40B4-BE49-F238E27FC236}">
-                <a16:creationId xmlns:a16="http://schemas.microsoft.com/office/drawing/2014/main" id="{D74ABE95-96B6-4B90-AB6A-CC18069729AF}"/>
+                <a16:creationId xmlns:a16="http://schemas.microsoft.com/office/drawing/2014/main" id="{6A19F454-552C-4FDB-ABD5-811D45CC06F3}"/>
               </a:ext>
             </a:extLst>
           </p:cNvPr>
@@ -6310,17 +6313,73 @@
         </p:nvSpPr>
         <p:spPr/>
         <p:txBody>
-          <a:bodyPr/>
-          <a:lstStyle/>
-          <a:p>
-            <a:endParaRPr lang="hu-HU"/>
+          <a:bodyPr>
+            <a:normAutofit lnSpcReduction="10000"/>
+          </a:bodyPr>
+          <a:lstStyle/>
+          <a:p>
+            <a:r>
+              <a:rPr lang="hu-HU" dirty="0" smtClean="0"/>
+              <a:t>Elmaradt </a:t>
+            </a:r>
+            <a:r>
+              <a:rPr lang="hu-HU" dirty="0"/>
+              <a:t>funkciók </a:t>
+            </a:r>
+            <a:r>
+              <a:rPr lang="hu-HU" dirty="0" smtClean="0"/>
+              <a:t>kifejlesztése (pl. számlanyomtatás)</a:t>
+            </a:r>
+            <a:endParaRPr lang="hu-HU" dirty="0"/>
+          </a:p>
+          <a:p>
+            <a:endParaRPr lang="hu-HU" dirty="0"/>
+          </a:p>
+          <a:p>
+            <a:r>
+              <a:rPr lang="hu-HU" dirty="0"/>
+              <a:t>Adminisztrációs és konfigurációs szerepek egy felületre olvasztása</a:t>
+            </a:r>
+          </a:p>
+          <a:p>
+            <a:endParaRPr lang="hu-HU" dirty="0"/>
+          </a:p>
+          <a:p>
+            <a:r>
+              <a:rPr lang="hu-HU" dirty="0" smtClean="0"/>
+              <a:t>Egyes modulok (pl. számlázó) továbbfejlesztése</a:t>
+            </a:r>
+            <a:endParaRPr lang="hu-HU" dirty="0"/>
+          </a:p>
+          <a:p>
+            <a:endParaRPr lang="hu-HU" dirty="0"/>
+          </a:p>
+          <a:p>
+            <a:r>
+              <a:rPr lang="hu-HU" dirty="0"/>
+              <a:t>Jobb adatintegritás elérése egyes funkciók áttervezésével (pl. vendégtörlés</a:t>
+            </a:r>
+            <a:r>
+              <a:rPr lang="hu-HU" dirty="0" smtClean="0"/>
+              <a:t>) és biztonság továbbfejlesztése</a:t>
+            </a:r>
+          </a:p>
+          <a:p>
+            <a:endParaRPr lang="hu-HU" dirty="0"/>
+          </a:p>
+          <a:p>
+            <a:r>
+              <a:rPr lang="hu-HU" dirty="0" smtClean="0"/>
+              <a:t>Webalkalmazás esetén mindenképpen MVC architektúra, valamely PHP framework és OOP alapelvek alkalmazása</a:t>
+            </a:r>
+            <a:endParaRPr lang="hu-HU" dirty="0"/>
           </a:p>
         </p:txBody>
       </p:sp>
     </p:spTree>
     <p:extLst>
       <p:ext uri="{BB962C8B-B14F-4D97-AF65-F5344CB8AC3E}">
-        <p14:creationId xmlns:p14="http://schemas.microsoft.com/office/powerpoint/2010/main" val="464112756"/>
+        <p14:creationId xmlns:p14="http://schemas.microsoft.com/office/powerpoint/2010/main" val="2138205064"/>
       </p:ext>
     </p:extLst>
   </p:cSld>
@@ -6882,7 +6941,7 @@
           <a:p>
             <a:r>
               <a:rPr lang="hu-HU" dirty="0" smtClean="0"/>
-              <a:t>Felhasznált technológiák</a:t>
+              <a:t>Alkalmazott technológiák</a:t>
             </a:r>
             <a:endParaRPr lang="hu-HU" dirty="0"/>
           </a:p>
@@ -6970,7 +7029,7 @@
           <p:cNvPr id="2" name="Cím 1">
             <a:extLst>
               <a:ext uri="{FF2B5EF4-FFF2-40B4-BE49-F238E27FC236}">
-                <a16:creationId xmlns:a16="http://schemas.microsoft.com/office/drawing/2014/main" id="{E186FF4E-9248-460F-85CD-6883A727ABE6}"/>
+                <a16:creationId xmlns:a16="http://schemas.microsoft.com/office/drawing/2014/main" id="{914F64A7-6563-4AB6-8689-16A2544DCB10}"/>
               </a:ext>
             </a:extLst>
           </p:cNvPr>
@@ -6986,10 +7045,7 @@
           <a:bodyPr/>
           <a:lstStyle/>
           <a:p>
-            <a:r>
-              <a:rPr lang="hu-HU" dirty="0"/>
-              <a:t>Későbbi fejlesztési lehetőségek</a:t>
-            </a:r>
+            <a:endParaRPr lang="hu-HU"/>
           </a:p>
         </p:txBody>
       </p:sp>
@@ -6998,7 +7054,7 @@
           <p:cNvPr id="3" name="Tartalom helye 2">
             <a:extLst>
               <a:ext uri="{FF2B5EF4-FFF2-40B4-BE49-F238E27FC236}">
-                <a16:creationId xmlns:a16="http://schemas.microsoft.com/office/drawing/2014/main" id="{6A19F454-552C-4FDB-ABD5-811D45CC06F3}"/>
+                <a16:creationId xmlns:a16="http://schemas.microsoft.com/office/drawing/2014/main" id="{3606BB6F-A050-418F-954D-26BFE15D26D1}"/>
               </a:ext>
             </a:extLst>
           </p:cNvPr>
@@ -7011,73 +7067,17 @@
         </p:nvSpPr>
         <p:spPr/>
         <p:txBody>
-          <a:bodyPr>
-            <a:normAutofit lnSpcReduction="10000"/>
-          </a:bodyPr>
-          <a:lstStyle/>
-          <a:p>
-            <a:r>
-              <a:rPr lang="hu-HU" dirty="0" smtClean="0"/>
-              <a:t>Elmaradt </a:t>
-            </a:r>
-            <a:r>
-              <a:rPr lang="hu-HU" dirty="0"/>
-              <a:t>funkciók </a:t>
-            </a:r>
-            <a:r>
-              <a:rPr lang="hu-HU" dirty="0" smtClean="0"/>
-              <a:t>kifejlesztése</a:t>
-            </a:r>
-            <a:endParaRPr lang="hu-HU" dirty="0"/>
-          </a:p>
-          <a:p>
-            <a:endParaRPr lang="hu-HU" dirty="0"/>
-          </a:p>
-          <a:p>
-            <a:r>
-              <a:rPr lang="hu-HU" dirty="0"/>
-              <a:t>Adminisztrációs és konfigurációs szerepek egy felületre olvasztása</a:t>
-            </a:r>
-          </a:p>
-          <a:p>
-            <a:endParaRPr lang="hu-HU" dirty="0"/>
-          </a:p>
-          <a:p>
-            <a:r>
-              <a:rPr lang="hu-HU" dirty="0" smtClean="0"/>
-              <a:t>Egyes modulok (pl. számlázó) továbbfejlesztése</a:t>
-            </a:r>
-            <a:endParaRPr lang="hu-HU" dirty="0"/>
-          </a:p>
-          <a:p>
-            <a:endParaRPr lang="hu-HU" dirty="0"/>
-          </a:p>
-          <a:p>
-            <a:r>
-              <a:rPr lang="hu-HU" dirty="0"/>
-              <a:t>Jobb adatintegritás elérése egyes funkciók áttervezésével (pl. vendégtörlés</a:t>
-            </a:r>
-            <a:r>
-              <a:rPr lang="hu-HU" dirty="0" smtClean="0"/>
-              <a:t>) és biztonság továbbfejlesztése</a:t>
-            </a:r>
-          </a:p>
-          <a:p>
-            <a:endParaRPr lang="hu-HU" dirty="0"/>
-          </a:p>
-          <a:p>
-            <a:r>
-              <a:rPr lang="hu-HU" dirty="0" smtClean="0"/>
-              <a:t>Webalkalmazás esetén mindenképpen MVC architektúra, valamely PHP framework és OOP alapelvek alkalmazása</a:t>
-            </a:r>
-            <a:endParaRPr lang="hu-HU" dirty="0"/>
+          <a:bodyPr/>
+          <a:lstStyle/>
+          <a:p>
+            <a:endParaRPr lang="hu-HU"/>
           </a:p>
         </p:txBody>
       </p:sp>
     </p:spTree>
     <p:extLst>
       <p:ext uri="{BB962C8B-B14F-4D97-AF65-F5344CB8AC3E}">
-        <p14:creationId xmlns:p14="http://schemas.microsoft.com/office/powerpoint/2010/main" val="2138205064"/>
+        <p14:creationId xmlns:p14="http://schemas.microsoft.com/office/powerpoint/2010/main" val="1213303619"/>
       </p:ext>
     </p:extLst>
   </p:cSld>
@@ -7109,7 +7109,7 @@
           <p:cNvPr id="2" name="Cím 1">
             <a:extLst>
               <a:ext uri="{FF2B5EF4-FFF2-40B4-BE49-F238E27FC236}">
-                <a16:creationId xmlns:a16="http://schemas.microsoft.com/office/drawing/2014/main" id="{914F64A7-6563-4AB6-8689-16A2544DCB10}"/>
+                <a16:creationId xmlns:a16="http://schemas.microsoft.com/office/drawing/2014/main" id="{21FFF442-4D87-4F7E-8D98-7B4B68B46710}"/>
               </a:ext>
             </a:extLst>
           </p:cNvPr>
@@ -7134,7 +7134,7 @@
           <p:cNvPr id="3" name="Tartalom helye 2">
             <a:extLst>
               <a:ext uri="{FF2B5EF4-FFF2-40B4-BE49-F238E27FC236}">
-                <a16:creationId xmlns:a16="http://schemas.microsoft.com/office/drawing/2014/main" id="{3606BB6F-A050-418F-954D-26BFE15D26D1}"/>
+                <a16:creationId xmlns:a16="http://schemas.microsoft.com/office/drawing/2014/main" id="{0B44D75C-D2FC-4E55-8383-96F32612DEDB}"/>
               </a:ext>
             </a:extLst>
           </p:cNvPr>
@@ -7157,7 +7157,7 @@
     </p:spTree>
     <p:extLst>
       <p:ext uri="{BB962C8B-B14F-4D97-AF65-F5344CB8AC3E}">
-        <p14:creationId xmlns:p14="http://schemas.microsoft.com/office/powerpoint/2010/main" val="1213303619"/>
+        <p14:creationId xmlns:p14="http://schemas.microsoft.com/office/powerpoint/2010/main" val="3329355557"/>
       </p:ext>
     </p:extLst>
   </p:cSld>
@@ -7189,7 +7189,7 @@
           <p:cNvPr id="2" name="Cím 1">
             <a:extLst>
               <a:ext uri="{FF2B5EF4-FFF2-40B4-BE49-F238E27FC236}">
-                <a16:creationId xmlns:a16="http://schemas.microsoft.com/office/drawing/2014/main" id="{21FFF442-4D87-4F7E-8D98-7B4B68B46710}"/>
+                <a16:creationId xmlns:a16="http://schemas.microsoft.com/office/drawing/2014/main" id="{0A86AF55-1EC0-42BD-AA3A-296DD62CE7A4}"/>
               </a:ext>
             </a:extLst>
           </p:cNvPr>
@@ -7214,7 +7214,7 @@
           <p:cNvPr id="3" name="Tartalom helye 2">
             <a:extLst>
               <a:ext uri="{FF2B5EF4-FFF2-40B4-BE49-F238E27FC236}">
-                <a16:creationId xmlns:a16="http://schemas.microsoft.com/office/drawing/2014/main" id="{0B44D75C-D2FC-4E55-8383-96F32612DEDB}"/>
+                <a16:creationId xmlns:a16="http://schemas.microsoft.com/office/drawing/2014/main" id="{1D227FE5-A98B-44E9-AB45-CCAA591818DE}"/>
               </a:ext>
             </a:extLst>
           </p:cNvPr>
@@ -7237,7 +7237,7 @@
     </p:spTree>
     <p:extLst>
       <p:ext uri="{BB962C8B-B14F-4D97-AF65-F5344CB8AC3E}">
-        <p14:creationId xmlns:p14="http://schemas.microsoft.com/office/powerpoint/2010/main" val="3329355557"/>
+        <p14:creationId xmlns:p14="http://schemas.microsoft.com/office/powerpoint/2010/main" val="744725018"/>
       </p:ext>
     </p:extLst>
   </p:cSld>
@@ -7269,7 +7269,7 @@
           <p:cNvPr id="2" name="Cím 1">
             <a:extLst>
               <a:ext uri="{FF2B5EF4-FFF2-40B4-BE49-F238E27FC236}">
-                <a16:creationId xmlns:a16="http://schemas.microsoft.com/office/drawing/2014/main" id="{0A86AF55-1EC0-42BD-AA3A-296DD62CE7A4}"/>
+                <a16:creationId xmlns:a16="http://schemas.microsoft.com/office/drawing/2014/main" id="{E657E21D-2D5C-493A-BD04-7B4B8795FD34}"/>
               </a:ext>
             </a:extLst>
           </p:cNvPr>
@@ -7294,7 +7294,7 @@
           <p:cNvPr id="3" name="Tartalom helye 2">
             <a:extLst>
               <a:ext uri="{FF2B5EF4-FFF2-40B4-BE49-F238E27FC236}">
-                <a16:creationId xmlns:a16="http://schemas.microsoft.com/office/drawing/2014/main" id="{1D227FE5-A98B-44E9-AB45-CCAA591818DE}"/>
+                <a16:creationId xmlns:a16="http://schemas.microsoft.com/office/drawing/2014/main" id="{D74ABE95-96B6-4B90-AB6A-CC18069729AF}"/>
               </a:ext>
             </a:extLst>
           </p:cNvPr>
@@ -7317,7 +7317,7 @@
     </p:spTree>
     <p:extLst>
       <p:ext uri="{BB962C8B-B14F-4D97-AF65-F5344CB8AC3E}">
-        <p14:creationId xmlns:p14="http://schemas.microsoft.com/office/powerpoint/2010/main" val="744725018"/>
+        <p14:creationId xmlns:p14="http://schemas.microsoft.com/office/powerpoint/2010/main" val="464112756"/>
       </p:ext>
     </p:extLst>
   </p:cSld>

--- a/documentation/VR.pptx
+++ b/documentation/VR.pptx
@@ -6247,6 +6247,13 @@
   <p:clrMapOvr>
     <a:masterClrMapping/>
   </p:clrMapOvr>
+  <p:timing>
+    <p:tnLst>
+      <p:par>
+        <p:cTn id="1" dur="indefinite" restart="never" nodeType="tmRoot"/>
+      </p:par>
+    </p:tnLst>
+  </p:timing>
 </p:sld>
 </file>
 
@@ -6386,6 +6393,13 @@
   <p:clrMapOvr>
     <a:masterClrMapping/>
   </p:clrMapOvr>
+  <p:timing>
+    <p:tnLst>
+      <p:par>
+        <p:cTn id="1" dur="indefinite" restart="never" nodeType="tmRoot"/>
+      </p:par>
+    </p:tnLst>
+  </p:timing>
 </p:sld>
 </file>
 
@@ -6450,6 +6464,13 @@
   <p:clrMapOvr>
     <a:masterClrMapping/>
   </p:clrMapOvr>
+  <p:timing>
+    <p:tnLst>
+      <p:par>
+        <p:cTn id="1" dur="indefinite" restart="never" nodeType="tmRoot"/>
+      </p:par>
+    </p:tnLst>
+  </p:timing>
 </p:sld>
 </file>
 
@@ -6598,6 +6619,13 @@
   <p:clrMapOvr>
     <a:masterClrMapping/>
   </p:clrMapOvr>
+  <p:timing>
+    <p:tnLst>
+      <p:par>
+        <p:cTn id="1" dur="indefinite" restart="never" nodeType="tmRoot"/>
+      </p:par>
+    </p:tnLst>
+  </p:timing>
 </p:sld>
 </file>
 
@@ -6738,6 +6766,13 @@
   <p:clrMapOvr>
     <a:masterClrMapping/>
   </p:clrMapOvr>
+  <p:timing>
+    <p:tnLst>
+      <p:par>
+        <p:cTn id="1" dur="indefinite" restart="never" nodeType="tmRoot"/>
+      </p:par>
+    </p:tnLst>
+  </p:timing>
 </p:sld>
 </file>
 
@@ -6898,6 +6933,13 @@
   <p:clrMapOvr>
     <a:masterClrMapping/>
   </p:clrMapOvr>
+  <p:timing>
+    <p:tnLst>
+      <p:par>
+        <p:cTn id="1" dur="indefinite" restart="never" nodeType="tmRoot"/>
+      </p:par>
+    </p:tnLst>
+  </p:timing>
 </p:sld>
 </file>
 
@@ -7004,6 +7046,13 @@
   <p:clrMapOvr>
     <a:masterClrMapping/>
   </p:clrMapOvr>
+  <p:timing>
+    <p:tnLst>
+      <p:par>
+        <p:cTn id="1" dur="indefinite" restart="never" nodeType="tmRoot"/>
+      </p:par>
+    </p:tnLst>
+  </p:timing>
 </p:sld>
 </file>
 
@@ -7084,6 +7133,13 @@
   <p:clrMapOvr>
     <a:masterClrMapping/>
   </p:clrMapOvr>
+  <p:timing>
+    <p:tnLst>
+      <p:par>
+        <p:cTn id="1" dur="indefinite" restart="never" nodeType="tmRoot"/>
+      </p:par>
+    </p:tnLst>
+  </p:timing>
 </p:sld>
 </file>
 
@@ -7164,6 +7220,13 @@
   <p:clrMapOvr>
     <a:masterClrMapping/>
   </p:clrMapOvr>
+  <p:timing>
+    <p:tnLst>
+      <p:par>
+        <p:cTn id="1" dur="indefinite" restart="never" nodeType="tmRoot"/>
+      </p:par>
+    </p:tnLst>
+  </p:timing>
 </p:sld>
 </file>
 
@@ -7244,6 +7307,13 @@
   <p:clrMapOvr>
     <a:masterClrMapping/>
   </p:clrMapOvr>
+  <p:timing>
+    <p:tnLst>
+      <p:par>
+        <p:cTn id="1" dur="indefinite" restart="never" nodeType="tmRoot"/>
+      </p:par>
+    </p:tnLst>
+  </p:timing>
 </p:sld>
 </file>
 
@@ -7324,6 +7394,13 @@
   <p:clrMapOvr>
     <a:masterClrMapping/>
   </p:clrMapOvr>
+  <p:timing>
+    <p:tnLst>
+      <p:par>
+        <p:cTn id="1" dur="indefinite" restart="never" nodeType="tmRoot"/>
+      </p:par>
+    </p:tnLst>
+  </p:timing>
 </p:sld>
 </file>
 

--- a/documentation/VR.pptx
+++ b/documentation/VR.pptx
@@ -5,7 +5,7 @@
     <p:sldMasterId id="2147483804" r:id="rId1"/>
   </p:sldMasterIdLst>
   <p:notesMasterIdLst>
-    <p:notesMasterId r:id="rId13"/>
+    <p:notesMasterId r:id="rId10"/>
   </p:notesMasterIdLst>
   <p:sldIdLst>
     <p:sldId id="256" r:id="rId2"/>
@@ -14,11 +14,8 @@
     <p:sldId id="258" r:id="rId5"/>
     <p:sldId id="262" r:id="rId6"/>
     <p:sldId id="264" r:id="rId7"/>
-    <p:sldId id="263" r:id="rId8"/>
-    <p:sldId id="265" r:id="rId9"/>
-    <p:sldId id="266" r:id="rId10"/>
-    <p:sldId id="261" r:id="rId11"/>
-    <p:sldId id="260" r:id="rId12"/>
+    <p:sldId id="261" r:id="rId8"/>
+    <p:sldId id="260" r:id="rId9"/>
   </p:sldIdLst>
   <p:sldSz cx="12192000" cy="6858000"/>
   <p:notesSz cx="6858000" cy="9144000"/>
@@ -6257,223 +6254,6 @@
 </p:sld>
 </file>
 
-<file path=ppt/slides/slide10.xml><?xml version="1.0" encoding="utf-8"?>
-<p:sld xmlns:a="http://schemas.openxmlformats.org/drawingml/2006/main" xmlns:r="http://schemas.openxmlformats.org/officeDocument/2006/relationships" xmlns:p="http://schemas.openxmlformats.org/presentationml/2006/main">
-  <p:cSld>
-    <p:spTree>
-      <p:nvGrpSpPr>
-        <p:cNvPr id="1" name=""/>
-        <p:cNvGrpSpPr/>
-        <p:nvPr/>
-      </p:nvGrpSpPr>
-      <p:grpSpPr>
-        <a:xfrm>
-          <a:off x="0" y="0"/>
-          <a:ext cx="0" cy="0"/>
-          <a:chOff x="0" y="0"/>
-          <a:chExt cx="0" cy="0"/>
-        </a:xfrm>
-      </p:grpSpPr>
-      <p:sp>
-        <p:nvSpPr>
-          <p:cNvPr id="2" name="Cím 1">
-            <a:extLst>
-              <a:ext uri="{FF2B5EF4-FFF2-40B4-BE49-F238E27FC236}">
-                <a16:creationId xmlns:a16="http://schemas.microsoft.com/office/drawing/2014/main" id="{E186FF4E-9248-460F-85CD-6883A727ABE6}"/>
-              </a:ext>
-            </a:extLst>
-          </p:cNvPr>
-          <p:cNvSpPr>
-            <a:spLocks noGrp="1"/>
-          </p:cNvSpPr>
-          <p:nvPr>
-            <p:ph type="title"/>
-          </p:nvPr>
-        </p:nvSpPr>
-        <p:spPr/>
-        <p:txBody>
-          <a:bodyPr/>
-          <a:lstStyle/>
-          <a:p>
-            <a:r>
-              <a:rPr lang="hu-HU" dirty="0"/>
-              <a:t>Későbbi fejlesztési lehetőségek</a:t>
-            </a:r>
-          </a:p>
-        </p:txBody>
-      </p:sp>
-      <p:sp>
-        <p:nvSpPr>
-          <p:cNvPr id="3" name="Tartalom helye 2">
-            <a:extLst>
-              <a:ext uri="{FF2B5EF4-FFF2-40B4-BE49-F238E27FC236}">
-                <a16:creationId xmlns:a16="http://schemas.microsoft.com/office/drawing/2014/main" id="{6A19F454-552C-4FDB-ABD5-811D45CC06F3}"/>
-              </a:ext>
-            </a:extLst>
-          </p:cNvPr>
-          <p:cNvSpPr>
-            <a:spLocks noGrp="1"/>
-          </p:cNvSpPr>
-          <p:nvPr>
-            <p:ph idx="1"/>
-          </p:nvPr>
-        </p:nvSpPr>
-        <p:spPr/>
-        <p:txBody>
-          <a:bodyPr>
-            <a:normAutofit lnSpcReduction="10000"/>
-          </a:bodyPr>
-          <a:lstStyle/>
-          <a:p>
-            <a:r>
-              <a:rPr lang="hu-HU" dirty="0" smtClean="0"/>
-              <a:t>Elmaradt </a:t>
-            </a:r>
-            <a:r>
-              <a:rPr lang="hu-HU" dirty="0"/>
-              <a:t>funkciók </a:t>
-            </a:r>
-            <a:r>
-              <a:rPr lang="hu-HU" dirty="0" smtClean="0"/>
-              <a:t>kifejlesztése (pl. számlanyomtatás)</a:t>
-            </a:r>
-            <a:endParaRPr lang="hu-HU" dirty="0"/>
-          </a:p>
-          <a:p>
-            <a:endParaRPr lang="hu-HU" dirty="0"/>
-          </a:p>
-          <a:p>
-            <a:r>
-              <a:rPr lang="hu-HU" dirty="0"/>
-              <a:t>Adminisztrációs és konfigurációs szerepek egy felületre olvasztása</a:t>
-            </a:r>
-          </a:p>
-          <a:p>
-            <a:endParaRPr lang="hu-HU" dirty="0"/>
-          </a:p>
-          <a:p>
-            <a:r>
-              <a:rPr lang="hu-HU" dirty="0" smtClean="0"/>
-              <a:t>Egyes modulok (pl. számlázó) továbbfejlesztése</a:t>
-            </a:r>
-            <a:endParaRPr lang="hu-HU" dirty="0"/>
-          </a:p>
-          <a:p>
-            <a:endParaRPr lang="hu-HU" dirty="0"/>
-          </a:p>
-          <a:p>
-            <a:r>
-              <a:rPr lang="hu-HU" dirty="0"/>
-              <a:t>Jobb adatintegritás elérése egyes funkciók áttervezésével (pl. vendégtörlés</a:t>
-            </a:r>
-            <a:r>
-              <a:rPr lang="hu-HU" dirty="0" smtClean="0"/>
-              <a:t>) és biztonság továbbfejlesztése</a:t>
-            </a:r>
-          </a:p>
-          <a:p>
-            <a:endParaRPr lang="hu-HU" dirty="0"/>
-          </a:p>
-          <a:p>
-            <a:r>
-              <a:rPr lang="hu-HU" dirty="0" smtClean="0"/>
-              <a:t>Webalkalmazás esetén mindenképpen MVC architektúra, valamely PHP framework és OOP alapelvek alkalmazása</a:t>
-            </a:r>
-            <a:endParaRPr lang="hu-HU" dirty="0"/>
-          </a:p>
-        </p:txBody>
-      </p:sp>
-    </p:spTree>
-    <p:extLst>
-      <p:ext uri="{BB962C8B-B14F-4D97-AF65-F5344CB8AC3E}">
-        <p14:creationId xmlns:p14="http://schemas.microsoft.com/office/powerpoint/2010/main" val="2138205064"/>
-      </p:ext>
-    </p:extLst>
-  </p:cSld>
-  <p:clrMapOvr>
-    <a:masterClrMapping/>
-  </p:clrMapOvr>
-  <p:timing>
-    <p:tnLst>
-      <p:par>
-        <p:cTn id="1" dur="indefinite" restart="never" nodeType="tmRoot"/>
-      </p:par>
-    </p:tnLst>
-  </p:timing>
-</p:sld>
-</file>
-
-<file path=ppt/slides/slide11.xml><?xml version="1.0" encoding="utf-8"?>
-<p:sld xmlns:a="http://schemas.openxmlformats.org/drawingml/2006/main" xmlns:r="http://schemas.openxmlformats.org/officeDocument/2006/relationships" xmlns:p="http://schemas.openxmlformats.org/presentationml/2006/main">
-  <p:cSld>
-    <p:spTree>
-      <p:nvGrpSpPr>
-        <p:cNvPr id="1" name=""/>
-        <p:cNvGrpSpPr/>
-        <p:nvPr/>
-      </p:nvGrpSpPr>
-      <p:grpSpPr>
-        <a:xfrm>
-          <a:off x="0" y="0"/>
-          <a:ext cx="0" cy="0"/>
-          <a:chOff x="0" y="0"/>
-          <a:chExt cx="0" cy="0"/>
-        </a:xfrm>
-      </p:grpSpPr>
-      <p:sp>
-        <p:nvSpPr>
-          <p:cNvPr id="2" name="Cím 1">
-            <a:extLst>
-              <a:ext uri="{FF2B5EF4-FFF2-40B4-BE49-F238E27FC236}">
-                <a16:creationId xmlns:a16="http://schemas.microsoft.com/office/drawing/2014/main" id="{CA1B9546-2A7D-4414-B65A-4F892BEFC275}"/>
-              </a:ext>
-            </a:extLst>
-          </p:cNvPr>
-          <p:cNvSpPr>
-            <a:spLocks noGrp="1"/>
-          </p:cNvSpPr>
-          <p:nvPr>
-            <p:ph type="title"/>
-          </p:nvPr>
-        </p:nvSpPr>
-        <p:spPr>
-          <a:xfrm>
-            <a:off x="870566" y="2768600"/>
-            <a:ext cx="8596668" cy="1320800"/>
-          </a:xfrm>
-        </p:spPr>
-        <p:txBody>
-          <a:bodyPr/>
-          <a:lstStyle/>
-          <a:p>
-            <a:pPr algn="ctr"/>
-            <a:r>
-              <a:rPr lang="hu-HU" dirty="0"/>
-              <a:t>Köszönöm a figyelmet!</a:t>
-            </a:r>
-          </a:p>
-        </p:txBody>
-      </p:sp>
-    </p:spTree>
-    <p:extLst>
-      <p:ext uri="{BB962C8B-B14F-4D97-AF65-F5344CB8AC3E}">
-        <p14:creationId xmlns:p14="http://schemas.microsoft.com/office/powerpoint/2010/main" val="1019165441"/>
-      </p:ext>
-    </p:extLst>
-  </p:cSld>
-  <p:clrMapOvr>
-    <a:masterClrMapping/>
-  </p:clrMapOvr>
-  <p:timing>
-    <p:tnLst>
-      <p:par>
-        <p:cTn id="1" dur="indefinite" restart="never" nodeType="tmRoot"/>
-      </p:par>
-    </p:tnLst>
-  </p:timing>
-</p:sld>
-</file>
-
 <file path=ppt/slides/slide2.xml><?xml version="1.0" encoding="utf-8"?>
 <p:sld xmlns:a="http://schemas.openxmlformats.org/drawingml/2006/main" xmlns:r="http://schemas.openxmlformats.org/officeDocument/2006/relationships" xmlns:p="http://schemas.openxmlformats.org/presentationml/2006/main">
   <p:cSld>
@@ -6563,9 +6343,10 @@
               <a:buAutoNum type="arabicPeriod"/>
             </a:pPr>
             <a:r>
-              <a:rPr lang="hu-HU" sz="2000" dirty="0"/>
-              <a:t>Vendégadatbázis kezelés</a:t>
-            </a:r>
+              <a:rPr lang="hu-HU" sz="2000" dirty="0" smtClean="0"/>
+              <a:t>Vendég adat kezelés</a:t>
+            </a:r>
+            <a:endParaRPr lang="hu-HU" sz="2000" dirty="0"/>
           </a:p>
           <a:p>
             <a:pPr marL="514350" indent="-514350">
@@ -6732,11 +6513,7 @@
             </a:pPr>
             <a:r>
               <a:rPr lang="hu-HU" dirty="0" smtClean="0"/>
-              <a:t>Vendéglátásban dolgozók </a:t>
-            </a:r>
-            <a:r>
-              <a:rPr lang="hu-HU" dirty="0" smtClean="0"/>
-              <a:t>munkájának megkönnyítése</a:t>
+              <a:t>Vendéglátásban dolgozók munkájának megkönnyítése</a:t>
             </a:r>
             <a:endParaRPr lang="hu-HU" dirty="0"/>
           </a:p>
@@ -6747,11 +6524,7 @@
             </a:pPr>
             <a:r>
               <a:rPr lang="hu-HU" dirty="0" smtClean="0"/>
-              <a:t>Személyes szálláshelyi </a:t>
-            </a:r>
-            <a:r>
-              <a:rPr lang="hu-HU" dirty="0" smtClean="0"/>
-              <a:t>tapasztalatok alapján felépített komplex alkalmazás elkészítése</a:t>
+              <a:t>Személyes szálláshelyi tapasztalatok alapján felépített komplex alkalmazás elkészítése</a:t>
             </a:r>
           </a:p>
         </p:txBody>
@@ -7094,7 +6867,15 @@
           <a:bodyPr/>
           <a:lstStyle/>
           <a:p>
-            <a:endParaRPr lang="hu-HU"/>
+            <a:r>
+              <a:rPr lang="hu-HU" dirty="0" smtClean="0"/>
+              <a:t>A rendszer</a:t>
+            </a:r>
+            <a:r>
+              <a:rPr lang="hu-HU" dirty="0" smtClean="0"/>
+              <a:t> jelenleg…</a:t>
+            </a:r>
+            <a:endParaRPr lang="hu-HU" dirty="0"/>
           </a:p>
         </p:txBody>
       </p:sp>
@@ -7119,7 +6900,42 @@
           <a:bodyPr/>
           <a:lstStyle/>
           <a:p>
-            <a:endParaRPr lang="hu-HU"/>
+            <a:r>
+              <a:rPr lang="hu-HU" dirty="0" smtClean="0"/>
+              <a:t>Előre regisztrált felhasználói fiókokkal működik, jelenleg regisztráció nem lehetséges…</a:t>
+            </a:r>
+          </a:p>
+          <a:p>
+            <a:endParaRPr lang="hu-HU" dirty="0"/>
+          </a:p>
+          <a:p>
+            <a:r>
+              <a:rPr lang="hu-HU" dirty="0" smtClean="0"/>
+              <a:t>Webalkalmazásban konfigurálható minden működéshez szükséges adat (számlázási tételek, szobák, kategorizálásuk)</a:t>
+            </a:r>
+          </a:p>
+          <a:p>
+            <a:endParaRPr lang="hu-HU" dirty="0"/>
+          </a:p>
+          <a:p>
+            <a:r>
+              <a:rPr lang="hu-HU" dirty="0" smtClean="0"/>
+              <a:t>Asztali alkalmazásban felhasználhatók a konfigurált adatok számlázásnál illetve foglalás kezelésnél, illetve ezen a felületen történik a vendégadatok kezelése</a:t>
+            </a:r>
+          </a:p>
+          <a:p>
+            <a:endParaRPr lang="hu-HU" dirty="0"/>
+          </a:p>
+          <a:p>
+            <a:r>
+              <a:rPr lang="hu-HU" dirty="0" smtClean="0"/>
+              <a:t>Minden bevitt, módosított adat egy adatbázisban </a:t>
+            </a:r>
+            <a:r>
+              <a:rPr lang="hu-HU" dirty="0" err="1" smtClean="0"/>
+              <a:t>tárolódik</a:t>
+            </a:r>
+            <a:endParaRPr lang="hu-HU" dirty="0" smtClean="0"/>
           </a:p>
         </p:txBody>
       </p:sp>
@@ -7165,7 +6981,7 @@
           <p:cNvPr id="2" name="Cím 1">
             <a:extLst>
               <a:ext uri="{FF2B5EF4-FFF2-40B4-BE49-F238E27FC236}">
-                <a16:creationId xmlns:a16="http://schemas.microsoft.com/office/drawing/2014/main" id="{21FFF442-4D87-4F7E-8D98-7B4B68B46710}"/>
+                <a16:creationId xmlns:a16="http://schemas.microsoft.com/office/drawing/2014/main" id="{E186FF4E-9248-460F-85CD-6883A727ABE6}"/>
               </a:ext>
             </a:extLst>
           </p:cNvPr>
@@ -7181,7 +6997,11 @@
           <a:bodyPr/>
           <a:lstStyle/>
           <a:p>
-            <a:endParaRPr lang="hu-HU"/>
+            <a:r>
+              <a:rPr lang="hu-HU" dirty="0" smtClean="0"/>
+              <a:t>A rendszer később…</a:t>
+            </a:r>
+            <a:endParaRPr lang="hu-HU" dirty="0"/>
           </a:p>
         </p:txBody>
       </p:sp>
@@ -7190,7 +7010,7 @@
           <p:cNvPr id="3" name="Tartalom helye 2">
             <a:extLst>
               <a:ext uri="{FF2B5EF4-FFF2-40B4-BE49-F238E27FC236}">
-                <a16:creationId xmlns:a16="http://schemas.microsoft.com/office/drawing/2014/main" id="{0B44D75C-D2FC-4E55-8383-96F32612DEDB}"/>
+                <a16:creationId xmlns:a16="http://schemas.microsoft.com/office/drawing/2014/main" id="{6A19F454-552C-4FDB-ABD5-811D45CC06F3}"/>
               </a:ext>
             </a:extLst>
           </p:cNvPr>
@@ -7203,17 +7023,73 @@
         </p:nvSpPr>
         <p:spPr/>
         <p:txBody>
-          <a:bodyPr/>
-          <a:lstStyle/>
-          <a:p>
-            <a:endParaRPr lang="hu-HU"/>
+          <a:bodyPr>
+            <a:normAutofit lnSpcReduction="10000"/>
+          </a:bodyPr>
+          <a:lstStyle/>
+          <a:p>
+            <a:r>
+              <a:rPr lang="hu-HU" dirty="0" smtClean="0"/>
+              <a:t>Elmaradt </a:t>
+            </a:r>
+            <a:r>
+              <a:rPr lang="hu-HU" dirty="0"/>
+              <a:t>funkciók </a:t>
+            </a:r>
+            <a:r>
+              <a:rPr lang="hu-HU" dirty="0" smtClean="0"/>
+              <a:t>kifejlesztése (pl. számlanyomtatás)</a:t>
+            </a:r>
+            <a:endParaRPr lang="hu-HU" dirty="0"/>
+          </a:p>
+          <a:p>
+            <a:endParaRPr lang="hu-HU" dirty="0"/>
+          </a:p>
+          <a:p>
+            <a:r>
+              <a:rPr lang="hu-HU" dirty="0"/>
+              <a:t>Adminisztrációs és konfigurációs szerepek egy felületre olvasztása</a:t>
+            </a:r>
+          </a:p>
+          <a:p>
+            <a:endParaRPr lang="hu-HU" dirty="0"/>
+          </a:p>
+          <a:p>
+            <a:r>
+              <a:rPr lang="hu-HU" dirty="0" smtClean="0"/>
+              <a:t>Egyes modulok (pl. számlázó) továbbfejlesztése</a:t>
+            </a:r>
+            <a:endParaRPr lang="hu-HU" dirty="0"/>
+          </a:p>
+          <a:p>
+            <a:endParaRPr lang="hu-HU" dirty="0"/>
+          </a:p>
+          <a:p>
+            <a:r>
+              <a:rPr lang="hu-HU" dirty="0"/>
+              <a:t>Jobb adatintegritás elérése egyes funkciók áttervezésével (pl. vendégtörlés</a:t>
+            </a:r>
+            <a:r>
+              <a:rPr lang="hu-HU" dirty="0" smtClean="0"/>
+              <a:t>) és biztonság továbbfejlesztése</a:t>
+            </a:r>
+          </a:p>
+          <a:p>
+            <a:endParaRPr lang="hu-HU" dirty="0"/>
+          </a:p>
+          <a:p>
+            <a:r>
+              <a:rPr lang="hu-HU" dirty="0" smtClean="0"/>
+              <a:t>Webalkalmazás esetén mindenképpen MVC architektúra, valamely PHP framework és OOP alapelvek alkalmazása</a:t>
+            </a:r>
+            <a:endParaRPr lang="hu-HU" dirty="0"/>
           </a:p>
         </p:txBody>
       </p:sp>
     </p:spTree>
     <p:extLst>
       <p:ext uri="{BB962C8B-B14F-4D97-AF65-F5344CB8AC3E}">
-        <p14:creationId xmlns:p14="http://schemas.microsoft.com/office/powerpoint/2010/main" val="3329355557"/>
+        <p14:creationId xmlns:p14="http://schemas.microsoft.com/office/powerpoint/2010/main" val="2138205064"/>
       </p:ext>
     </p:extLst>
   </p:cSld>
@@ -7252,7 +7128,7 @@
           <p:cNvPr id="2" name="Cím 1">
             <a:extLst>
               <a:ext uri="{FF2B5EF4-FFF2-40B4-BE49-F238E27FC236}">
-                <a16:creationId xmlns:a16="http://schemas.microsoft.com/office/drawing/2014/main" id="{0A86AF55-1EC0-42BD-AA3A-296DD62CE7A4}"/>
+                <a16:creationId xmlns:a16="http://schemas.microsoft.com/office/drawing/2014/main" id="{CA1B9546-2A7D-4414-B65A-4F892BEFC275}"/>
               </a:ext>
             </a:extLst>
           </p:cNvPr>
@@ -7263,131 +7139,28 @@
             <p:ph type="title"/>
           </p:nvPr>
         </p:nvSpPr>
-        <p:spPr/>
+        <p:spPr>
+          <a:xfrm>
+            <a:off x="870566" y="2768600"/>
+            <a:ext cx="8596668" cy="1320800"/>
+          </a:xfrm>
+        </p:spPr>
         <p:txBody>
           <a:bodyPr/>
           <a:lstStyle/>
           <a:p>
-            <a:endParaRPr lang="hu-HU"/>
-          </a:p>
-        </p:txBody>
-      </p:sp>
-      <p:sp>
-        <p:nvSpPr>
-          <p:cNvPr id="3" name="Tartalom helye 2">
-            <a:extLst>
-              <a:ext uri="{FF2B5EF4-FFF2-40B4-BE49-F238E27FC236}">
-                <a16:creationId xmlns:a16="http://schemas.microsoft.com/office/drawing/2014/main" id="{1D227FE5-A98B-44E9-AB45-CCAA591818DE}"/>
-              </a:ext>
-            </a:extLst>
-          </p:cNvPr>
-          <p:cNvSpPr>
-            <a:spLocks noGrp="1"/>
-          </p:cNvSpPr>
-          <p:nvPr>
-            <p:ph idx="1"/>
-          </p:nvPr>
-        </p:nvSpPr>
-        <p:spPr/>
-        <p:txBody>
-          <a:bodyPr/>
-          <a:lstStyle/>
-          <a:p>
-            <a:endParaRPr lang="hu-HU"/>
+            <a:pPr algn="ctr"/>
+            <a:r>
+              <a:rPr lang="hu-HU" dirty="0"/>
+              <a:t>Köszönöm a figyelmet!</a:t>
+            </a:r>
           </a:p>
         </p:txBody>
       </p:sp>
     </p:spTree>
     <p:extLst>
       <p:ext uri="{BB962C8B-B14F-4D97-AF65-F5344CB8AC3E}">
-        <p14:creationId xmlns:p14="http://schemas.microsoft.com/office/powerpoint/2010/main" val="744725018"/>
-      </p:ext>
-    </p:extLst>
-  </p:cSld>
-  <p:clrMapOvr>
-    <a:masterClrMapping/>
-  </p:clrMapOvr>
-  <p:timing>
-    <p:tnLst>
-      <p:par>
-        <p:cTn id="1" dur="indefinite" restart="never" nodeType="tmRoot"/>
-      </p:par>
-    </p:tnLst>
-  </p:timing>
-</p:sld>
-</file>
-
-<file path=ppt/slides/slide9.xml><?xml version="1.0" encoding="utf-8"?>
-<p:sld xmlns:a="http://schemas.openxmlformats.org/drawingml/2006/main" xmlns:r="http://schemas.openxmlformats.org/officeDocument/2006/relationships" xmlns:p="http://schemas.openxmlformats.org/presentationml/2006/main">
-  <p:cSld>
-    <p:spTree>
-      <p:nvGrpSpPr>
-        <p:cNvPr id="1" name=""/>
-        <p:cNvGrpSpPr/>
-        <p:nvPr/>
-      </p:nvGrpSpPr>
-      <p:grpSpPr>
-        <a:xfrm>
-          <a:off x="0" y="0"/>
-          <a:ext cx="0" cy="0"/>
-          <a:chOff x="0" y="0"/>
-          <a:chExt cx="0" cy="0"/>
-        </a:xfrm>
-      </p:grpSpPr>
-      <p:sp>
-        <p:nvSpPr>
-          <p:cNvPr id="2" name="Cím 1">
-            <a:extLst>
-              <a:ext uri="{FF2B5EF4-FFF2-40B4-BE49-F238E27FC236}">
-                <a16:creationId xmlns:a16="http://schemas.microsoft.com/office/drawing/2014/main" id="{E657E21D-2D5C-493A-BD04-7B4B8795FD34}"/>
-              </a:ext>
-            </a:extLst>
-          </p:cNvPr>
-          <p:cNvSpPr>
-            <a:spLocks noGrp="1"/>
-          </p:cNvSpPr>
-          <p:nvPr>
-            <p:ph type="title"/>
-          </p:nvPr>
-        </p:nvSpPr>
-        <p:spPr/>
-        <p:txBody>
-          <a:bodyPr/>
-          <a:lstStyle/>
-          <a:p>
-            <a:endParaRPr lang="hu-HU"/>
-          </a:p>
-        </p:txBody>
-      </p:sp>
-      <p:sp>
-        <p:nvSpPr>
-          <p:cNvPr id="3" name="Tartalom helye 2">
-            <a:extLst>
-              <a:ext uri="{FF2B5EF4-FFF2-40B4-BE49-F238E27FC236}">
-                <a16:creationId xmlns:a16="http://schemas.microsoft.com/office/drawing/2014/main" id="{D74ABE95-96B6-4B90-AB6A-CC18069729AF}"/>
-              </a:ext>
-            </a:extLst>
-          </p:cNvPr>
-          <p:cNvSpPr>
-            <a:spLocks noGrp="1"/>
-          </p:cNvSpPr>
-          <p:nvPr>
-            <p:ph idx="1"/>
-          </p:nvPr>
-        </p:nvSpPr>
-        <p:spPr/>
-        <p:txBody>
-          <a:bodyPr/>
-          <a:lstStyle/>
-          <a:p>
-            <a:endParaRPr lang="hu-HU"/>
-          </a:p>
-        </p:txBody>
-      </p:sp>
-    </p:spTree>
-    <p:extLst>
-      <p:ext uri="{BB962C8B-B14F-4D97-AF65-F5344CB8AC3E}">
-        <p14:creationId xmlns:p14="http://schemas.microsoft.com/office/powerpoint/2010/main" val="464112756"/>
+        <p14:creationId xmlns:p14="http://schemas.microsoft.com/office/powerpoint/2010/main" val="1019165441"/>
       </p:ext>
     </p:extLst>
   </p:cSld>

--- a/documentation/VR.pptx
+++ b/documentation/VR.pptx
@@ -5,7 +5,7 @@
     <p:sldMasterId id="2147483804" r:id="rId1"/>
   </p:sldMasterIdLst>
   <p:notesMasterIdLst>
-    <p:notesMasterId r:id="rId10"/>
+    <p:notesMasterId r:id="rId9"/>
   </p:notesMasterIdLst>
   <p:sldIdLst>
     <p:sldId id="256" r:id="rId2"/>
@@ -15,7 +15,6 @@
     <p:sldId id="262" r:id="rId6"/>
     <p:sldId id="264" r:id="rId7"/>
     <p:sldId id="261" r:id="rId8"/>
-    <p:sldId id="260" r:id="rId9"/>
   </p:sldIdLst>
   <p:sldSz cx="12192000" cy="6858000"/>
   <p:notesSz cx="6858000" cy="9144000"/>
@@ -122,6 +121,18 @@
 </p:presentation>
 </file>
 
+<file path=ppt/commentAuthors.xml><?xml version="1.0" encoding="utf-8"?>
+<p:cmAuthorLst xmlns:a="http://schemas.openxmlformats.org/drawingml/2006/main" xmlns:r="http://schemas.openxmlformats.org/officeDocument/2006/relationships" xmlns:p="http://schemas.openxmlformats.org/presentationml/2006/main">
+  <p:cmAuthor id="1" name="BENCE" initials="B" lastIdx="1" clrIdx="0">
+    <p:extLst>
+      <p:ext uri="{19B8F6BF-5375-455C-9EA6-DF929625EA0E}">
+        <p15:presenceInfo xmlns:p15="http://schemas.microsoft.com/office/powerpoint/2012/main" userId="BENCE" providerId="None"/>
+      </p:ext>
+    </p:extLst>
+  </p:cmAuthor>
+</p:cmAuthorLst>
+</file>
+
 <file path=ppt/notesMasters/notesMaster1.xml><?xml version="1.0" encoding="utf-8"?>
 <p:notesMaster xmlns:a="http://schemas.openxmlformats.org/drawingml/2006/main" xmlns:r="http://schemas.openxmlformats.org/officeDocument/2006/relationships" xmlns:p="http://schemas.openxmlformats.org/presentationml/2006/main">
   <p:cSld>
@@ -204,7 +215,7 @@
           <a:p>
             <a:fld id="{5815E827-18C6-4DEA-9C91-07F2AB12A103}" type="datetimeFigureOut">
               <a:rPr lang="hu-HU" smtClean="0"/>
-              <a:t>2019. 04. 10.</a:t>
+              <a:t>2019.04.11.</a:t>
             </a:fld>
             <a:endParaRPr lang="hu-HU"/>
           </a:p>
@@ -1216,7 +1227,7 @@
           <a:p>
             <a:fld id="{D52D1170-0E3C-461E-885D-F828D29A0FF0}" type="datetimeFigureOut">
               <a:rPr lang="hu-HU" smtClean="0"/>
-              <a:t>2019. 04. 10.</a:t>
+              <a:t>2019.04.11.</a:t>
             </a:fld>
             <a:endParaRPr lang="hu-HU"/>
           </a:p>
@@ -1467,7 +1478,7 @@
           <a:p>
             <a:fld id="{D52D1170-0E3C-461E-885D-F828D29A0FF0}" type="datetimeFigureOut">
               <a:rPr lang="hu-HU" smtClean="0"/>
-              <a:t>2019. 04. 10.</a:t>
+              <a:t>2019.04.11.</a:t>
             </a:fld>
             <a:endParaRPr lang="hu-HU"/>
           </a:p>
@@ -1781,7 +1792,7 @@
           <a:p>
             <a:fld id="{D52D1170-0E3C-461E-885D-F828D29A0FF0}" type="datetimeFigureOut">
               <a:rPr lang="hu-HU" smtClean="0"/>
-              <a:t>2019. 04. 10.</a:t>
+              <a:t>2019.04.11.</a:t>
             </a:fld>
             <a:endParaRPr lang="hu-HU"/>
           </a:p>
@@ -2114,7 +2125,7 @@
           <a:p>
             <a:fld id="{D52D1170-0E3C-461E-885D-F828D29A0FF0}" type="datetimeFigureOut">
               <a:rPr lang="hu-HU" smtClean="0"/>
-              <a:t>2019. 04. 10.</a:t>
+              <a:t>2019.04.11.</a:t>
             </a:fld>
             <a:endParaRPr lang="hu-HU"/>
           </a:p>
@@ -2428,7 +2439,7 @@
           <a:p>
             <a:fld id="{D52D1170-0E3C-461E-885D-F828D29A0FF0}" type="datetimeFigureOut">
               <a:rPr lang="hu-HU" smtClean="0"/>
-              <a:t>2019. 04. 10.</a:t>
+              <a:t>2019.04.11.</a:t>
             </a:fld>
             <a:endParaRPr lang="hu-HU"/>
           </a:p>
@@ -2821,7 +2832,7 @@
           <a:p>
             <a:fld id="{D52D1170-0E3C-461E-885D-F828D29A0FF0}" type="datetimeFigureOut">
               <a:rPr lang="hu-HU" smtClean="0"/>
-              <a:t>2019. 04. 10.</a:t>
+              <a:t>2019.04.11.</a:t>
             </a:fld>
             <a:endParaRPr lang="hu-HU"/>
           </a:p>
@@ -2991,7 +3002,7 @@
           <a:p>
             <a:fld id="{D52D1170-0E3C-461E-885D-F828D29A0FF0}" type="datetimeFigureOut">
               <a:rPr lang="hu-HU" smtClean="0"/>
-              <a:t>2019. 04. 10.</a:t>
+              <a:t>2019.04.11.</a:t>
             </a:fld>
             <a:endParaRPr lang="hu-HU"/>
           </a:p>
@@ -3171,7 +3182,7 @@
           <a:p>
             <a:fld id="{D52D1170-0E3C-461E-885D-F828D29A0FF0}" type="datetimeFigureOut">
               <a:rPr lang="hu-HU" smtClean="0"/>
-              <a:t>2019. 04. 10.</a:t>
+              <a:t>2019.04.11.</a:t>
             </a:fld>
             <a:endParaRPr lang="hu-HU"/>
           </a:p>
@@ -3341,7 +3352,7 @@
           <a:p>
             <a:fld id="{D52D1170-0E3C-461E-885D-F828D29A0FF0}" type="datetimeFigureOut">
               <a:rPr lang="hu-HU" smtClean="0"/>
-              <a:t>2019. 04. 10.</a:t>
+              <a:t>2019.04.11.</a:t>
             </a:fld>
             <a:endParaRPr lang="hu-HU"/>
           </a:p>
@@ -3588,7 +3599,7 @@
           <a:p>
             <a:fld id="{D52D1170-0E3C-461E-885D-F828D29A0FF0}" type="datetimeFigureOut">
               <a:rPr lang="hu-HU" smtClean="0"/>
-              <a:t>2019. 04. 10.</a:t>
+              <a:t>2019.04.11.</a:t>
             </a:fld>
             <a:endParaRPr lang="hu-HU"/>
           </a:p>
@@ -3820,7 +3831,7 @@
           <a:p>
             <a:fld id="{D52D1170-0E3C-461E-885D-F828D29A0FF0}" type="datetimeFigureOut">
               <a:rPr lang="hu-HU" smtClean="0"/>
-              <a:t>2019. 04. 10.</a:t>
+              <a:t>2019.04.11.</a:t>
             </a:fld>
             <a:endParaRPr lang="hu-HU"/>
           </a:p>
@@ -4194,7 +4205,7 @@
           <a:p>
             <a:fld id="{D52D1170-0E3C-461E-885D-F828D29A0FF0}" type="datetimeFigureOut">
               <a:rPr lang="hu-HU" smtClean="0"/>
-              <a:t>2019. 04. 10.</a:t>
+              <a:t>2019.04.11.</a:t>
             </a:fld>
             <a:endParaRPr lang="hu-HU"/>
           </a:p>
@@ -4317,7 +4328,7 @@
           <a:p>
             <a:fld id="{D52D1170-0E3C-461E-885D-F828D29A0FF0}" type="datetimeFigureOut">
               <a:rPr lang="hu-HU" smtClean="0"/>
-              <a:t>2019. 04. 10.</a:t>
+              <a:t>2019.04.11.</a:t>
             </a:fld>
             <a:endParaRPr lang="hu-HU"/>
           </a:p>
@@ -4412,7 +4423,7 @@
           <a:p>
             <a:fld id="{D52D1170-0E3C-461E-885D-F828D29A0FF0}" type="datetimeFigureOut">
               <a:rPr lang="hu-HU" smtClean="0"/>
-              <a:t>2019. 04. 10.</a:t>
+              <a:t>2019.04.11.</a:t>
             </a:fld>
             <a:endParaRPr lang="hu-HU"/>
           </a:p>
@@ -4667,7 +4678,7 @@
           <a:p>
             <a:fld id="{D52D1170-0E3C-461E-885D-F828D29A0FF0}" type="datetimeFigureOut">
               <a:rPr lang="hu-HU" smtClean="0"/>
-              <a:t>2019. 04. 10.</a:t>
+              <a:t>2019.04.11.</a:t>
             </a:fld>
             <a:endParaRPr lang="hu-HU"/>
           </a:p>
@@ -4972,7 +4983,7 @@
           <a:p>
             <a:fld id="{D52D1170-0E3C-461E-885D-F828D29A0FF0}" type="datetimeFigureOut">
               <a:rPr lang="hu-HU" smtClean="0"/>
-              <a:t>2019. 04. 10.</a:t>
+              <a:t>2019.04.11.</a:t>
             </a:fld>
             <a:endParaRPr lang="hu-HU"/>
           </a:p>
@@ -5674,7 +5685,7 @@
           <a:p>
             <a:fld id="{D52D1170-0E3C-461E-885D-F828D29A0FF0}" type="datetimeFigureOut">
               <a:rPr lang="hu-HU" smtClean="0"/>
-              <a:t>2019. 04. 10.</a:t>
+              <a:t>2019.04.11.</a:t>
             </a:fld>
             <a:endParaRPr lang="hu-HU"/>
           </a:p>
@@ -6234,6 +6245,41 @@
           </a:prstGeom>
         </p:spPr>
       </p:pic>
+      <p:sp>
+        <p:nvSpPr>
+          <p:cNvPr id="2" name="Szövegdoboz 1">
+            <a:extLst>
+              <a:ext uri="{FF2B5EF4-FFF2-40B4-BE49-F238E27FC236}">
+                <a16:creationId xmlns:a16="http://schemas.microsoft.com/office/drawing/2014/main" id="{31FC7B32-D970-4EE9-9531-097F39124C2B}"/>
+              </a:ext>
+            </a:extLst>
+          </p:cNvPr>
+          <p:cNvSpPr txBox="1"/>
+          <p:nvPr/>
+        </p:nvSpPr>
+        <p:spPr>
+          <a:xfrm>
+            <a:off x="3406098" y="5219700"/>
+            <a:ext cx="2773516" cy="369332"/>
+          </a:xfrm>
+          <a:prstGeom prst="rect">
+            <a:avLst/>
+          </a:prstGeom>
+          <a:noFill/>
+        </p:spPr>
+        <p:txBody>
+          <a:bodyPr wrap="none" rtlCol="0">
+            <a:spAutoFit/>
+          </a:bodyPr>
+          <a:lstStyle/>
+          <a:p>
+            <a:r>
+              <a:rPr lang="hu-HU" dirty="0"/>
+              <a:t>Készítette: Juhász Bence</a:t>
+            </a:r>
+          </a:p>
+        </p:txBody>
+      </p:sp>
     </p:spTree>
     <p:extLst>
       <p:ext uri="{BB962C8B-B14F-4D97-AF65-F5344CB8AC3E}">
@@ -6244,13 +6290,6 @@
   <p:clrMapOvr>
     <a:masterClrMapping/>
   </p:clrMapOvr>
-  <p:timing>
-    <p:tnLst>
-      <p:par>
-        <p:cTn id="1" dur="indefinite" restart="never" nodeType="tmRoot"/>
-      </p:par>
-    </p:tnLst>
-  </p:timing>
 </p:sld>
 </file>
 
@@ -6321,18 +6360,9 @@
           <a:lstStyle/>
           <a:p>
             <a:r>
-              <a:rPr lang="hu-HU" dirty="0" smtClean="0"/>
-              <a:t>„Mikro </a:t>
-            </a:r>
-            <a:r>
               <a:rPr lang="hu-HU" dirty="0"/>
-              <a:t>információs rendszer</a:t>
-            </a:r>
-            <a:r>
-              <a:rPr lang="hu-HU" dirty="0" smtClean="0"/>
-              <a:t>” szálláshelyek számára</a:t>
-            </a:r>
-            <a:endParaRPr lang="hu-HU" dirty="0"/>
+              <a:t>„Mikro információs rendszer” szálláshelyek számára</a:t>
+            </a:r>
           </a:p>
           <a:p>
             <a:endParaRPr lang="hu-HU" dirty="0"/>
@@ -6343,10 +6373,9 @@
               <a:buAutoNum type="arabicPeriod"/>
             </a:pPr>
             <a:r>
-              <a:rPr lang="hu-HU" sz="2000" dirty="0" smtClean="0"/>
+              <a:rPr lang="hu-HU" sz="2000" dirty="0"/>
               <a:t>Vendég adat kezelés</a:t>
             </a:r>
-            <a:endParaRPr lang="hu-HU" sz="2000" dirty="0"/>
           </a:p>
           <a:p>
             <a:pPr marL="514350" indent="-514350">
@@ -6400,13 +6429,6 @@
   <p:clrMapOvr>
     <a:masterClrMapping/>
   </p:clrMapOvr>
-  <p:timing>
-    <p:tnLst>
-      <p:par>
-        <p:cTn id="1" dur="indefinite" restart="never" nodeType="tmRoot"/>
-      </p:par>
-    </p:tnLst>
-  </p:timing>
 </p:sld>
 </file>
 
@@ -6478,15 +6500,11 @@
           <a:p>
             <a:r>
               <a:rPr lang="hu-HU" dirty="0"/>
-              <a:t>Végtelenül egyszerűen kezelhető információs rendszer </a:t>
-            </a:r>
-            <a:r>
-              <a:rPr lang="hu-HU" dirty="0" smtClean="0"/>
-              <a:t>megteremtése</a:t>
-            </a:r>
-          </a:p>
-          <a:p>
-            <a:endParaRPr lang="hu-HU" dirty="0" smtClean="0"/>
+              <a:t>Végtelenül egyszerűen kezelhető információs rendszer megteremtése</a:t>
+            </a:r>
+          </a:p>
+          <a:p>
+            <a:endParaRPr lang="hu-HU" dirty="0"/>
           </a:p>
           <a:p>
             <a:pPr>
@@ -6494,16 +6512,8 @@
               <a:buAutoNum type="arabicPeriod"/>
             </a:pPr>
             <a:r>
-              <a:rPr lang="hu-HU" dirty="0" smtClean="0"/>
-              <a:t>Általánosan </a:t>
-            </a:r>
-            <a:r>
               <a:rPr lang="hu-HU" dirty="0"/>
-              <a:t>szükséges szolgáltatások egy rendszerbe való </a:t>
-            </a:r>
-            <a:r>
-              <a:rPr lang="hu-HU" dirty="0" smtClean="0"/>
-              <a:t>integrálása</a:t>
+              <a:t>Általánosan szükséges szolgáltatások egy rendszerbe való integrálása</a:t>
             </a:r>
           </a:p>
           <a:p>
@@ -6512,10 +6522,9 @@
               <a:buAutoNum type="arabicPeriod"/>
             </a:pPr>
             <a:r>
-              <a:rPr lang="hu-HU" dirty="0" smtClean="0"/>
+              <a:rPr lang="hu-HU" dirty="0"/>
               <a:t>Vendéglátásban dolgozók munkájának megkönnyítése</a:t>
             </a:r>
-            <a:endParaRPr lang="hu-HU" dirty="0"/>
           </a:p>
           <a:p>
             <a:pPr>
@@ -6523,7 +6532,7 @@
               <a:buAutoNum type="arabicPeriod"/>
             </a:pPr>
             <a:r>
-              <a:rPr lang="hu-HU" dirty="0" smtClean="0"/>
+              <a:rPr lang="hu-HU" dirty="0"/>
               <a:t>Személyes szálláshelyi tapasztalatok alapján felépített komplex alkalmazás elkészítése</a:t>
             </a:r>
           </a:p>
@@ -6539,13 +6548,6 @@
   <p:clrMapOvr>
     <a:masterClrMapping/>
   </p:clrMapOvr>
-  <p:timing>
-    <p:tnLst>
-      <p:par>
-        <p:cTn id="1" dur="indefinite" restart="never" nodeType="tmRoot"/>
-      </p:par>
-    </p:tnLst>
-  </p:timing>
 </p:sld>
 </file>
 
@@ -6706,13 +6708,6 @@
   <p:clrMapOvr>
     <a:masterClrMapping/>
   </p:clrMapOvr>
-  <p:timing>
-    <p:tnLst>
-      <p:par>
-        <p:cTn id="1" dur="indefinite" restart="never" nodeType="tmRoot"/>
-      </p:par>
-    </p:tnLst>
-  </p:timing>
 </p:sld>
 </file>
 
@@ -6755,10 +6750,9 @@
           <a:lstStyle/>
           <a:p>
             <a:r>
-              <a:rPr lang="hu-HU" dirty="0" smtClean="0"/>
+              <a:rPr lang="hu-HU" dirty="0"/>
               <a:t>Alkalmazott technológiák</a:t>
             </a:r>
-            <a:endParaRPr lang="hu-HU" dirty="0"/>
           </a:p>
         </p:txBody>
       </p:sp>
@@ -6784,28 +6778,27 @@
           <a:lstStyle/>
           <a:p>
             <a:r>
-              <a:rPr lang="hu-HU" dirty="0" smtClean="0"/>
+              <a:rPr lang="hu-HU" dirty="0"/>
               <a:t>Adatbázis: Oracle MySQL</a:t>
             </a:r>
           </a:p>
           <a:p>
-            <a:endParaRPr lang="hu-HU" dirty="0" smtClean="0"/>
-          </a:p>
-          <a:p>
-            <a:r>
-              <a:rPr lang="hu-HU" dirty="0" smtClean="0"/>
+            <a:endParaRPr lang="hu-HU" dirty="0"/>
+          </a:p>
+          <a:p>
+            <a:r>
+              <a:rPr lang="hu-HU" dirty="0"/>
               <a:t>Webalkalmazás: HTML, CSS (Bootstrap 4), Javascript (Bootstrap 4, PopperJS és jQuery library-k, valamint AJAX technológia), PHP</a:t>
             </a:r>
           </a:p>
           <a:p>
-            <a:endParaRPr lang="hu-HU" dirty="0" smtClean="0"/>
-          </a:p>
-          <a:p>
-            <a:r>
-              <a:rPr lang="hu-HU" dirty="0" smtClean="0"/>
+            <a:endParaRPr lang="hu-HU" dirty="0"/>
+          </a:p>
+          <a:p>
+            <a:r>
+              <a:rPr lang="hu-HU" dirty="0"/>
               <a:t>Asztali alkalmazás: C# programozási nyelv (.NET Framework 4.6.1)</a:t>
             </a:r>
-            <a:endParaRPr lang="hu-HU" dirty="0"/>
           </a:p>
         </p:txBody>
       </p:sp>
@@ -6819,13 +6812,6 @@
   <p:clrMapOvr>
     <a:masterClrMapping/>
   </p:clrMapOvr>
-  <p:timing>
-    <p:tnLst>
-      <p:par>
-        <p:cTn id="1" dur="indefinite" restart="never" nodeType="tmRoot"/>
-      </p:par>
-    </p:tnLst>
-  </p:timing>
 </p:sld>
 </file>
 
@@ -6868,14 +6854,9 @@
           <a:lstStyle/>
           <a:p>
             <a:r>
-              <a:rPr lang="hu-HU" dirty="0" smtClean="0"/>
-              <a:t>A rendszer</a:t>
-            </a:r>
-            <a:r>
-              <a:rPr lang="hu-HU" dirty="0" smtClean="0"/>
-              <a:t> jelenleg…</a:t>
-            </a:r>
-            <a:endParaRPr lang="hu-HU" dirty="0"/>
+              <a:rPr lang="hu-HU" dirty="0"/>
+              <a:t>A rendszer jelenleg…</a:t>
+            </a:r>
           </a:p>
         </p:txBody>
       </p:sp>
@@ -6901,7 +6882,7 @@
           <a:lstStyle/>
           <a:p>
             <a:r>
-              <a:rPr lang="hu-HU" dirty="0" smtClean="0"/>
+              <a:rPr lang="hu-HU" dirty="0"/>
               <a:t>Előre regisztrált felhasználói fiókokkal működik, jelenleg regisztráció nem lehetséges…</a:t>
             </a:r>
           </a:p>
@@ -6910,7 +6891,7 @@
           </a:p>
           <a:p>
             <a:r>
-              <a:rPr lang="hu-HU" dirty="0" smtClean="0"/>
+              <a:rPr lang="hu-HU" dirty="0"/>
               <a:t>Webalkalmazásban konfigurálható minden működéshez szükséges adat (számlázási tételek, szobák, kategorizálásuk)</a:t>
             </a:r>
           </a:p>
@@ -6919,7 +6900,7 @@
           </a:p>
           <a:p>
             <a:r>
-              <a:rPr lang="hu-HU" dirty="0" smtClean="0"/>
+              <a:rPr lang="hu-HU" dirty="0"/>
               <a:t>Asztali alkalmazásban felhasználhatók a konfigurált adatok számlázásnál illetve foglalás kezelésnél, illetve ezen a felületen történik a vendégadatok kezelése</a:t>
             </a:r>
           </a:p>
@@ -6928,14 +6909,9 @@
           </a:p>
           <a:p>
             <a:r>
-              <a:rPr lang="hu-HU" dirty="0" smtClean="0"/>
-              <a:t>Minden bevitt, módosított adat egy adatbázisban </a:t>
-            </a:r>
-            <a:r>
-              <a:rPr lang="hu-HU" dirty="0" err="1" smtClean="0"/>
-              <a:t>tárolódik</a:t>
-            </a:r>
-            <a:endParaRPr lang="hu-HU" dirty="0" smtClean="0"/>
+              <a:rPr lang="hu-HU" dirty="0"/>
+              <a:t>Minden bevitt, módosított adat egy adatbázisban tárolódik</a:t>
+            </a:r>
           </a:p>
         </p:txBody>
       </p:sp>
@@ -6949,13 +6925,6 @@
   <p:clrMapOvr>
     <a:masterClrMapping/>
   </p:clrMapOvr>
-  <p:timing>
-    <p:tnLst>
-      <p:par>
-        <p:cTn id="1" dur="indefinite" restart="never" nodeType="tmRoot"/>
-      </p:par>
-    </p:tnLst>
-  </p:timing>
 </p:sld>
 </file>
 
@@ -6998,10 +6967,9 @@
           <a:lstStyle/>
           <a:p>
             <a:r>
-              <a:rPr lang="hu-HU" dirty="0" smtClean="0"/>
+              <a:rPr lang="hu-HU" dirty="0"/>
               <a:t>A rendszer később…</a:t>
             </a:r>
-            <a:endParaRPr lang="hu-HU" dirty="0"/>
           </a:p>
         </p:txBody>
       </p:sp>
@@ -7024,23 +6992,14 @@
         <p:spPr/>
         <p:txBody>
           <a:bodyPr>
-            <a:normAutofit lnSpcReduction="10000"/>
+            <a:normAutofit/>
           </a:bodyPr>
           <a:lstStyle/>
           <a:p>
             <a:r>
-              <a:rPr lang="hu-HU" dirty="0" smtClean="0"/>
-              <a:t>Elmaradt </a:t>
-            </a:r>
-            <a:r>
               <a:rPr lang="hu-HU" dirty="0"/>
-              <a:t>funkciók </a:t>
-            </a:r>
-            <a:r>
-              <a:rPr lang="hu-HU" dirty="0" smtClean="0"/>
-              <a:t>kifejlesztése (pl. számlanyomtatás)</a:t>
-            </a:r>
-            <a:endParaRPr lang="hu-HU" dirty="0"/>
+              <a:t>Elmaradt funkciók kifejlesztése (pl. számlanyomtatásnál PDF számla generálás)</a:t>
+            </a:r>
           </a:p>
           <a:p>
             <a:endParaRPr lang="hu-HU" dirty="0"/>
@@ -7056,33 +7015,18 @@
           </a:p>
           <a:p>
             <a:r>
-              <a:rPr lang="hu-HU" dirty="0" smtClean="0"/>
+              <a:rPr lang="hu-HU" dirty="0"/>
               <a:t>Egyes modulok (pl. számlázó) továbbfejlesztése</a:t>
             </a:r>
+          </a:p>
+          <a:p>
             <a:endParaRPr lang="hu-HU" dirty="0"/>
           </a:p>
           <a:p>
-            <a:endParaRPr lang="hu-HU" dirty="0"/>
-          </a:p>
-          <a:p>
             <a:r>
               <a:rPr lang="hu-HU" dirty="0"/>
-              <a:t>Jobb adatintegritás elérése egyes funkciók áttervezésével (pl. vendégtörlés</a:t>
-            </a:r>
-            <a:r>
-              <a:rPr lang="hu-HU" dirty="0" smtClean="0"/>
-              <a:t>) és biztonság továbbfejlesztése</a:t>
-            </a:r>
-          </a:p>
-          <a:p>
-            <a:endParaRPr lang="hu-HU" dirty="0"/>
-          </a:p>
-          <a:p>
-            <a:r>
-              <a:rPr lang="hu-HU" dirty="0" smtClean="0"/>
               <a:t>Webalkalmazás esetén mindenképpen MVC architektúra, valamely PHP framework és OOP alapelvek alkalmazása</a:t>
             </a:r>
-            <a:endParaRPr lang="hu-HU" dirty="0"/>
           </a:p>
         </p:txBody>
       </p:sp>
@@ -7096,84 +7040,6 @@
   <p:clrMapOvr>
     <a:masterClrMapping/>
   </p:clrMapOvr>
-  <p:timing>
-    <p:tnLst>
-      <p:par>
-        <p:cTn id="1" dur="indefinite" restart="never" nodeType="tmRoot"/>
-      </p:par>
-    </p:tnLst>
-  </p:timing>
-</p:sld>
-</file>
-
-<file path=ppt/slides/slide8.xml><?xml version="1.0" encoding="utf-8"?>
-<p:sld xmlns:a="http://schemas.openxmlformats.org/drawingml/2006/main" xmlns:r="http://schemas.openxmlformats.org/officeDocument/2006/relationships" xmlns:p="http://schemas.openxmlformats.org/presentationml/2006/main">
-  <p:cSld>
-    <p:spTree>
-      <p:nvGrpSpPr>
-        <p:cNvPr id="1" name=""/>
-        <p:cNvGrpSpPr/>
-        <p:nvPr/>
-      </p:nvGrpSpPr>
-      <p:grpSpPr>
-        <a:xfrm>
-          <a:off x="0" y="0"/>
-          <a:ext cx="0" cy="0"/>
-          <a:chOff x="0" y="0"/>
-          <a:chExt cx="0" cy="0"/>
-        </a:xfrm>
-      </p:grpSpPr>
-      <p:sp>
-        <p:nvSpPr>
-          <p:cNvPr id="2" name="Cím 1">
-            <a:extLst>
-              <a:ext uri="{FF2B5EF4-FFF2-40B4-BE49-F238E27FC236}">
-                <a16:creationId xmlns:a16="http://schemas.microsoft.com/office/drawing/2014/main" id="{CA1B9546-2A7D-4414-B65A-4F892BEFC275}"/>
-              </a:ext>
-            </a:extLst>
-          </p:cNvPr>
-          <p:cNvSpPr>
-            <a:spLocks noGrp="1"/>
-          </p:cNvSpPr>
-          <p:nvPr>
-            <p:ph type="title"/>
-          </p:nvPr>
-        </p:nvSpPr>
-        <p:spPr>
-          <a:xfrm>
-            <a:off x="870566" y="2768600"/>
-            <a:ext cx="8596668" cy="1320800"/>
-          </a:xfrm>
-        </p:spPr>
-        <p:txBody>
-          <a:bodyPr/>
-          <a:lstStyle/>
-          <a:p>
-            <a:pPr algn="ctr"/>
-            <a:r>
-              <a:rPr lang="hu-HU" dirty="0"/>
-              <a:t>Köszönöm a figyelmet!</a:t>
-            </a:r>
-          </a:p>
-        </p:txBody>
-      </p:sp>
-    </p:spTree>
-    <p:extLst>
-      <p:ext uri="{BB962C8B-B14F-4D97-AF65-F5344CB8AC3E}">
-        <p14:creationId xmlns:p14="http://schemas.microsoft.com/office/powerpoint/2010/main" val="1019165441"/>
-      </p:ext>
-    </p:extLst>
-  </p:cSld>
-  <p:clrMapOvr>
-    <a:masterClrMapping/>
-  </p:clrMapOvr>
-  <p:timing>
-    <p:tnLst>
-      <p:par>
-        <p:cTn id="1" dur="indefinite" restart="never" nodeType="tmRoot"/>
-      </p:par>
-    </p:tnLst>
-  </p:timing>
 </p:sld>
 </file>
 

--- a/documentation/VR.pptx
+++ b/documentation/VR.pptx
@@ -7007,6 +7007,15 @@
           <a:p>
             <a:r>
               <a:rPr lang="hu-HU" dirty="0"/>
+              <a:t>Egyes modulok (pl. számlázó) továbbfejlesztése</a:t>
+            </a:r>
+          </a:p>
+          <a:p>
+            <a:endParaRPr lang="hu-HU" dirty="0"/>
+          </a:p>
+          <a:p>
+            <a:r>
+              <a:rPr lang="hu-HU" dirty="0"/>
               <a:t>Adminisztrációs és konfigurációs szerepek egy felületre olvasztása</a:t>
             </a:r>
           </a:p>
@@ -7016,16 +7025,7 @@
           <a:p>
             <a:r>
               <a:rPr lang="hu-HU" dirty="0"/>
-              <a:t>Egyes modulok (pl. számlázó) továbbfejlesztése</a:t>
-            </a:r>
-          </a:p>
-          <a:p>
-            <a:endParaRPr lang="hu-HU" dirty="0"/>
-          </a:p>
-          <a:p>
-            <a:r>
-              <a:rPr lang="hu-HU" dirty="0"/>
-              <a:t>Webalkalmazás esetén mindenképpen MVC architektúra, valamely PHP framework és OOP alapelvek alkalmazása</a:t>
+              <a:t>Webalkalmazás esetén mindenképpen MVC architektúra felépítése, valamely PHP framework és OOP alapelvek alkalmazása; asztali alkalmazásban tárolt helyi adatok eltárolása valamely lokális adatbázisba (pl. SQLite)</a:t>
             </a:r>
           </a:p>
         </p:txBody>

--- a/documentation/VR.pptx
+++ b/documentation/VR.pptx
@@ -5,16 +5,14 @@
     <p:sldMasterId id="2147483804" r:id="rId1"/>
   </p:sldMasterIdLst>
   <p:notesMasterIdLst>
-    <p:notesMasterId r:id="rId9"/>
+    <p:notesMasterId r:id="rId7"/>
   </p:notesMasterIdLst>
   <p:sldIdLst>
     <p:sldId id="256" r:id="rId2"/>
     <p:sldId id="259" r:id="rId3"/>
     <p:sldId id="257" r:id="rId4"/>
     <p:sldId id="258" r:id="rId5"/>
-    <p:sldId id="262" r:id="rId6"/>
-    <p:sldId id="264" r:id="rId7"/>
-    <p:sldId id="261" r:id="rId8"/>
+    <p:sldId id="264" r:id="rId6"/>
   </p:sldIdLst>
   <p:sldSz cx="12192000" cy="6858000"/>
   <p:notesSz cx="6858000" cy="9144000"/>
@@ -215,7 +213,7 @@
           <a:p>
             <a:fld id="{5815E827-18C6-4DEA-9C91-07F2AB12A103}" type="datetimeFigureOut">
               <a:rPr lang="hu-HU" smtClean="0"/>
-              <a:t>2019.04.11.</a:t>
+              <a:t>2019.06.05.</a:t>
             </a:fld>
             <a:endParaRPr lang="hu-HU"/>
           </a:p>
@@ -1227,7 +1225,7 @@
           <a:p>
             <a:fld id="{D52D1170-0E3C-461E-885D-F828D29A0FF0}" type="datetimeFigureOut">
               <a:rPr lang="hu-HU" smtClean="0"/>
-              <a:t>2019.04.11.</a:t>
+              <a:t>2019.06.05.</a:t>
             </a:fld>
             <a:endParaRPr lang="hu-HU"/>
           </a:p>
@@ -1478,7 +1476,7 @@
           <a:p>
             <a:fld id="{D52D1170-0E3C-461E-885D-F828D29A0FF0}" type="datetimeFigureOut">
               <a:rPr lang="hu-HU" smtClean="0"/>
-              <a:t>2019.04.11.</a:t>
+              <a:t>2019.06.05.</a:t>
             </a:fld>
             <a:endParaRPr lang="hu-HU"/>
           </a:p>
@@ -1792,7 +1790,7 @@
           <a:p>
             <a:fld id="{D52D1170-0E3C-461E-885D-F828D29A0FF0}" type="datetimeFigureOut">
               <a:rPr lang="hu-HU" smtClean="0"/>
-              <a:t>2019.04.11.</a:t>
+              <a:t>2019.06.05.</a:t>
             </a:fld>
             <a:endParaRPr lang="hu-HU"/>
           </a:p>
@@ -2125,7 +2123,7 @@
           <a:p>
             <a:fld id="{D52D1170-0E3C-461E-885D-F828D29A0FF0}" type="datetimeFigureOut">
               <a:rPr lang="hu-HU" smtClean="0"/>
-              <a:t>2019.04.11.</a:t>
+              <a:t>2019.06.05.</a:t>
             </a:fld>
             <a:endParaRPr lang="hu-HU"/>
           </a:p>
@@ -2439,7 +2437,7 @@
           <a:p>
             <a:fld id="{D52D1170-0E3C-461E-885D-F828D29A0FF0}" type="datetimeFigureOut">
               <a:rPr lang="hu-HU" smtClean="0"/>
-              <a:t>2019.04.11.</a:t>
+              <a:t>2019.06.05.</a:t>
             </a:fld>
             <a:endParaRPr lang="hu-HU"/>
           </a:p>
@@ -2832,7 +2830,7 @@
           <a:p>
             <a:fld id="{D52D1170-0E3C-461E-885D-F828D29A0FF0}" type="datetimeFigureOut">
               <a:rPr lang="hu-HU" smtClean="0"/>
-              <a:t>2019.04.11.</a:t>
+              <a:t>2019.06.05.</a:t>
             </a:fld>
             <a:endParaRPr lang="hu-HU"/>
           </a:p>
@@ -3002,7 +3000,7 @@
           <a:p>
             <a:fld id="{D52D1170-0E3C-461E-885D-F828D29A0FF0}" type="datetimeFigureOut">
               <a:rPr lang="hu-HU" smtClean="0"/>
-              <a:t>2019.04.11.</a:t>
+              <a:t>2019.06.05.</a:t>
             </a:fld>
             <a:endParaRPr lang="hu-HU"/>
           </a:p>
@@ -3182,7 +3180,7 @@
           <a:p>
             <a:fld id="{D52D1170-0E3C-461E-885D-F828D29A0FF0}" type="datetimeFigureOut">
               <a:rPr lang="hu-HU" smtClean="0"/>
-              <a:t>2019.04.11.</a:t>
+              <a:t>2019.06.05.</a:t>
             </a:fld>
             <a:endParaRPr lang="hu-HU"/>
           </a:p>
@@ -3352,7 +3350,7 @@
           <a:p>
             <a:fld id="{D52D1170-0E3C-461E-885D-F828D29A0FF0}" type="datetimeFigureOut">
               <a:rPr lang="hu-HU" smtClean="0"/>
-              <a:t>2019.04.11.</a:t>
+              <a:t>2019.06.05.</a:t>
             </a:fld>
             <a:endParaRPr lang="hu-HU"/>
           </a:p>
@@ -3599,7 +3597,7 @@
           <a:p>
             <a:fld id="{D52D1170-0E3C-461E-885D-F828D29A0FF0}" type="datetimeFigureOut">
               <a:rPr lang="hu-HU" smtClean="0"/>
-              <a:t>2019.04.11.</a:t>
+              <a:t>2019.06.05.</a:t>
             </a:fld>
             <a:endParaRPr lang="hu-HU"/>
           </a:p>
@@ -3831,7 +3829,7 @@
           <a:p>
             <a:fld id="{D52D1170-0E3C-461E-885D-F828D29A0FF0}" type="datetimeFigureOut">
               <a:rPr lang="hu-HU" smtClean="0"/>
-              <a:t>2019.04.11.</a:t>
+              <a:t>2019.06.05.</a:t>
             </a:fld>
             <a:endParaRPr lang="hu-HU"/>
           </a:p>
@@ -4205,7 +4203,7 @@
           <a:p>
             <a:fld id="{D52D1170-0E3C-461E-885D-F828D29A0FF0}" type="datetimeFigureOut">
               <a:rPr lang="hu-HU" smtClean="0"/>
-              <a:t>2019.04.11.</a:t>
+              <a:t>2019.06.05.</a:t>
             </a:fld>
             <a:endParaRPr lang="hu-HU"/>
           </a:p>
@@ -4328,7 +4326,7 @@
           <a:p>
             <a:fld id="{D52D1170-0E3C-461E-885D-F828D29A0FF0}" type="datetimeFigureOut">
               <a:rPr lang="hu-HU" smtClean="0"/>
-              <a:t>2019.04.11.</a:t>
+              <a:t>2019.06.05.</a:t>
             </a:fld>
             <a:endParaRPr lang="hu-HU"/>
           </a:p>
@@ -4423,7 +4421,7 @@
           <a:p>
             <a:fld id="{D52D1170-0E3C-461E-885D-F828D29A0FF0}" type="datetimeFigureOut">
               <a:rPr lang="hu-HU" smtClean="0"/>
-              <a:t>2019.04.11.</a:t>
+              <a:t>2019.06.05.</a:t>
             </a:fld>
             <a:endParaRPr lang="hu-HU"/>
           </a:p>
@@ -4678,7 +4676,7 @@
           <a:p>
             <a:fld id="{D52D1170-0E3C-461E-885D-F828D29A0FF0}" type="datetimeFigureOut">
               <a:rPr lang="hu-HU" smtClean="0"/>
-              <a:t>2019.04.11.</a:t>
+              <a:t>2019.06.05.</a:t>
             </a:fld>
             <a:endParaRPr lang="hu-HU"/>
           </a:p>
@@ -4983,7 +4981,7 @@
           <a:p>
             <a:fld id="{D52D1170-0E3C-461E-885D-F828D29A0FF0}" type="datetimeFigureOut">
               <a:rPr lang="hu-HU" smtClean="0"/>
-              <a:t>2019.04.11.</a:t>
+              <a:t>2019.06.05.</a:t>
             </a:fld>
             <a:endParaRPr lang="hu-HU"/>
           </a:p>
@@ -5685,7 +5683,7 @@
           <a:p>
             <a:fld id="{D52D1170-0E3C-461E-885D-F828D29A0FF0}" type="datetimeFigureOut">
               <a:rPr lang="hu-HU" smtClean="0"/>
-              <a:t>2019.04.11.</a:t>
+              <a:t>2019.06.05.</a:t>
             </a:fld>
             <a:endParaRPr lang="hu-HU"/>
           </a:p>
@@ -6260,7 +6258,7 @@
         <p:spPr>
           <a:xfrm>
             <a:off x="3406098" y="5219700"/>
-            <a:ext cx="2773516" cy="369332"/>
+            <a:ext cx="1564852" cy="369332"/>
           </a:xfrm>
           <a:prstGeom prst="rect">
             <a:avLst/>
@@ -6275,7 +6273,7 @@
           <a:p>
             <a:r>
               <a:rPr lang="hu-HU" dirty="0"/>
-              <a:t>Készítette: Juhász Bence</a:t>
+              <a:t>Juhász Bence</a:t>
             </a:r>
           </a:p>
         </p:txBody>
@@ -6733,110 +6731,6 @@
           <p:cNvPr id="2" name="Cím 1">
             <a:extLst>
               <a:ext uri="{FF2B5EF4-FFF2-40B4-BE49-F238E27FC236}">
-                <a16:creationId xmlns:a16="http://schemas.microsoft.com/office/drawing/2014/main" id="{BDA70FA0-BC67-46D9-827C-2D6FBB27F370}"/>
-              </a:ext>
-            </a:extLst>
-          </p:cNvPr>
-          <p:cNvSpPr>
-            <a:spLocks noGrp="1"/>
-          </p:cNvSpPr>
-          <p:nvPr>
-            <p:ph type="title"/>
-          </p:nvPr>
-        </p:nvSpPr>
-        <p:spPr/>
-        <p:txBody>
-          <a:bodyPr/>
-          <a:lstStyle/>
-          <a:p>
-            <a:r>
-              <a:rPr lang="hu-HU" dirty="0"/>
-              <a:t>Alkalmazott technológiák</a:t>
-            </a:r>
-          </a:p>
-        </p:txBody>
-      </p:sp>
-      <p:sp>
-        <p:nvSpPr>
-          <p:cNvPr id="3" name="Tartalom helye 2">
-            <a:extLst>
-              <a:ext uri="{FF2B5EF4-FFF2-40B4-BE49-F238E27FC236}">
-                <a16:creationId xmlns:a16="http://schemas.microsoft.com/office/drawing/2014/main" id="{DC200403-A183-45F4-BF64-1627FF38C52F}"/>
-              </a:ext>
-            </a:extLst>
-          </p:cNvPr>
-          <p:cNvSpPr>
-            <a:spLocks noGrp="1"/>
-          </p:cNvSpPr>
-          <p:nvPr>
-            <p:ph idx="1"/>
-          </p:nvPr>
-        </p:nvSpPr>
-        <p:spPr/>
-        <p:txBody>
-          <a:bodyPr/>
-          <a:lstStyle/>
-          <a:p>
-            <a:r>
-              <a:rPr lang="hu-HU" dirty="0"/>
-              <a:t>Adatbázis: Oracle MySQL</a:t>
-            </a:r>
-          </a:p>
-          <a:p>
-            <a:endParaRPr lang="hu-HU" dirty="0"/>
-          </a:p>
-          <a:p>
-            <a:r>
-              <a:rPr lang="hu-HU" dirty="0"/>
-              <a:t>Webalkalmazás: HTML, CSS (Bootstrap 4), Javascript (Bootstrap 4, PopperJS és jQuery library-k, valamint AJAX technológia), PHP</a:t>
-            </a:r>
-          </a:p>
-          <a:p>
-            <a:endParaRPr lang="hu-HU" dirty="0"/>
-          </a:p>
-          <a:p>
-            <a:r>
-              <a:rPr lang="hu-HU" dirty="0"/>
-              <a:t>Asztali alkalmazás: C# programozási nyelv (.NET Framework 4.6.1)</a:t>
-            </a:r>
-          </a:p>
-        </p:txBody>
-      </p:sp>
-    </p:spTree>
-    <p:extLst>
-      <p:ext uri="{BB962C8B-B14F-4D97-AF65-F5344CB8AC3E}">
-        <p14:creationId xmlns:p14="http://schemas.microsoft.com/office/powerpoint/2010/main" val="2982546886"/>
-      </p:ext>
-    </p:extLst>
-  </p:cSld>
-  <p:clrMapOvr>
-    <a:masterClrMapping/>
-  </p:clrMapOvr>
-</p:sld>
-</file>
-
-<file path=ppt/slides/slide6.xml><?xml version="1.0" encoding="utf-8"?>
-<p:sld xmlns:a="http://schemas.openxmlformats.org/drawingml/2006/main" xmlns:r="http://schemas.openxmlformats.org/officeDocument/2006/relationships" xmlns:p="http://schemas.openxmlformats.org/presentationml/2006/main">
-  <p:cSld>
-    <p:spTree>
-      <p:nvGrpSpPr>
-        <p:cNvPr id="1" name=""/>
-        <p:cNvGrpSpPr/>
-        <p:nvPr/>
-      </p:nvGrpSpPr>
-      <p:grpSpPr>
-        <a:xfrm>
-          <a:off x="0" y="0"/>
-          <a:ext cx="0" cy="0"/>
-          <a:chOff x="0" y="0"/>
-          <a:chExt cx="0" cy="0"/>
-        </a:xfrm>
-      </p:grpSpPr>
-      <p:sp>
-        <p:nvSpPr>
-          <p:cNvPr id="2" name="Cím 1">
-            <a:extLst>
-              <a:ext uri="{FF2B5EF4-FFF2-40B4-BE49-F238E27FC236}">
                 <a16:creationId xmlns:a16="http://schemas.microsoft.com/office/drawing/2014/main" id="{914F64A7-6563-4AB6-8689-16A2544DCB10}"/>
               </a:ext>
             </a:extLst>
@@ -6919,121 +6813,6 @@
     <p:extLst>
       <p:ext uri="{BB962C8B-B14F-4D97-AF65-F5344CB8AC3E}">
         <p14:creationId xmlns:p14="http://schemas.microsoft.com/office/powerpoint/2010/main" val="1213303619"/>
-      </p:ext>
-    </p:extLst>
-  </p:cSld>
-  <p:clrMapOvr>
-    <a:masterClrMapping/>
-  </p:clrMapOvr>
-</p:sld>
-</file>
-
-<file path=ppt/slides/slide7.xml><?xml version="1.0" encoding="utf-8"?>
-<p:sld xmlns:a="http://schemas.openxmlformats.org/drawingml/2006/main" xmlns:r="http://schemas.openxmlformats.org/officeDocument/2006/relationships" xmlns:p="http://schemas.openxmlformats.org/presentationml/2006/main">
-  <p:cSld>
-    <p:spTree>
-      <p:nvGrpSpPr>
-        <p:cNvPr id="1" name=""/>
-        <p:cNvGrpSpPr/>
-        <p:nvPr/>
-      </p:nvGrpSpPr>
-      <p:grpSpPr>
-        <a:xfrm>
-          <a:off x="0" y="0"/>
-          <a:ext cx="0" cy="0"/>
-          <a:chOff x="0" y="0"/>
-          <a:chExt cx="0" cy="0"/>
-        </a:xfrm>
-      </p:grpSpPr>
-      <p:sp>
-        <p:nvSpPr>
-          <p:cNvPr id="2" name="Cím 1">
-            <a:extLst>
-              <a:ext uri="{FF2B5EF4-FFF2-40B4-BE49-F238E27FC236}">
-                <a16:creationId xmlns:a16="http://schemas.microsoft.com/office/drawing/2014/main" id="{E186FF4E-9248-460F-85CD-6883A727ABE6}"/>
-              </a:ext>
-            </a:extLst>
-          </p:cNvPr>
-          <p:cNvSpPr>
-            <a:spLocks noGrp="1"/>
-          </p:cNvSpPr>
-          <p:nvPr>
-            <p:ph type="title"/>
-          </p:nvPr>
-        </p:nvSpPr>
-        <p:spPr/>
-        <p:txBody>
-          <a:bodyPr/>
-          <a:lstStyle/>
-          <a:p>
-            <a:r>
-              <a:rPr lang="hu-HU" dirty="0"/>
-              <a:t>A rendszer később…</a:t>
-            </a:r>
-          </a:p>
-        </p:txBody>
-      </p:sp>
-      <p:sp>
-        <p:nvSpPr>
-          <p:cNvPr id="3" name="Tartalom helye 2">
-            <a:extLst>
-              <a:ext uri="{FF2B5EF4-FFF2-40B4-BE49-F238E27FC236}">
-                <a16:creationId xmlns:a16="http://schemas.microsoft.com/office/drawing/2014/main" id="{6A19F454-552C-4FDB-ABD5-811D45CC06F3}"/>
-              </a:ext>
-            </a:extLst>
-          </p:cNvPr>
-          <p:cNvSpPr>
-            <a:spLocks noGrp="1"/>
-          </p:cNvSpPr>
-          <p:nvPr>
-            <p:ph idx="1"/>
-          </p:nvPr>
-        </p:nvSpPr>
-        <p:spPr/>
-        <p:txBody>
-          <a:bodyPr>
-            <a:normAutofit/>
-          </a:bodyPr>
-          <a:lstStyle/>
-          <a:p>
-            <a:r>
-              <a:rPr lang="hu-HU" dirty="0"/>
-              <a:t>Elmaradt funkciók kifejlesztése (pl. számlanyomtatásnál PDF számla generálás)</a:t>
-            </a:r>
-          </a:p>
-          <a:p>
-            <a:endParaRPr lang="hu-HU" dirty="0"/>
-          </a:p>
-          <a:p>
-            <a:r>
-              <a:rPr lang="hu-HU" dirty="0"/>
-              <a:t>Egyes modulok (pl. számlázó) továbbfejlesztése</a:t>
-            </a:r>
-          </a:p>
-          <a:p>
-            <a:endParaRPr lang="hu-HU" dirty="0"/>
-          </a:p>
-          <a:p>
-            <a:r>
-              <a:rPr lang="hu-HU" dirty="0"/>
-              <a:t>Adminisztrációs és konfigurációs szerepek egy felületre olvasztása</a:t>
-            </a:r>
-          </a:p>
-          <a:p>
-            <a:endParaRPr lang="hu-HU" dirty="0"/>
-          </a:p>
-          <a:p>
-            <a:r>
-              <a:rPr lang="hu-HU" dirty="0"/>
-              <a:t>Webalkalmazás esetén mindenképpen MVC architektúra felépítése, valamely PHP framework és OOP alapelvek alkalmazása; asztali alkalmazásban tárolt helyi adatok eltárolása valamely lokális adatbázisba (pl. SQLite)</a:t>
-            </a:r>
-          </a:p>
-        </p:txBody>
-      </p:sp>
-    </p:spTree>
-    <p:extLst>
-      <p:ext uri="{BB962C8B-B14F-4D97-AF65-F5344CB8AC3E}">
-        <p14:creationId xmlns:p14="http://schemas.microsoft.com/office/powerpoint/2010/main" val="2138205064"/>
       </p:ext>
     </p:extLst>
   </p:cSld>

--- a/documentation/VR.pptx
+++ b/documentation/VR.pptx
@@ -6402,7 +6402,7 @@
             </a:pPr>
             <a:r>
               <a:rPr lang="hu-HU" sz="2000" dirty="0"/>
-              <a:t>Teljeskörű testreszabhatóság számlázási tételek, vendégadatok, kiadható szobakapacitások és szálláshelyi adatok tekintetében</a:t>
+              <a:t>Teljeskörű testreszabhatóság számlázási tételek és vendégadatok tekintetében</a:t>
             </a:r>
           </a:p>
           <a:p>

--- a/documentation/VR.pptx
+++ b/documentation/VR.pptx
@@ -5,7 +5,7 @@
     <p:sldMasterId id="2147483804" r:id="rId1"/>
   </p:sldMasterIdLst>
   <p:notesMasterIdLst>
-    <p:notesMasterId r:id="rId7"/>
+    <p:notesMasterId r:id="rId11"/>
   </p:notesMasterIdLst>
   <p:sldIdLst>
     <p:sldId id="256" r:id="rId2"/>
@@ -13,6 +13,10 @@
     <p:sldId id="257" r:id="rId4"/>
     <p:sldId id="258" r:id="rId5"/>
     <p:sldId id="264" r:id="rId6"/>
+    <p:sldId id="265" r:id="rId7"/>
+    <p:sldId id="266" r:id="rId8"/>
+    <p:sldId id="267" r:id="rId9"/>
+    <p:sldId id="268" r:id="rId10"/>
   </p:sldIdLst>
   <p:sldSz cx="12192000" cy="6858000"/>
   <p:notesSz cx="6858000" cy="9144000"/>
@@ -6822,6 +6826,370 @@
 </p:sld>
 </file>
 
+<file path=ppt/slides/slide6.xml><?xml version="1.0" encoding="utf-8"?>
+<p:sld xmlns:a="http://schemas.openxmlformats.org/drawingml/2006/main" xmlns:r="http://schemas.openxmlformats.org/officeDocument/2006/relationships" xmlns:p="http://schemas.openxmlformats.org/presentationml/2006/main">
+  <p:cSld>
+    <p:spTree>
+      <p:nvGrpSpPr>
+        <p:cNvPr id="1" name=""/>
+        <p:cNvGrpSpPr/>
+        <p:nvPr/>
+      </p:nvGrpSpPr>
+      <p:grpSpPr>
+        <a:xfrm>
+          <a:off x="0" y="0"/>
+          <a:ext cx="0" cy="0"/>
+          <a:chOff x="0" y="0"/>
+          <a:chExt cx="0" cy="0"/>
+        </a:xfrm>
+      </p:grpSpPr>
+      <p:sp>
+        <p:nvSpPr>
+          <p:cNvPr id="2" name="Cím 1">
+            <a:extLst>
+              <a:ext uri="{FF2B5EF4-FFF2-40B4-BE49-F238E27FC236}">
+                <a16:creationId xmlns:a16="http://schemas.microsoft.com/office/drawing/2014/main" id="{655DEBD3-E558-4720-B950-57698467077D}"/>
+              </a:ext>
+            </a:extLst>
+          </p:cNvPr>
+          <p:cNvSpPr>
+            <a:spLocks noGrp="1"/>
+          </p:cNvSpPr>
+          <p:nvPr>
+            <p:ph type="title"/>
+          </p:nvPr>
+        </p:nvSpPr>
+        <p:spPr/>
+        <p:txBody>
+          <a:bodyPr/>
+          <a:lstStyle/>
+          <a:p>
+            <a:r>
+              <a:rPr lang="hu-HU" dirty="0"/>
+              <a:t>Adatok lekérdezését és adatok manipulációját segítő API</a:t>
+            </a:r>
+          </a:p>
+        </p:txBody>
+      </p:sp>
+      <p:sp>
+        <p:nvSpPr>
+          <p:cNvPr id="3" name="Tartalom helye 2">
+            <a:extLst>
+              <a:ext uri="{FF2B5EF4-FFF2-40B4-BE49-F238E27FC236}">
+                <a16:creationId xmlns:a16="http://schemas.microsoft.com/office/drawing/2014/main" id="{2D9752FE-3E1B-4CFE-8C32-836AF2CB48CE}"/>
+              </a:ext>
+            </a:extLst>
+          </p:cNvPr>
+          <p:cNvSpPr>
+            <a:spLocks noGrp="1"/>
+          </p:cNvSpPr>
+          <p:nvPr>
+            <p:ph idx="1"/>
+          </p:nvPr>
+        </p:nvSpPr>
+        <p:spPr/>
+        <p:txBody>
+          <a:bodyPr/>
+          <a:lstStyle/>
+          <a:p>
+            <a:r>
+              <a:rPr lang="hu-HU" dirty="0"/>
+              <a:t>Saját fejlesztés</a:t>
+            </a:r>
+          </a:p>
+          <a:p>
+            <a:r>
+              <a:rPr lang="hu-HU" dirty="0"/>
+              <a:t>Célja az OOP adta lehetőségek kiaknázása: az osztály metódusai újra felhasználhatóak és igyekszik absztraktabb formát önteni ez az implementáció</a:t>
+            </a:r>
+          </a:p>
+          <a:p>
+            <a:r>
+              <a:rPr lang="hu-HU" dirty="0"/>
+              <a:t>Adat lekérdezés egy C# nyelvi specifikus adatszerkezetben, egy adattálában (</a:t>
+            </a:r>
+            <a:r>
+              <a:rPr lang="hu-HU" dirty="0" err="1"/>
+              <a:t>DataTable</a:t>
+            </a:r>
+            <a:r>
+              <a:rPr lang="hu-HU" dirty="0"/>
+              <a:t> típus) adja vissza egy lekérdezés eredménytábláját: könnyen és gyorsan kereshetők benne az adatok</a:t>
+            </a:r>
+          </a:p>
+          <a:p>
+            <a:r>
+              <a:rPr lang="hu-HU" dirty="0"/>
+              <a:t>Az adatmanipulációs eljárások paraméterben átadott SQL utasítással végrehajtódnak az Oracle MySQL </a:t>
+            </a:r>
+            <a:r>
+              <a:rPr lang="hu-HU" dirty="0" err="1"/>
+              <a:t>Connector</a:t>
+            </a:r>
+            <a:r>
+              <a:rPr lang="hu-HU"/>
+              <a:t> .</a:t>
+            </a:r>
+            <a:r>
+              <a:rPr lang="hu-HU" dirty="0"/>
+              <a:t>NET platformra kiadott osztálykönyvtár segítségével (függőség).</a:t>
+            </a:r>
+          </a:p>
+        </p:txBody>
+      </p:sp>
+    </p:spTree>
+    <p:extLst>
+      <p:ext uri="{BB962C8B-B14F-4D97-AF65-F5344CB8AC3E}">
+        <p14:creationId xmlns:p14="http://schemas.microsoft.com/office/powerpoint/2010/main" val="2864308748"/>
+      </p:ext>
+    </p:extLst>
+  </p:cSld>
+  <p:clrMapOvr>
+    <a:masterClrMapping/>
+  </p:clrMapOvr>
+</p:sld>
+</file>
+
+<file path=ppt/slides/slide7.xml><?xml version="1.0" encoding="utf-8"?>
+<p:sld xmlns:a="http://schemas.openxmlformats.org/drawingml/2006/main" xmlns:r="http://schemas.openxmlformats.org/officeDocument/2006/relationships" xmlns:p="http://schemas.openxmlformats.org/presentationml/2006/main">
+  <p:cSld>
+    <p:spTree>
+      <p:nvGrpSpPr>
+        <p:cNvPr id="1" name=""/>
+        <p:cNvGrpSpPr/>
+        <p:nvPr/>
+      </p:nvGrpSpPr>
+      <p:grpSpPr>
+        <a:xfrm>
+          <a:off x="0" y="0"/>
+          <a:ext cx="0" cy="0"/>
+          <a:chOff x="0" y="0"/>
+          <a:chExt cx="0" cy="0"/>
+        </a:xfrm>
+      </p:grpSpPr>
+      <p:sp>
+        <p:nvSpPr>
+          <p:cNvPr id="2" name="Cím 1">
+            <a:extLst>
+              <a:ext uri="{FF2B5EF4-FFF2-40B4-BE49-F238E27FC236}">
+                <a16:creationId xmlns:a16="http://schemas.microsoft.com/office/drawing/2014/main" id="{36842376-637C-4426-B9D6-C26942C81C23}"/>
+              </a:ext>
+            </a:extLst>
+          </p:cNvPr>
+          <p:cNvSpPr>
+            <a:spLocks noGrp="1"/>
+          </p:cNvSpPr>
+          <p:nvPr>
+            <p:ph type="title"/>
+          </p:nvPr>
+        </p:nvSpPr>
+        <p:spPr/>
+        <p:txBody>
+          <a:bodyPr/>
+          <a:lstStyle/>
+          <a:p>
+            <a:endParaRPr lang="hu-HU"/>
+          </a:p>
+        </p:txBody>
+      </p:sp>
+      <p:sp>
+        <p:nvSpPr>
+          <p:cNvPr id="3" name="Tartalom helye 2">
+            <a:extLst>
+              <a:ext uri="{FF2B5EF4-FFF2-40B4-BE49-F238E27FC236}">
+                <a16:creationId xmlns:a16="http://schemas.microsoft.com/office/drawing/2014/main" id="{AC769C33-66C2-40B3-BA89-7B49A755CF2C}"/>
+              </a:ext>
+            </a:extLst>
+          </p:cNvPr>
+          <p:cNvSpPr>
+            <a:spLocks noGrp="1"/>
+          </p:cNvSpPr>
+          <p:nvPr>
+            <p:ph idx="1"/>
+          </p:nvPr>
+        </p:nvSpPr>
+        <p:spPr/>
+        <p:txBody>
+          <a:bodyPr/>
+          <a:lstStyle/>
+          <a:p>
+            <a:endParaRPr lang="hu-HU"/>
+          </a:p>
+        </p:txBody>
+      </p:sp>
+    </p:spTree>
+    <p:extLst>
+      <p:ext uri="{BB962C8B-B14F-4D97-AF65-F5344CB8AC3E}">
+        <p14:creationId xmlns:p14="http://schemas.microsoft.com/office/powerpoint/2010/main" val="1458788577"/>
+      </p:ext>
+    </p:extLst>
+  </p:cSld>
+  <p:clrMapOvr>
+    <a:masterClrMapping/>
+  </p:clrMapOvr>
+</p:sld>
+</file>
+
+<file path=ppt/slides/slide8.xml><?xml version="1.0" encoding="utf-8"?>
+<p:sld xmlns:a="http://schemas.openxmlformats.org/drawingml/2006/main" xmlns:r="http://schemas.openxmlformats.org/officeDocument/2006/relationships" xmlns:p="http://schemas.openxmlformats.org/presentationml/2006/main">
+  <p:cSld>
+    <p:spTree>
+      <p:nvGrpSpPr>
+        <p:cNvPr id="1" name=""/>
+        <p:cNvGrpSpPr/>
+        <p:nvPr/>
+      </p:nvGrpSpPr>
+      <p:grpSpPr>
+        <a:xfrm>
+          <a:off x="0" y="0"/>
+          <a:ext cx="0" cy="0"/>
+          <a:chOff x="0" y="0"/>
+          <a:chExt cx="0" cy="0"/>
+        </a:xfrm>
+      </p:grpSpPr>
+      <p:sp>
+        <p:nvSpPr>
+          <p:cNvPr id="2" name="Cím 1">
+            <a:extLst>
+              <a:ext uri="{FF2B5EF4-FFF2-40B4-BE49-F238E27FC236}">
+                <a16:creationId xmlns:a16="http://schemas.microsoft.com/office/drawing/2014/main" id="{72B1ED23-E7BB-45E1-A8E9-6E796A7C1B30}"/>
+              </a:ext>
+            </a:extLst>
+          </p:cNvPr>
+          <p:cNvSpPr>
+            <a:spLocks noGrp="1"/>
+          </p:cNvSpPr>
+          <p:nvPr>
+            <p:ph type="title"/>
+          </p:nvPr>
+        </p:nvSpPr>
+        <p:spPr/>
+        <p:txBody>
+          <a:bodyPr/>
+          <a:lstStyle/>
+          <a:p>
+            <a:endParaRPr lang="hu-HU"/>
+          </a:p>
+        </p:txBody>
+      </p:sp>
+      <p:sp>
+        <p:nvSpPr>
+          <p:cNvPr id="3" name="Tartalom helye 2">
+            <a:extLst>
+              <a:ext uri="{FF2B5EF4-FFF2-40B4-BE49-F238E27FC236}">
+                <a16:creationId xmlns:a16="http://schemas.microsoft.com/office/drawing/2014/main" id="{69FE746F-06C6-4DB9-9981-B12579497E20}"/>
+              </a:ext>
+            </a:extLst>
+          </p:cNvPr>
+          <p:cNvSpPr>
+            <a:spLocks noGrp="1"/>
+          </p:cNvSpPr>
+          <p:nvPr>
+            <p:ph idx="1"/>
+          </p:nvPr>
+        </p:nvSpPr>
+        <p:spPr/>
+        <p:txBody>
+          <a:bodyPr/>
+          <a:lstStyle/>
+          <a:p>
+            <a:endParaRPr lang="hu-HU"/>
+          </a:p>
+        </p:txBody>
+      </p:sp>
+    </p:spTree>
+    <p:extLst>
+      <p:ext uri="{BB962C8B-B14F-4D97-AF65-F5344CB8AC3E}">
+        <p14:creationId xmlns:p14="http://schemas.microsoft.com/office/powerpoint/2010/main" val="1657178295"/>
+      </p:ext>
+    </p:extLst>
+  </p:cSld>
+  <p:clrMapOvr>
+    <a:masterClrMapping/>
+  </p:clrMapOvr>
+</p:sld>
+</file>
+
+<file path=ppt/slides/slide9.xml><?xml version="1.0" encoding="utf-8"?>
+<p:sld xmlns:a="http://schemas.openxmlformats.org/drawingml/2006/main" xmlns:r="http://schemas.openxmlformats.org/officeDocument/2006/relationships" xmlns:p="http://schemas.openxmlformats.org/presentationml/2006/main">
+  <p:cSld>
+    <p:spTree>
+      <p:nvGrpSpPr>
+        <p:cNvPr id="1" name=""/>
+        <p:cNvGrpSpPr/>
+        <p:nvPr/>
+      </p:nvGrpSpPr>
+      <p:grpSpPr>
+        <a:xfrm>
+          <a:off x="0" y="0"/>
+          <a:ext cx="0" cy="0"/>
+          <a:chOff x="0" y="0"/>
+          <a:chExt cx="0" cy="0"/>
+        </a:xfrm>
+      </p:grpSpPr>
+      <p:sp>
+        <p:nvSpPr>
+          <p:cNvPr id="2" name="Cím 1">
+            <a:extLst>
+              <a:ext uri="{FF2B5EF4-FFF2-40B4-BE49-F238E27FC236}">
+                <a16:creationId xmlns:a16="http://schemas.microsoft.com/office/drawing/2014/main" id="{973C47EB-ADAC-40F2-8553-21C5D08591DA}"/>
+              </a:ext>
+            </a:extLst>
+          </p:cNvPr>
+          <p:cNvSpPr>
+            <a:spLocks noGrp="1"/>
+          </p:cNvSpPr>
+          <p:nvPr>
+            <p:ph type="title"/>
+          </p:nvPr>
+        </p:nvSpPr>
+        <p:spPr/>
+        <p:txBody>
+          <a:bodyPr/>
+          <a:lstStyle/>
+          <a:p>
+            <a:endParaRPr lang="hu-HU"/>
+          </a:p>
+        </p:txBody>
+      </p:sp>
+      <p:sp>
+        <p:nvSpPr>
+          <p:cNvPr id="3" name="Tartalom helye 2">
+            <a:extLst>
+              <a:ext uri="{FF2B5EF4-FFF2-40B4-BE49-F238E27FC236}">
+                <a16:creationId xmlns:a16="http://schemas.microsoft.com/office/drawing/2014/main" id="{7115D22C-912B-4144-8496-CC5BBFB14876}"/>
+              </a:ext>
+            </a:extLst>
+          </p:cNvPr>
+          <p:cNvSpPr>
+            <a:spLocks noGrp="1"/>
+          </p:cNvSpPr>
+          <p:nvPr>
+            <p:ph idx="1"/>
+          </p:nvPr>
+        </p:nvSpPr>
+        <p:spPr/>
+        <p:txBody>
+          <a:bodyPr/>
+          <a:lstStyle/>
+          <a:p>
+            <a:endParaRPr lang="hu-HU"/>
+          </a:p>
+        </p:txBody>
+      </p:sp>
+    </p:spTree>
+    <p:extLst>
+      <p:ext uri="{BB962C8B-B14F-4D97-AF65-F5344CB8AC3E}">
+        <p14:creationId xmlns:p14="http://schemas.microsoft.com/office/powerpoint/2010/main" val="1135838767"/>
+      </p:ext>
+    </p:extLst>
+  </p:cSld>
+  <p:clrMapOvr>
+    <a:masterClrMapping/>
+  </p:clrMapOvr>
+</p:sld>
+</file>
+
 <file path=ppt/theme/theme1.xml><?xml version="1.0" encoding="utf-8"?>
 <a:theme xmlns:a="http://schemas.openxmlformats.org/drawingml/2006/main" name="Dimenzió">
   <a:themeElements>

--- a/documentation/VR.pptx
+++ b/documentation/VR.pptx
@@ -12,10 +12,10 @@
     <p:sldId id="259" r:id="rId3"/>
     <p:sldId id="257" r:id="rId4"/>
     <p:sldId id="258" r:id="rId5"/>
-    <p:sldId id="264" r:id="rId6"/>
-    <p:sldId id="265" r:id="rId7"/>
-    <p:sldId id="266" r:id="rId8"/>
-    <p:sldId id="267" r:id="rId9"/>
+    <p:sldId id="266" r:id="rId6"/>
+    <p:sldId id="267" r:id="rId7"/>
+    <p:sldId id="265" r:id="rId8"/>
+    <p:sldId id="264" r:id="rId9"/>
     <p:sldId id="268" r:id="rId10"/>
   </p:sldIdLst>
   <p:sldSz cx="12192000" cy="6858000"/>
@@ -6262,7 +6262,7 @@
         <p:spPr>
           <a:xfrm>
             <a:off x="3406098" y="5219700"/>
-            <a:ext cx="1564852" cy="369332"/>
+            <a:ext cx="2406428" cy="369332"/>
           </a:xfrm>
           <a:prstGeom prst="rect">
             <a:avLst/>
@@ -6277,7 +6277,7 @@
           <a:p>
             <a:r>
               <a:rPr lang="hu-HU" dirty="0"/>
-              <a:t>Juhász Bence</a:t>
+              <a:t>Előadó: Juhász Bence</a:t>
             </a:r>
           </a:p>
         </p:txBody>
@@ -6735,7 +6735,7 @@
           <p:cNvPr id="2" name="Cím 1">
             <a:extLst>
               <a:ext uri="{FF2B5EF4-FFF2-40B4-BE49-F238E27FC236}">
-                <a16:creationId xmlns:a16="http://schemas.microsoft.com/office/drawing/2014/main" id="{914F64A7-6563-4AB6-8689-16A2544DCB10}"/>
+                <a16:creationId xmlns:a16="http://schemas.microsoft.com/office/drawing/2014/main" id="{36842376-637C-4426-B9D6-C26942C81C23}"/>
               </a:ext>
             </a:extLst>
           </p:cNvPr>
@@ -6753,7 +6753,7 @@
           <a:p>
             <a:r>
               <a:rPr lang="hu-HU" dirty="0"/>
-              <a:t>A rendszer jelenleg…</a:t>
+              <a:t>Asztali alkalmazás</a:t>
             </a:r>
           </a:p>
         </p:txBody>
@@ -6763,7 +6763,7 @@
           <p:cNvPr id="3" name="Tartalom helye 2">
             <a:extLst>
               <a:ext uri="{FF2B5EF4-FFF2-40B4-BE49-F238E27FC236}">
-                <a16:creationId xmlns:a16="http://schemas.microsoft.com/office/drawing/2014/main" id="{3606BB6F-A050-418F-954D-26BFE15D26D1}"/>
+                <a16:creationId xmlns:a16="http://schemas.microsoft.com/office/drawing/2014/main" id="{AC769C33-66C2-40B3-BA89-7B49A755CF2C}"/>
               </a:ext>
             </a:extLst>
           </p:cNvPr>
@@ -6780,35 +6780,12 @@
           <a:lstStyle/>
           <a:p>
             <a:r>
+              <a:rPr lang="hu-HU" dirty="0" err="1"/>
+              <a:t>Roboztus</a:t>
+            </a:r>
+            <a:r>
               <a:rPr lang="hu-HU" dirty="0"/>
-              <a:t>Előre regisztrált felhasználói fiókokkal működik, jelenleg regisztráció nem lehetséges…</a:t>
-            </a:r>
-          </a:p>
-          <a:p>
-            <a:endParaRPr lang="hu-HU" dirty="0"/>
-          </a:p>
-          <a:p>
-            <a:r>
-              <a:rPr lang="hu-HU" dirty="0"/>
-              <a:t>Webalkalmazásban konfigurálható minden működéshez szükséges adat (számlázási tételek, szobák, kategorizálásuk)</a:t>
-            </a:r>
-          </a:p>
-          <a:p>
-            <a:endParaRPr lang="hu-HU" dirty="0"/>
-          </a:p>
-          <a:p>
-            <a:r>
-              <a:rPr lang="hu-HU" dirty="0"/>
-              <a:t>Asztali alkalmazásban felhasználhatók a konfigurált adatok számlázásnál illetve foglalás kezelésnél, illetve ezen a felületen történik a vendégadatok kezelése</a:t>
-            </a:r>
-          </a:p>
-          <a:p>
-            <a:endParaRPr lang="hu-HU" dirty="0"/>
-          </a:p>
-          <a:p>
-            <a:r>
-              <a:rPr lang="hu-HU" dirty="0"/>
-              <a:t>Minden bevitt, módosított adat egy adatbázisban tárolódik</a:t>
+              <a:t>,</a:t>
             </a:r>
           </a:p>
         </p:txBody>
@@ -6816,7 +6793,7 @@
     </p:spTree>
     <p:extLst>
       <p:ext uri="{BB962C8B-B14F-4D97-AF65-F5344CB8AC3E}">
-        <p14:creationId xmlns:p14="http://schemas.microsoft.com/office/powerpoint/2010/main" val="1213303619"/>
+        <p14:creationId xmlns:p14="http://schemas.microsoft.com/office/powerpoint/2010/main" val="1458788577"/>
       </p:ext>
     </p:extLst>
   </p:cSld>
@@ -6848,7 +6825,7 @@
           <p:cNvPr id="2" name="Cím 1">
             <a:extLst>
               <a:ext uri="{FF2B5EF4-FFF2-40B4-BE49-F238E27FC236}">
-                <a16:creationId xmlns:a16="http://schemas.microsoft.com/office/drawing/2014/main" id="{655DEBD3-E558-4720-B950-57698467077D}"/>
+                <a16:creationId xmlns:a16="http://schemas.microsoft.com/office/drawing/2014/main" id="{72B1ED23-E7BB-45E1-A8E9-6E796A7C1B30}"/>
               </a:ext>
             </a:extLst>
           </p:cNvPr>
@@ -6866,7 +6843,7 @@
           <a:p>
             <a:r>
               <a:rPr lang="hu-HU" dirty="0"/>
-              <a:t>Adatok lekérdezését és adatok manipulációját segítő API</a:t>
+              <a:t>Webalkalmazás</a:t>
             </a:r>
           </a:p>
         </p:txBody>
@@ -6876,7 +6853,7 @@
           <p:cNvPr id="3" name="Tartalom helye 2">
             <a:extLst>
               <a:ext uri="{FF2B5EF4-FFF2-40B4-BE49-F238E27FC236}">
-                <a16:creationId xmlns:a16="http://schemas.microsoft.com/office/drawing/2014/main" id="{2D9752FE-3E1B-4CFE-8C32-836AF2CB48CE}"/>
+                <a16:creationId xmlns:a16="http://schemas.microsoft.com/office/drawing/2014/main" id="{69FE746F-06C6-4DB9-9981-B12579497E20}"/>
               </a:ext>
             </a:extLst>
           </p:cNvPr>
@@ -6892,55 +6869,14 @@
           <a:bodyPr/>
           <a:lstStyle/>
           <a:p>
-            <a:r>
-              <a:rPr lang="hu-HU" dirty="0"/>
-              <a:t>Saját fejlesztés</a:t>
-            </a:r>
-          </a:p>
-          <a:p>
-            <a:r>
-              <a:rPr lang="hu-HU" dirty="0"/>
-              <a:t>Célja az OOP adta lehetőségek kiaknázása: az osztály metódusai újra felhasználhatóak és igyekszik absztraktabb formát önteni ez az implementáció</a:t>
-            </a:r>
-          </a:p>
-          <a:p>
-            <a:r>
-              <a:rPr lang="hu-HU" dirty="0"/>
-              <a:t>Adat lekérdezés egy C# nyelvi specifikus adatszerkezetben, egy adattálában (</a:t>
-            </a:r>
-            <a:r>
-              <a:rPr lang="hu-HU" dirty="0" err="1"/>
-              <a:t>DataTable</a:t>
-            </a:r>
-            <a:r>
-              <a:rPr lang="hu-HU" dirty="0"/>
-              <a:t> típus) adja vissza egy lekérdezés eredménytábláját: könnyen és gyorsan kereshetők benne az adatok</a:t>
-            </a:r>
-          </a:p>
-          <a:p>
-            <a:r>
-              <a:rPr lang="hu-HU" dirty="0"/>
-              <a:t>Az adatmanipulációs eljárások paraméterben átadott SQL utasítással végrehajtódnak az Oracle MySQL </a:t>
-            </a:r>
-            <a:r>
-              <a:rPr lang="hu-HU" dirty="0" err="1"/>
-              <a:t>Connector</a:t>
-            </a:r>
-            <a:r>
-              <a:rPr lang="hu-HU"/>
-              <a:t> .</a:t>
-            </a:r>
-            <a:r>
-              <a:rPr lang="hu-HU" dirty="0"/>
-              <a:t>NET platformra kiadott osztálykönyvtár segítségével (függőség).</a:t>
-            </a:r>
+            <a:endParaRPr lang="hu-HU"/>
           </a:p>
         </p:txBody>
       </p:sp>
     </p:spTree>
     <p:extLst>
       <p:ext uri="{BB962C8B-B14F-4D97-AF65-F5344CB8AC3E}">
-        <p14:creationId xmlns:p14="http://schemas.microsoft.com/office/powerpoint/2010/main" val="2864308748"/>
+        <p14:creationId xmlns:p14="http://schemas.microsoft.com/office/powerpoint/2010/main" val="1657178295"/>
       </p:ext>
     </p:extLst>
   </p:cSld>
@@ -6972,7 +6908,7 @@
           <p:cNvPr id="2" name="Cím 1">
             <a:extLst>
               <a:ext uri="{FF2B5EF4-FFF2-40B4-BE49-F238E27FC236}">
-                <a16:creationId xmlns:a16="http://schemas.microsoft.com/office/drawing/2014/main" id="{36842376-637C-4426-B9D6-C26942C81C23}"/>
+                <a16:creationId xmlns:a16="http://schemas.microsoft.com/office/drawing/2014/main" id="{655DEBD3-E558-4720-B950-57698467077D}"/>
               </a:ext>
             </a:extLst>
           </p:cNvPr>
@@ -6988,7 +6924,10 @@
           <a:bodyPr/>
           <a:lstStyle/>
           <a:p>
-            <a:endParaRPr lang="hu-HU"/>
+            <a:r>
+              <a:rPr lang="hu-HU" dirty="0"/>
+              <a:t>Adatok lekérdezését és adatok manipulációját segítő API</a:t>
+            </a:r>
           </a:p>
         </p:txBody>
       </p:sp>
@@ -6997,7 +6936,7 @@
           <p:cNvPr id="3" name="Tartalom helye 2">
             <a:extLst>
               <a:ext uri="{FF2B5EF4-FFF2-40B4-BE49-F238E27FC236}">
-                <a16:creationId xmlns:a16="http://schemas.microsoft.com/office/drawing/2014/main" id="{AC769C33-66C2-40B3-BA89-7B49A755CF2C}"/>
+                <a16:creationId xmlns:a16="http://schemas.microsoft.com/office/drawing/2014/main" id="{2D9752FE-3E1B-4CFE-8C32-836AF2CB48CE}"/>
               </a:ext>
             </a:extLst>
           </p:cNvPr>
@@ -7010,17 +6949,87 @@
         </p:nvSpPr>
         <p:spPr/>
         <p:txBody>
-          <a:bodyPr/>
-          <a:lstStyle/>
-          <a:p>
-            <a:endParaRPr lang="hu-HU"/>
+          <a:bodyPr>
+            <a:normAutofit/>
+          </a:bodyPr>
+          <a:lstStyle/>
+          <a:p>
+            <a:r>
+              <a:rPr lang="hu-HU" dirty="0"/>
+              <a:t>Saját fejlesztés</a:t>
+            </a:r>
+          </a:p>
+          <a:p>
+            <a:r>
+              <a:rPr lang="hu-HU" dirty="0"/>
+              <a:t>OOP adta lehetőségek: kód újra felhasználás</a:t>
+            </a:r>
+          </a:p>
+          <a:p>
+            <a:r>
+              <a:rPr lang="hu-HU" i="1" dirty="0"/>
+              <a:t>Többrétegű architektúra és </a:t>
+            </a:r>
+            <a:r>
+              <a:rPr lang="hu-HU" i="1" dirty="0" err="1"/>
+              <a:t>Single</a:t>
+            </a:r>
+            <a:r>
+              <a:rPr lang="hu-HU" i="1" dirty="0"/>
+              <a:t> </a:t>
+            </a:r>
+            <a:r>
+              <a:rPr lang="hu-HU" i="1" dirty="0" err="1"/>
+              <a:t>responsibility</a:t>
+            </a:r>
+            <a:r>
+              <a:rPr lang="hu-HU" i="1" dirty="0"/>
+              <a:t> </a:t>
+            </a:r>
+            <a:r>
+              <a:rPr lang="hu-HU" i="1" dirty="0" err="1"/>
+              <a:t>principle</a:t>
+            </a:r>
+            <a:r>
+              <a:rPr lang="hu-HU" i="1" dirty="0"/>
+              <a:t> kapcsolata</a:t>
+            </a:r>
+            <a:endParaRPr lang="hu-HU" dirty="0"/>
+          </a:p>
+          <a:p>
+            <a:r>
+              <a:rPr lang="hu-HU" dirty="0"/>
+              <a:t>Adat lekérdezés egy C# nyelvi specifikus adatszerkezetben, egy adattálában (</a:t>
+            </a:r>
+            <a:r>
+              <a:rPr lang="hu-HU" dirty="0" err="1"/>
+              <a:t>DataTable</a:t>
+            </a:r>
+            <a:r>
+              <a:rPr lang="hu-HU" dirty="0"/>
+              <a:t> típus) adja vissza egy lekérdezés eredménytábláját: könnyen és gyorsan kereshetők benne az adatok</a:t>
+            </a:r>
+          </a:p>
+          <a:p>
+            <a:r>
+              <a:rPr lang="hu-HU" dirty="0"/>
+              <a:t>Az adatmanipulációs eljárások paraméterben átadott SQL utasítással végrehajtódnak az adatbázison az Oracle MySQL </a:t>
+            </a:r>
+            <a:r>
+              <a:rPr lang="hu-HU" dirty="0" err="1"/>
+              <a:t>Connector</a:t>
+            </a:r>
+            <a:r>
+              <a:rPr lang="hu-HU" dirty="0"/>
+              <a:t> .NET platformra kiadott osztálykönyvtár segítségével (függőség).</a:t>
+            </a:r>
           </a:p>
         </p:txBody>
       </p:sp>
     </p:spTree>
     <p:extLst>
       <p:ext uri="{BB962C8B-B14F-4D97-AF65-F5344CB8AC3E}">
-        <p14:creationId xmlns:p14="http://schemas.microsoft.com/office/powerpoint/2010/main" val="1458788577"/>
+        <p14:creationId xmlns:p14="http://schemas.microsoft.com/office/powerpoint/2010/main" val="2864308748"/>
       </p:ext>
     </p:extLst>
   </p:cSld>
@@ -7052,7 +7061,7 @@
           <p:cNvPr id="2" name="Cím 1">
             <a:extLst>
               <a:ext uri="{FF2B5EF4-FFF2-40B4-BE49-F238E27FC236}">
-                <a16:creationId xmlns:a16="http://schemas.microsoft.com/office/drawing/2014/main" id="{72B1ED23-E7BB-45E1-A8E9-6E796A7C1B30}"/>
+                <a16:creationId xmlns:a16="http://schemas.microsoft.com/office/drawing/2014/main" id="{914F64A7-6563-4AB6-8689-16A2544DCB10}"/>
               </a:ext>
             </a:extLst>
           </p:cNvPr>
@@ -7068,7 +7077,10 @@
           <a:bodyPr/>
           <a:lstStyle/>
           <a:p>
-            <a:endParaRPr lang="hu-HU"/>
+            <a:r>
+              <a:rPr lang="hu-HU" dirty="0"/>
+              <a:t>A rendszer jelenleg…</a:t>
+            </a:r>
           </a:p>
         </p:txBody>
       </p:sp>
@@ -7077,7 +7089,7 @@
           <p:cNvPr id="3" name="Tartalom helye 2">
             <a:extLst>
               <a:ext uri="{FF2B5EF4-FFF2-40B4-BE49-F238E27FC236}">
-                <a16:creationId xmlns:a16="http://schemas.microsoft.com/office/drawing/2014/main" id="{69FE746F-06C6-4DB9-9981-B12579497E20}"/>
+                <a16:creationId xmlns:a16="http://schemas.microsoft.com/office/drawing/2014/main" id="{3606BB6F-A050-418F-954D-26BFE15D26D1}"/>
               </a:ext>
             </a:extLst>
           </p:cNvPr>
@@ -7093,14 +7105,44 @@
           <a:bodyPr/>
           <a:lstStyle/>
           <a:p>
-            <a:endParaRPr lang="hu-HU"/>
+            <a:r>
+              <a:rPr lang="hu-HU" dirty="0"/>
+              <a:t>Előre regisztrált felhasználói fiókokkal működik, jelenleg regisztráció nem lehetséges…</a:t>
+            </a:r>
+          </a:p>
+          <a:p>
+            <a:endParaRPr lang="hu-HU" dirty="0"/>
+          </a:p>
+          <a:p>
+            <a:r>
+              <a:rPr lang="hu-HU" dirty="0"/>
+              <a:t>Webalkalmazásban konfigurálható minden működéshez szükséges adat (számlázási tételek, szobák, kategorizálásuk)</a:t>
+            </a:r>
+          </a:p>
+          <a:p>
+            <a:endParaRPr lang="hu-HU" dirty="0"/>
+          </a:p>
+          <a:p>
+            <a:r>
+              <a:rPr lang="hu-HU" dirty="0"/>
+              <a:t>Asztali alkalmazásban felhasználhatók a konfigurált adatok számlázásnál illetve foglalás kezelésnél, illetve ezen a felületen történik a vendégadatok kezelése</a:t>
+            </a:r>
+          </a:p>
+          <a:p>
+            <a:endParaRPr lang="hu-HU" dirty="0"/>
+          </a:p>
+          <a:p>
+            <a:r>
+              <a:rPr lang="hu-HU" dirty="0"/>
+              <a:t>Minden bevitt, módosított adat egy adatbázisban tárolódik</a:t>
+            </a:r>
           </a:p>
         </p:txBody>
       </p:sp>
     </p:spTree>
     <p:extLst>
       <p:ext uri="{BB962C8B-B14F-4D97-AF65-F5344CB8AC3E}">
-        <p14:creationId xmlns:p14="http://schemas.microsoft.com/office/powerpoint/2010/main" val="1657178295"/>
+        <p14:creationId xmlns:p14="http://schemas.microsoft.com/office/powerpoint/2010/main" val="1213303619"/>
       </p:ext>
     </p:extLst>
   </p:cSld>

--- a/documentation/VR.pptx
+++ b/documentation/VR.pptx
@@ -5,18 +5,19 @@
     <p:sldMasterId id="2147483804" r:id="rId1"/>
   </p:sldMasterIdLst>
   <p:notesMasterIdLst>
-    <p:notesMasterId r:id="rId11"/>
+    <p:notesMasterId r:id="rId12"/>
   </p:notesMasterIdLst>
   <p:sldIdLst>
     <p:sldId id="256" r:id="rId2"/>
     <p:sldId id="259" r:id="rId3"/>
     <p:sldId id="257" r:id="rId4"/>
     <p:sldId id="258" r:id="rId5"/>
-    <p:sldId id="266" r:id="rId6"/>
+    <p:sldId id="269" r:id="rId6"/>
     <p:sldId id="267" r:id="rId7"/>
-    <p:sldId id="265" r:id="rId8"/>
-    <p:sldId id="264" r:id="rId9"/>
-    <p:sldId id="268" r:id="rId10"/>
+    <p:sldId id="264" r:id="rId8"/>
+    <p:sldId id="266" r:id="rId9"/>
+    <p:sldId id="265" r:id="rId10"/>
+    <p:sldId id="268" r:id="rId11"/>
   </p:sldIdLst>
   <p:sldSz cx="12192000" cy="6858000"/>
   <p:notesSz cx="6858000" cy="9144000"/>
@@ -6262,7 +6263,7 @@
         <p:spPr>
           <a:xfrm>
             <a:off x="3406098" y="5219700"/>
-            <a:ext cx="2406428" cy="369332"/>
+            <a:ext cx="2406428" cy="646331"/>
           </a:xfrm>
           <a:prstGeom prst="rect">
             <a:avLst/>
@@ -6280,12 +6281,83 @@
               <a:t>Előadó: Juhász Bence</a:t>
             </a:r>
           </a:p>
+          <a:p>
+            <a:pPr algn="ctr"/>
+            <a:r>
+              <a:rPr lang="hu-HU" dirty="0"/>
+              <a:t>2019.</a:t>
+            </a:r>
+          </a:p>
         </p:txBody>
       </p:sp>
     </p:spTree>
     <p:extLst>
       <p:ext uri="{BB962C8B-B14F-4D97-AF65-F5344CB8AC3E}">
         <p14:creationId xmlns:p14="http://schemas.microsoft.com/office/powerpoint/2010/main" val="855436433"/>
+      </p:ext>
+    </p:extLst>
+  </p:cSld>
+  <p:clrMapOvr>
+    <a:masterClrMapping/>
+  </p:clrMapOvr>
+</p:sld>
+</file>
+
+<file path=ppt/slides/slide10.xml><?xml version="1.0" encoding="utf-8"?>
+<p:sld xmlns:a="http://schemas.openxmlformats.org/drawingml/2006/main" xmlns:r="http://schemas.openxmlformats.org/officeDocument/2006/relationships" xmlns:p="http://schemas.openxmlformats.org/presentationml/2006/main">
+  <p:cSld>
+    <p:spTree>
+      <p:nvGrpSpPr>
+        <p:cNvPr id="1" name=""/>
+        <p:cNvGrpSpPr/>
+        <p:nvPr/>
+      </p:nvGrpSpPr>
+      <p:grpSpPr>
+        <a:xfrm>
+          <a:off x="0" y="0"/>
+          <a:ext cx="0" cy="0"/>
+          <a:chOff x="0" y="0"/>
+          <a:chExt cx="0" cy="0"/>
+        </a:xfrm>
+      </p:grpSpPr>
+      <p:sp>
+        <p:nvSpPr>
+          <p:cNvPr id="2" name="Cím 1">
+            <a:extLst>
+              <a:ext uri="{FF2B5EF4-FFF2-40B4-BE49-F238E27FC236}">
+                <a16:creationId xmlns:a16="http://schemas.microsoft.com/office/drawing/2014/main" id="{973C47EB-ADAC-40F2-8553-21C5D08591DA}"/>
+              </a:ext>
+            </a:extLst>
+          </p:cNvPr>
+          <p:cNvSpPr>
+            <a:spLocks noGrp="1"/>
+          </p:cNvSpPr>
+          <p:nvPr>
+            <p:ph type="title"/>
+          </p:nvPr>
+        </p:nvSpPr>
+        <p:spPr>
+          <a:xfrm>
+            <a:off x="1797666" y="2768600"/>
+            <a:ext cx="8596668" cy="1320800"/>
+          </a:xfrm>
+        </p:spPr>
+        <p:txBody>
+          <a:bodyPr/>
+          <a:lstStyle/>
+          <a:p>
+            <a:pPr algn="ctr"/>
+            <a:r>
+              <a:rPr lang="hu-HU" dirty="0"/>
+              <a:t>Köszönöm a figyelmet!</a:t>
+            </a:r>
+          </a:p>
+        </p:txBody>
+      </p:sp>
+    </p:spTree>
+    <p:extLst>
+      <p:ext uri="{BB962C8B-B14F-4D97-AF65-F5344CB8AC3E}">
+        <p14:creationId xmlns:p14="http://schemas.microsoft.com/office/powerpoint/2010/main" val="1135838767"/>
       </p:ext>
     </p:extLst>
   </p:cSld>
@@ -6390,7 +6462,7 @@
             </a:r>
           </a:p>
           <a:p>
-            <a:pPr marL="514350" indent="-514350">
+            <a:pPr marL="514350" indent="-514350" algn="just">
               <a:buFont typeface="+mj-lt"/>
               <a:buAutoNum type="arabicPeriod"/>
             </a:pPr>
@@ -6519,23 +6591,23 @@
             </a:r>
           </a:p>
           <a:p>
+            <a:pPr algn="just">
+              <a:buFont typeface="+mj-lt"/>
+              <a:buAutoNum type="arabicPeriod"/>
+            </a:pPr>
+            <a:r>
+              <a:rPr lang="hu-HU" dirty="0"/>
+              <a:t>Vendéglátásban dolgozók munkájának megkönnyítése</a:t>
+            </a:r>
+          </a:p>
+          <a:p>
             <a:pPr>
               <a:buFont typeface="+mj-lt"/>
               <a:buAutoNum type="arabicPeriod"/>
             </a:pPr>
             <a:r>
               <a:rPr lang="hu-HU" dirty="0"/>
-              <a:t>Vendéglátásban dolgozók munkájának megkönnyítése</a:t>
-            </a:r>
-          </a:p>
-          <a:p>
-            <a:pPr>
-              <a:buFont typeface="+mj-lt"/>
-              <a:buAutoNum type="arabicPeriod"/>
-            </a:pPr>
-            <a:r>
-              <a:rPr lang="hu-HU" dirty="0"/>
-              <a:t>Személyes szálláshelyi tapasztalatok alapján felépített komplex alkalmazás elkészítése</a:t>
+              <a:t>Személyes szálláshelyi tapasztalatok alapján felépített komplex rendszer kifejlesztése</a:t>
             </a:r>
           </a:p>
         </p:txBody>
@@ -6636,23 +6708,23 @@
             </a:r>
           </a:p>
           <a:p>
+            <a:pPr marL="514350" indent="-514350" algn="just">
+              <a:buFont typeface="+mj-lt"/>
+              <a:buAutoNum type="arabicPeriod"/>
+            </a:pPr>
+            <a:r>
+              <a:rPr lang="hu-HU" sz="2000" dirty="0"/>
+              <a:t>Szálláshely regisztráció</a:t>
+            </a:r>
+          </a:p>
+          <a:p>
             <a:pPr marL="514350" indent="-514350">
               <a:buFont typeface="+mj-lt"/>
               <a:buAutoNum type="arabicPeriod"/>
             </a:pPr>
             <a:r>
               <a:rPr lang="hu-HU" sz="2000" dirty="0"/>
-              <a:t>Szálláshely regisztráció</a:t>
-            </a:r>
-          </a:p>
-          <a:p>
-            <a:pPr marL="514350" indent="-514350">
-              <a:buFont typeface="+mj-lt"/>
-              <a:buAutoNum type="arabicPeriod"/>
-            </a:pPr>
-            <a:r>
-              <a:rPr lang="hu-HU" sz="2000" dirty="0"/>
-              <a:t>Szükséges adatok beállítása (szobák, számlázható tételek)</a:t>
+              <a:t>Szálláshelyi adatok beállítása (szobák, számlázható tételek)</a:t>
             </a:r>
           </a:p>
           <a:p>
@@ -6735,7 +6807,7 @@
           <p:cNvPr id="2" name="Cím 1">
             <a:extLst>
               <a:ext uri="{FF2B5EF4-FFF2-40B4-BE49-F238E27FC236}">
-                <a16:creationId xmlns:a16="http://schemas.microsoft.com/office/drawing/2014/main" id="{36842376-637C-4426-B9D6-C26942C81C23}"/>
+                <a16:creationId xmlns:a16="http://schemas.microsoft.com/office/drawing/2014/main" id="{7E19B728-39AB-4F84-A9E4-EBA0436BEF14}"/>
               </a:ext>
             </a:extLst>
           </p:cNvPr>
@@ -6753,7 +6825,7 @@
           <a:p>
             <a:r>
               <a:rPr lang="hu-HU" dirty="0"/>
-              <a:t>Asztali alkalmazás</a:t>
+              <a:t>Adatbázis</a:t>
             </a:r>
           </a:p>
         </p:txBody>
@@ -6763,7 +6835,7 @@
           <p:cNvPr id="3" name="Tartalom helye 2">
             <a:extLst>
               <a:ext uri="{FF2B5EF4-FFF2-40B4-BE49-F238E27FC236}">
-                <a16:creationId xmlns:a16="http://schemas.microsoft.com/office/drawing/2014/main" id="{AC769C33-66C2-40B3-BA89-7B49A755CF2C}"/>
+                <a16:creationId xmlns:a16="http://schemas.microsoft.com/office/drawing/2014/main" id="{32AA7F83-49EC-449C-9BEC-F02B162DD287}"/>
               </a:ext>
             </a:extLst>
           </p:cNvPr>
@@ -6780,12 +6852,36 @@
           <a:lstStyle/>
           <a:p>
             <a:r>
-              <a:rPr lang="hu-HU" dirty="0" err="1"/>
-              <a:t>Roboztus</a:t>
-            </a:r>
-            <a:r>
               <a:rPr lang="hu-HU" dirty="0"/>
-              <a:t>,</a:t>
+              <a:t>Oracle MySQL szabványú relációs adatbázis</a:t>
+            </a:r>
+          </a:p>
+          <a:p>
+            <a:endParaRPr lang="hu-HU" dirty="0"/>
+          </a:p>
+          <a:p>
+            <a:r>
+              <a:rPr lang="hu-HU" dirty="0"/>
+              <a:t>3NF</a:t>
+            </a:r>
+          </a:p>
+          <a:p>
+            <a:endParaRPr lang="hu-HU" dirty="0"/>
+          </a:p>
+          <a:p>
+            <a:r>
+              <a:rPr lang="hu-HU" dirty="0"/>
+              <a:t>Ellátja a rendszer adatainak perzisztens tárolását</a:t>
+            </a:r>
+          </a:p>
+          <a:p>
+            <a:endParaRPr lang="hu-HU" dirty="0"/>
+          </a:p>
+          <a:p>
+            <a:pPr algn="just"/>
+            <a:r>
+              <a:rPr lang="hu-HU" dirty="0"/>
+              <a:t>Lehetővé teszi a közvetett kommunikációt a web- és az asztali alkalmazás között</a:t>
             </a:r>
           </a:p>
         </p:txBody>
@@ -6793,7 +6889,7 @@
     </p:spTree>
     <p:extLst>
       <p:ext uri="{BB962C8B-B14F-4D97-AF65-F5344CB8AC3E}">
-        <p14:creationId xmlns:p14="http://schemas.microsoft.com/office/powerpoint/2010/main" val="1458788577"/>
+        <p14:creationId xmlns:p14="http://schemas.microsoft.com/office/powerpoint/2010/main" val="755860475"/>
       </p:ext>
     </p:extLst>
   </p:cSld>
@@ -6869,7 +6965,35 @@
           <a:bodyPr/>
           <a:lstStyle/>
           <a:p>
-            <a:endParaRPr lang="hu-HU"/>
+            <a:r>
+              <a:rPr lang="hu-HU" dirty="0"/>
+              <a:t>Kisebb, konfigurációs felület</a:t>
+            </a:r>
+          </a:p>
+          <a:p>
+            <a:endParaRPr lang="hu-HU" dirty="0"/>
+          </a:p>
+          <a:p>
+            <a:r>
+              <a:rPr lang="hu-HU" dirty="0"/>
+              <a:t>Monolitikus felépítésű</a:t>
+            </a:r>
+          </a:p>
+          <a:p>
+            <a:endParaRPr lang="hu-HU" dirty="0"/>
+          </a:p>
+          <a:p>
+            <a:pPr algn="just"/>
+            <a:r>
+              <a:rPr lang="hu-HU" dirty="0"/>
+              <a:t>Rendszermenedzsment: szobakapacitás, számlázható tételek és azok kategóriáinak felvitelét, módosítását és törlését teszi lehetővé</a:t>
+            </a:r>
+          </a:p>
+          <a:p>
+            <a:endParaRPr lang="hu-HU" dirty="0"/>
+          </a:p>
+          <a:p>
+            <a:endParaRPr lang="hu-HU" dirty="0"/>
           </a:p>
         </p:txBody>
       </p:sp>
@@ -6908,7 +7032,7 @@
           <p:cNvPr id="2" name="Cím 1">
             <a:extLst>
               <a:ext uri="{FF2B5EF4-FFF2-40B4-BE49-F238E27FC236}">
-                <a16:creationId xmlns:a16="http://schemas.microsoft.com/office/drawing/2014/main" id="{655DEBD3-E558-4720-B950-57698467077D}"/>
+                <a16:creationId xmlns:a16="http://schemas.microsoft.com/office/drawing/2014/main" id="{914F64A7-6563-4AB6-8689-16A2544DCB10}"/>
               </a:ext>
             </a:extLst>
           </p:cNvPr>
@@ -6926,7 +7050,7 @@
           <a:p>
             <a:r>
               <a:rPr lang="hu-HU" dirty="0"/>
-              <a:t>Adatok lekérdezését és adatok manipulációját segítő API</a:t>
+              <a:t>A rendszer jelenleg…</a:t>
             </a:r>
           </a:p>
         </p:txBody>
@@ -6936,7 +7060,7 @@
           <p:cNvPr id="3" name="Tartalom helye 2">
             <a:extLst>
               <a:ext uri="{FF2B5EF4-FFF2-40B4-BE49-F238E27FC236}">
-                <a16:creationId xmlns:a16="http://schemas.microsoft.com/office/drawing/2014/main" id="{2D9752FE-3E1B-4CFE-8C32-836AF2CB48CE}"/>
+                <a16:creationId xmlns:a16="http://schemas.microsoft.com/office/drawing/2014/main" id="{3606BB6F-A050-418F-954D-26BFE15D26D1}"/>
               </a:ext>
             </a:extLst>
           </p:cNvPr>
@@ -6949,79 +7073,40 @@
         </p:nvSpPr>
         <p:spPr/>
         <p:txBody>
-          <a:bodyPr>
-            <a:normAutofit/>
-          </a:bodyPr>
-          <a:lstStyle/>
-          <a:p>
+          <a:bodyPr/>
+          <a:lstStyle/>
+          <a:p>
+            <a:pPr algn="just"/>
             <a:r>
               <a:rPr lang="hu-HU" dirty="0"/>
-              <a:t>Saját fejlesztés</a:t>
-            </a:r>
+              <a:t>Előre regisztrált felhasználói fiókokkal működik, jelenleg regisztráció nem lehetséges…</a:t>
+            </a:r>
+          </a:p>
+          <a:p>
+            <a:endParaRPr lang="hu-HU" dirty="0"/>
           </a:p>
           <a:p>
             <a:r>
               <a:rPr lang="hu-HU" dirty="0"/>
-              <a:t>OOP adta lehetőségek: kód újra felhasználás</a:t>
-            </a:r>
-          </a:p>
-          <a:p>
-            <a:r>
-              <a:rPr lang="hu-HU" i="1" dirty="0"/>
-              <a:t>Többrétegű architektúra és </a:t>
-            </a:r>
-            <a:r>
-              <a:rPr lang="hu-HU" i="1" dirty="0" err="1"/>
-              <a:t>Single</a:t>
-            </a:r>
-            <a:r>
-              <a:rPr lang="hu-HU" i="1" dirty="0"/>
-              <a:t> </a:t>
-            </a:r>
-            <a:r>
-              <a:rPr lang="hu-HU" i="1" dirty="0" err="1"/>
-              <a:t>responsibility</a:t>
-            </a:r>
-            <a:r>
-              <a:rPr lang="hu-HU" i="1" dirty="0"/>
-              <a:t> </a:t>
-            </a:r>
-            <a:r>
-              <a:rPr lang="hu-HU" i="1" dirty="0" err="1"/>
-              <a:t>principle</a:t>
-            </a:r>
-            <a:r>
-              <a:rPr lang="hu-HU" i="1" dirty="0"/>
-              <a:t> kapcsolata</a:t>
-            </a:r>
+              <a:t>Webalkalmazásban konfigurálható minden működéshez szükséges adat (számlázási tételek, szobák, kategorizálásuk)</a:t>
+            </a:r>
+          </a:p>
+          <a:p>
             <a:endParaRPr lang="hu-HU" dirty="0"/>
           </a:p>
           <a:p>
             <a:r>
               <a:rPr lang="hu-HU" dirty="0"/>
-              <a:t>Adat lekérdezés egy C# nyelvi specifikus adatszerkezetben, egy adattálában (</a:t>
-            </a:r>
-            <a:r>
-              <a:rPr lang="hu-HU" dirty="0" err="1"/>
-              <a:t>DataTable</a:t>
-            </a:r>
+              <a:t>Asztali alkalmazásban felhasználhatók a konfigurált adatok számlázásnál illetve foglalás kezelésnél, illetve ezen a felületen történik a vendégadatok kezelése</a:t>
+            </a:r>
+          </a:p>
+          <a:p>
+            <a:endParaRPr lang="hu-HU" dirty="0"/>
+          </a:p>
+          <a:p>
             <a:r>
               <a:rPr lang="hu-HU" dirty="0"/>
-              <a:t> típus) adja vissza egy lekérdezés eredménytábláját: könnyen és gyorsan kereshetők benne az adatok</a:t>
-            </a:r>
-          </a:p>
-          <a:p>
-            <a:r>
-              <a:rPr lang="hu-HU" dirty="0"/>
-              <a:t>Az adatmanipulációs eljárások paraméterben átadott SQL utasítással végrehajtódnak az adatbázison az Oracle MySQL </a:t>
-            </a:r>
-            <a:r>
-              <a:rPr lang="hu-HU" dirty="0" err="1"/>
-              <a:t>Connector</a:t>
-            </a:r>
-            <a:r>
-              <a:rPr lang="hu-HU" dirty="0"/>
-              <a:t> .NET platformra kiadott osztálykönyvtár segítségével (függőség).</a:t>
+              <a:t>Minden bevitt, módosított adat egy adatbázisban tárolódik</a:t>
             </a:r>
           </a:p>
         </p:txBody>
@@ -7029,7 +7114,7 @@
     </p:spTree>
     <p:extLst>
       <p:ext uri="{BB962C8B-B14F-4D97-AF65-F5344CB8AC3E}">
-        <p14:creationId xmlns:p14="http://schemas.microsoft.com/office/powerpoint/2010/main" val="2864308748"/>
+        <p14:creationId xmlns:p14="http://schemas.microsoft.com/office/powerpoint/2010/main" val="1213303619"/>
       </p:ext>
     </p:extLst>
   </p:cSld>
@@ -7061,7 +7146,7 @@
           <p:cNvPr id="2" name="Cím 1">
             <a:extLst>
               <a:ext uri="{FF2B5EF4-FFF2-40B4-BE49-F238E27FC236}">
-                <a16:creationId xmlns:a16="http://schemas.microsoft.com/office/drawing/2014/main" id="{914F64A7-6563-4AB6-8689-16A2544DCB10}"/>
+                <a16:creationId xmlns:a16="http://schemas.microsoft.com/office/drawing/2014/main" id="{36842376-637C-4426-B9D6-C26942C81C23}"/>
               </a:ext>
             </a:extLst>
           </p:cNvPr>
@@ -7079,7 +7164,7 @@
           <a:p>
             <a:r>
               <a:rPr lang="hu-HU" dirty="0"/>
-              <a:t>A rendszer jelenleg…</a:t>
+              <a:t>Asztali alkalmazás</a:t>
             </a:r>
           </a:p>
         </p:txBody>
@@ -7089,7 +7174,7 @@
           <p:cNvPr id="3" name="Tartalom helye 2">
             <a:extLst>
               <a:ext uri="{FF2B5EF4-FFF2-40B4-BE49-F238E27FC236}">
-                <a16:creationId xmlns:a16="http://schemas.microsoft.com/office/drawing/2014/main" id="{3606BB6F-A050-418F-954D-26BFE15D26D1}"/>
+                <a16:creationId xmlns:a16="http://schemas.microsoft.com/office/drawing/2014/main" id="{AC769C33-66C2-40B3-BA89-7B49A755CF2C}"/>
               </a:ext>
             </a:extLst>
           </p:cNvPr>
@@ -7107,16 +7192,17 @@
           <a:p>
             <a:r>
               <a:rPr lang="hu-HU" dirty="0"/>
-              <a:t>Előre regisztrált felhasználói fiókokkal működik, jelenleg regisztráció nem lehetséges…</a:t>
+              <a:t>Robosztus, adminisztratív feladatokat lát el</a:t>
             </a:r>
           </a:p>
           <a:p>
             <a:endParaRPr lang="hu-HU" dirty="0"/>
           </a:p>
           <a:p>
+            <a:pPr algn="just"/>
             <a:r>
               <a:rPr lang="hu-HU" dirty="0"/>
-              <a:t>Webalkalmazásban konfigurálható minden működéshez szükséges adat (számlázási tételek, szobák, kategorizálásuk)</a:t>
+              <a:t>Háromrétegű architektúrában épül fel: adattárolás és modellek – vezérlés – felhasználói felület</a:t>
             </a:r>
           </a:p>
           <a:p>
@@ -7125,7 +7211,7 @@
           <a:p>
             <a:r>
               <a:rPr lang="hu-HU" dirty="0"/>
-              <a:t>Asztali alkalmazásban felhasználhatók a konfigurált adatok számlázásnál illetve foglalás kezelésnél, illetve ezen a felületen történik a vendégadatok kezelése</a:t>
+              <a:t>Foglalások kezelése menüpont</a:t>
             </a:r>
           </a:p>
           <a:p>
@@ -7134,7 +7220,16 @@
           <a:p>
             <a:r>
               <a:rPr lang="hu-HU" dirty="0"/>
-              <a:t>Minden bevitt, módosított adat egy adatbázisban tárolódik</a:t>
+              <a:t>Vendégadatok menedzselése</a:t>
+            </a:r>
+          </a:p>
+          <a:p>
+            <a:endParaRPr lang="hu-HU" dirty="0"/>
+          </a:p>
+          <a:p>
+            <a:r>
+              <a:rPr lang="hu-HU" dirty="0"/>
+              <a:t>Számlázás</a:t>
             </a:r>
           </a:p>
         </p:txBody>
@@ -7142,7 +7237,7 @@
     </p:spTree>
     <p:extLst>
       <p:ext uri="{BB962C8B-B14F-4D97-AF65-F5344CB8AC3E}">
-        <p14:creationId xmlns:p14="http://schemas.microsoft.com/office/powerpoint/2010/main" val="1213303619"/>
+        <p14:creationId xmlns:p14="http://schemas.microsoft.com/office/powerpoint/2010/main" val="1458788577"/>
       </p:ext>
     </p:extLst>
   </p:cSld>
@@ -7174,7 +7269,7 @@
           <p:cNvPr id="2" name="Cím 1">
             <a:extLst>
               <a:ext uri="{FF2B5EF4-FFF2-40B4-BE49-F238E27FC236}">
-                <a16:creationId xmlns:a16="http://schemas.microsoft.com/office/drawing/2014/main" id="{973C47EB-ADAC-40F2-8553-21C5D08591DA}"/>
+                <a16:creationId xmlns:a16="http://schemas.microsoft.com/office/drawing/2014/main" id="{655DEBD3-E558-4720-B950-57698467077D}"/>
               </a:ext>
             </a:extLst>
           </p:cNvPr>
@@ -7190,7 +7285,10 @@
           <a:bodyPr/>
           <a:lstStyle/>
           <a:p>
-            <a:endParaRPr lang="hu-HU"/>
+            <a:r>
+              <a:rPr lang="hu-HU" dirty="0"/>
+              <a:t>Adatok lekérdezését és adatok manipulációját segítő API</a:t>
+            </a:r>
           </a:p>
         </p:txBody>
       </p:sp>
@@ -7199,7 +7297,7 @@
           <p:cNvPr id="3" name="Tartalom helye 2">
             <a:extLst>
               <a:ext uri="{FF2B5EF4-FFF2-40B4-BE49-F238E27FC236}">
-                <a16:creationId xmlns:a16="http://schemas.microsoft.com/office/drawing/2014/main" id="{7115D22C-912B-4144-8496-CC5BBFB14876}"/>
+                <a16:creationId xmlns:a16="http://schemas.microsoft.com/office/drawing/2014/main" id="{2D9752FE-3E1B-4CFE-8C32-836AF2CB48CE}"/>
               </a:ext>
             </a:extLst>
           </p:cNvPr>
@@ -7212,17 +7310,86 @@
         </p:nvSpPr>
         <p:spPr/>
         <p:txBody>
-          <a:bodyPr/>
-          <a:lstStyle/>
-          <a:p>
-            <a:endParaRPr lang="hu-HU"/>
+          <a:bodyPr>
+            <a:normAutofit/>
+          </a:bodyPr>
+          <a:lstStyle/>
+          <a:p>
+            <a:r>
+              <a:rPr lang="hu-HU" dirty="0"/>
+              <a:t>Saját fejlesztés</a:t>
+            </a:r>
+          </a:p>
+          <a:p>
+            <a:endParaRPr lang="hu-HU" dirty="0"/>
+          </a:p>
+          <a:p>
+            <a:r>
+              <a:rPr lang="hu-HU" dirty="0"/>
+              <a:t>OOP adta lehetőségek: kód újra felhasználás</a:t>
+            </a:r>
+          </a:p>
+          <a:p>
+            <a:endParaRPr lang="hu-HU" dirty="0"/>
+          </a:p>
+          <a:p>
+            <a:r>
+              <a:rPr lang="hu-HU" i="1" dirty="0"/>
+              <a:t>Többrétegű architektúra és </a:t>
+            </a:r>
+            <a:r>
+              <a:rPr lang="hu-HU" i="1" dirty="0" err="1"/>
+              <a:t>Single</a:t>
+            </a:r>
+            <a:r>
+              <a:rPr lang="hu-HU" i="1" dirty="0"/>
+              <a:t> </a:t>
+            </a:r>
+            <a:r>
+              <a:rPr lang="hu-HU" i="1" dirty="0" err="1"/>
+              <a:t>responsibility</a:t>
+            </a:r>
+            <a:r>
+              <a:rPr lang="hu-HU" i="1" dirty="0"/>
+              <a:t> </a:t>
+            </a:r>
+            <a:r>
+              <a:rPr lang="hu-HU" i="1" dirty="0" err="1"/>
+              <a:t>principle</a:t>
+            </a:r>
+            <a:r>
+              <a:rPr lang="hu-HU" i="1" dirty="0"/>
+              <a:t> kapcsolata</a:t>
+            </a:r>
+            <a:endParaRPr lang="hu-HU" dirty="0"/>
+          </a:p>
+          <a:p>
+            <a:r>
+              <a:rPr lang="hu-HU" dirty="0"/>
+              <a:t>Adat lekérdezés egy C# nyelvi specifikus adatszerkezetben, egy adattáblában adja vissza egy lekérdezés eredménytábláját: könnyen és gyorsan kereshetők benne az adatok</a:t>
+            </a:r>
+          </a:p>
+          <a:p>
+            <a:pPr algn="just"/>
+            <a:r>
+              <a:rPr lang="hu-HU" dirty="0"/>
+              <a:t>Az adatmanipulációs eljárások paraméterben átadott SQL utasítással végrehajtódnak az adatbázison az Oracle MySQL </a:t>
+            </a:r>
+            <a:r>
+              <a:rPr lang="hu-HU" dirty="0" err="1"/>
+              <a:t>Connector</a:t>
+            </a:r>
+            <a:r>
+              <a:rPr lang="hu-HU" dirty="0"/>
+              <a:t> .NET platformra kiadott osztálykönyvtár segítségével (függőség).</a:t>
+            </a:r>
           </a:p>
         </p:txBody>
       </p:sp>
     </p:spTree>
     <p:extLst>
       <p:ext uri="{BB962C8B-B14F-4D97-AF65-F5344CB8AC3E}">
-        <p14:creationId xmlns:p14="http://schemas.microsoft.com/office/powerpoint/2010/main" val="1135838767"/>
+        <p14:creationId xmlns:p14="http://schemas.microsoft.com/office/powerpoint/2010/main" val="2864308748"/>
       </p:ext>
     </p:extLst>
   </p:cSld>

--- a/documentation/VR.pptx
+++ b/documentation/VR.pptx
@@ -14,7 +14,7 @@
     <p:sldId id="258" r:id="rId5"/>
     <p:sldId id="269" r:id="rId6"/>
     <p:sldId id="267" r:id="rId7"/>
-    <p:sldId id="264" r:id="rId8"/>
+    <p:sldId id="270" r:id="rId8"/>
     <p:sldId id="266" r:id="rId9"/>
     <p:sldId id="265" r:id="rId10"/>
     <p:sldId id="268" r:id="rId11"/>
@@ -6338,7 +6338,7 @@
         </p:nvSpPr>
         <p:spPr>
           <a:xfrm>
-            <a:off x="1797666" y="2768600"/>
+            <a:off x="756266" y="2768600"/>
             <a:ext cx="8596668" cy="1320800"/>
           </a:xfrm>
         </p:spPr>
@@ -6993,7 +6993,10 @@
             <a:endParaRPr lang="hu-HU" dirty="0"/>
           </a:p>
           <a:p>
-            <a:endParaRPr lang="hu-HU" dirty="0"/>
+            <a:r>
+              <a:rPr lang="hu-HU" dirty="0"/>
+              <a:t>Minden adatbázissal való érintkezés aszinkron történik</a:t>
+            </a:r>
           </a:p>
         </p:txBody>
       </p:sp>
@@ -7032,7 +7035,7 @@
           <p:cNvPr id="2" name="Cím 1">
             <a:extLst>
               <a:ext uri="{FF2B5EF4-FFF2-40B4-BE49-F238E27FC236}">
-                <a16:creationId xmlns:a16="http://schemas.microsoft.com/office/drawing/2014/main" id="{914F64A7-6563-4AB6-8689-16A2544DCB10}"/>
+                <a16:creationId xmlns:a16="http://schemas.microsoft.com/office/drawing/2014/main" id="{F6268253-ADCB-45CD-A00E-CDA6EA087197}"/>
               </a:ext>
             </a:extLst>
           </p:cNvPr>
@@ -7050,7 +7053,7 @@
           <a:p>
             <a:r>
               <a:rPr lang="hu-HU" dirty="0"/>
-              <a:t>A rendszer jelenleg…</a:t>
+              <a:t>Sütik</a:t>
             </a:r>
           </a:p>
         </p:txBody>
@@ -7060,7 +7063,7 @@
           <p:cNvPr id="3" name="Tartalom helye 2">
             <a:extLst>
               <a:ext uri="{FF2B5EF4-FFF2-40B4-BE49-F238E27FC236}">
-                <a16:creationId xmlns:a16="http://schemas.microsoft.com/office/drawing/2014/main" id="{3606BB6F-A050-418F-954D-26BFE15D26D1}"/>
+                <a16:creationId xmlns:a16="http://schemas.microsoft.com/office/drawing/2014/main" id="{150D9055-0B92-4A88-BDAD-EC904C8CCB0A}"/>
               </a:ext>
             </a:extLst>
           </p:cNvPr>
@@ -7076,45 +7079,14 @@
           <a:bodyPr/>
           <a:lstStyle/>
           <a:p>
-            <a:pPr algn="just"/>
-            <a:r>
-              <a:rPr lang="hu-HU" dirty="0"/>
-              <a:t>Előre regisztrált felhasználói fiókokkal működik, jelenleg regisztráció nem lehetséges…</a:t>
-            </a:r>
-          </a:p>
-          <a:p>
-            <a:endParaRPr lang="hu-HU" dirty="0"/>
-          </a:p>
-          <a:p>
-            <a:r>
-              <a:rPr lang="hu-HU" dirty="0"/>
-              <a:t>Webalkalmazásban konfigurálható minden működéshez szükséges adat (számlázási tételek, szobák, kategorizálásuk)</a:t>
-            </a:r>
-          </a:p>
-          <a:p>
-            <a:endParaRPr lang="hu-HU" dirty="0"/>
-          </a:p>
-          <a:p>
-            <a:r>
-              <a:rPr lang="hu-HU" dirty="0"/>
-              <a:t>Asztali alkalmazásban felhasználhatók a konfigurált adatok számlázásnál illetve foglalás kezelésnél, illetve ezen a felületen történik a vendégadatok kezelése</a:t>
-            </a:r>
-          </a:p>
-          <a:p>
-            <a:endParaRPr lang="hu-HU" dirty="0"/>
-          </a:p>
-          <a:p>
-            <a:r>
-              <a:rPr lang="hu-HU" dirty="0"/>
-              <a:t>Minden bevitt, módosított adat egy adatbázisban tárolódik</a:t>
-            </a:r>
+            <a:endParaRPr lang="hu-HU"/>
           </a:p>
         </p:txBody>
       </p:sp>
     </p:spTree>
     <p:extLst>
       <p:ext uri="{BB962C8B-B14F-4D97-AF65-F5344CB8AC3E}">
-        <p14:creationId xmlns:p14="http://schemas.microsoft.com/office/powerpoint/2010/main" val="1213303619"/>
+        <p14:creationId xmlns:p14="http://schemas.microsoft.com/office/powerpoint/2010/main" val="2991792115"/>
       </p:ext>
     </p:extLst>
   </p:cSld>
@@ -7311,7 +7283,7 @@
         <p:spPr/>
         <p:txBody>
           <a:bodyPr>
-            <a:normAutofit/>
+            <a:normAutofit fontScale="92500" lnSpcReduction="20000"/>
           </a:bodyPr>
           <a:lstStyle/>
           <a:p>
@@ -7335,32 +7307,10 @@
           <a:p>
             <a:r>
               <a:rPr lang="hu-HU" i="1" dirty="0"/>
-              <a:t>Többrétegű architektúra és </a:t>
-            </a:r>
-            <a:r>
-              <a:rPr lang="hu-HU" i="1" dirty="0" err="1"/>
-              <a:t>Single</a:t>
-            </a:r>
-            <a:r>
-              <a:rPr lang="hu-HU" i="1" dirty="0"/>
-              <a:t> </a:t>
-            </a:r>
-            <a:r>
-              <a:rPr lang="hu-HU" i="1" dirty="0" err="1"/>
-              <a:t>responsibility</a:t>
-            </a:r>
-            <a:r>
-              <a:rPr lang="hu-HU" i="1" dirty="0"/>
-              <a:t> </a:t>
-            </a:r>
-            <a:r>
-              <a:rPr lang="hu-HU" i="1" dirty="0" err="1"/>
-              <a:t>principle</a:t>
-            </a:r>
-            <a:r>
-              <a:rPr lang="hu-HU" i="1" dirty="0"/>
-              <a:t> kapcsolata</a:t>
-            </a:r>
+              <a:t>Többrétegű architektúra és Single responsibility principle kapcsolata</a:t>
+            </a:r>
+          </a:p>
+          <a:p>
             <a:endParaRPr lang="hu-HU" dirty="0"/>
           </a:p>
           <a:p>
@@ -7370,18 +7320,13 @@
             </a:r>
           </a:p>
           <a:p>
+            <a:endParaRPr lang="hu-HU" dirty="0"/>
+          </a:p>
+          <a:p>
             <a:pPr algn="just"/>
             <a:r>
               <a:rPr lang="hu-HU" dirty="0"/>
-              <a:t>Az adatmanipulációs eljárások paraméterben átadott SQL utasítással végrehajtódnak az adatbázison az Oracle MySQL </a:t>
-            </a:r>
-            <a:r>
-              <a:rPr lang="hu-HU" dirty="0" err="1"/>
-              <a:t>Connector</a:t>
-            </a:r>
-            <a:r>
-              <a:rPr lang="hu-HU" dirty="0"/>
-              <a:t> .NET platformra kiadott osztálykönyvtár segítségével (függőség).</a:t>
+              <a:t>Az adatmanipulációs eljárások paraméterben átadott SQL utasítással végrehajtódnak az adatbázison az Oracle MySQL Connector .NET platformra kiadott osztálykönyvtár segítségével (függőség).</a:t>
             </a:r>
           </a:p>
         </p:txBody>

--- a/documentation/VR.pptx
+++ b/documentation/VR.pptx
@@ -7053,7 +7053,7 @@
           <a:p>
             <a:r>
               <a:rPr lang="hu-HU" dirty="0"/>
-              <a:t>Sütik</a:t>
+              <a:t>HTTP-süti</a:t>
             </a:r>
           </a:p>
         </p:txBody>
@@ -7076,10 +7076,43 @@
         </p:nvSpPr>
         <p:spPr/>
         <p:txBody>
-          <a:bodyPr/>
-          <a:lstStyle/>
-          <a:p>
-            <a:endParaRPr lang="hu-HU"/>
+          <a:bodyPr>
+            <a:normAutofit/>
+          </a:bodyPr>
+          <a:lstStyle/>
+          <a:p>
+            <a:r>
+              <a:rPr lang="hu-HU" dirty="0"/>
+              <a:t>Információ csomag: szerver hozza létre a böngésző segítségével és ott eltárolásra kerül</a:t>
+            </a:r>
+          </a:p>
+          <a:p>
+            <a:endParaRPr lang="hu-HU" dirty="0"/>
+          </a:p>
+          <a:p>
+            <a:r>
+              <a:rPr lang="hu-HU" dirty="0"/>
+              <a:t>Folyamat: szerver küldi a böngésző felé és böngésző visszaküldi egy kérés után</a:t>
+            </a:r>
+          </a:p>
+          <a:p>
+            <a:endParaRPr lang="hu-HU" dirty="0"/>
+          </a:p>
+          <a:p>
+            <a:r>
+              <a:rPr lang="hu-HU" dirty="0"/>
+              <a:t>Ezen folyamat célja pl. a felhasználó gyorsabb azonosítása állapot bevezetésével az állapotmentes HTTP tranzakcióba</a:t>
+            </a:r>
+          </a:p>
+          <a:p>
+            <a:endParaRPr lang="hu-HU" dirty="0"/>
+          </a:p>
+          <a:p>
+            <a:pPr algn="just"/>
+            <a:r>
+              <a:rPr lang="hu-HU" dirty="0"/>
+              <a:t>Ebben a webalkalmazásban is ez a cél, ellenben a munkamenet-követéssel, amely állapota a böngésző bezárása után nem kerül eltárolásra</a:t>
+            </a:r>
           </a:p>
         </p:txBody>
       </p:sp>
